--- a/topic10/talk-0/Joi.pptx
+++ b/topic10/talk-0/Joi.pptx
@@ -4,6 +4,9 @@
   <p:sldMasterIdLst>
     <p:sldMasterId id="2147483648" r:id="rId4"/>
   </p:sldMasterIdLst>
+  <p:notesMasterIdLst>
+    <p:notesMasterId r:id="rId18"/>
+  </p:notesMasterIdLst>
   <p:sldIdLst>
     <p:sldId id="256" r:id="rId5"/>
     <p:sldId id="267" r:id="rId6"/>
@@ -116,6 +119,11 @@
       </a:defRPr>
     </a:lvl9pPr>
   </p:defaultTextStyle>
+  <p:extLst>
+    <p:ext uri="{EFAFB233-063F-42B5-8137-9DF3F51BA10A}">
+      <p15:sldGuideLst xmlns:p15="http://schemas.microsoft.com/office/powerpoint/2012/main"/>
+    </p:ext>
+  </p:extLst>
 </p:presentation>
 </file>
 
@@ -277,6 +285,673 @@
   </inkml:definitions>
   <inkml:trace contextRef="#ctx0" brushRef="#br0">0 23 1376 0 0,'0'0'220'0'0,"9"8"956"0"0,-5-6-861 0 0,1 0 0 0 0,-1-1 1 0 0,0 1-1 0 0,1-1 0 0 0,-1 0 0 0 0,1 0 1 0 0,0-1-1 0 0,-1 1 0 0 0,1-1 0 0 0,-1 0 1 0 0,1 0-1 0 0,0-1 0 0 0,-1 1 0 0 0,7-2 1 0 0,27-2 371 0 0,37 9-142 0 0,49 4-37 0 0,-123-9-493 0 0,39 4 470 0 0,85 6 192 0 0,-116-10-641 0 0,29 0 557 0 0,64-7 0 0 0,-58 5-52 0 0,-35 2-436 0 0,-1 0 0 0 0,1 0 0 0 0,0-1 0 0 0,-1 0-1 0 0,12-3 1 0 0,-4 0-57 0 0,0 1 0 0 0,1 1 0 0 0,20-1 0 0 0,5-1-2 0 0,128-12 530 0 0,-136 13-477 0 0,64 4 1 0 0,-37 0-30 0 0,-1 2 17 0 0,-39-1 98 0 0,0-1 1 0 0,32-3-1 0 0,136-13 1023 0 0,-166 13-1188 0 0,0 1 1 0 0,0 1 0 0 0,0 1-1 0 0,0 1 1 0 0,31 6 0 0 0,39 4-27 0 0,-56-8 0 0 0,186 3 405 0 0,-182-7-351 0 0,84 9 496 0 0,-74-6-372 0 0,93-6 0 0 0,-31-1-1 0 0,-62 2-107 0 0,-31 0-14 0 0,0 2 0 0 0,0 0 0 0 0,21 3 0 0 0,62 10 357 0 0,164-2-1 0 0,-83-6 18 0 0,61 2 152 0 0,-175-2-429 0 0,-32-2 138 0 0,-34-4-276 0 0,-1 1 0 0 0,1 0-1 0 0,0 0 1 0 0,0 0-1 0 0,-1 1 1 0 0,1-1-1 0 0,0 1 1 0 0,-1 0 0 0 0,7 2-1 0 0,0 0 2 0 0,120 18-70 0 0,-87-14-48 0 0,-31-4 84 0 0,0-1 0 0 0,0 0 0 0 0,13-1 0 0 0,158 6 88 0 0,-159-6-66 0 0,21-1 15 0 0,-38-1-5 0 0,-1 1 0 0 0,0 0 0 0 0,1 1 0 0 0,9 1 1 0 0,11 0 3 0 0,79 0 34 0 0,101-3 103 0 0,-132 1 12 0 0,-2-6-23 0 0,51-5 88 0 0,-97 8-220 0 0,11-3 23 0 0,49 0 0 0 0,7 1 35 0 0,66-4 0 0 0,-54 2-64 0 0,-63 2 0 0 0,-26 4 7 0 0,81-5 117 0 0,116 2 217 0 0,-200 4-338 0 0,41 0 101 0 0,60-7 0 0 0,-96 5-52 0 0,0 2 0 0 0,1 0-1 0 0,28 5 1 0 0,20-1 40 0 0,53 5-71 0 0,39-2 449 0 0,-3 0-23 0 0,-86 2-383 0 0,19-1-64 0 0,40 4 0 0 0,-14-8 64 0 0,98-4 0 0 0,-189-1-64 0 0,17 2 0 0 0,-17 1 16 0 0,38-1-1 0 0,-38-1 2 0 0,46 5-1 0 0,-51-3 20 0 0,0-1 0 0 0,1-1 0 0 0,26-3 0 0 0,-24 1 4 0 0,1 1 0 0 0,25 3 0 0 0,-12-1-40 0 0,-1-1 0 0 0,61-7 0 0 0,-70 4 40 0 0,0 1 0 0 0,0 1 0 0 0,54 6 0 0 0,-54-3-59 0 0,38 0 0 0 0,-55-2-61 0 0,7 0 87 0 0,23 0 243 0 0,65-8-1 0 0,-39 0-165 0 0,-40 2-44 0 0,0 2-1 0 0,37-1 0 0 0,0 0 25 0 0,85-6 74 0 0,-32-1-20 0 0,-69 9-106 0 0,13-2 104 0 0,-48 3-97 0 0,-1 2 1 0 0,19-1-1 0 0,12 0-3 0 0,46-15 48 0 0,-41 11 0 0 0,77 1 0 0 0,-119 4-64 0 0,38-1 0 0 0,-17 2 4 0 0,-23-1-6 0 0,1-1 0 0 0,-1 1 1 0 0,0 0-1 0 0,0 1 0 0 0,0-1 1 0 0,0 0-1 0 0,1 1 0 0 0,-1 0 1 0 0,0 0-1 0 0,3 1 1 0 0,15 6-1137 0 0,-7-4-54 0 0</inkml:trace>
 </inkml:ink>
+</file>
+
+<file path=ppt/notesMasters/notesMaster1.xml><?xml version="1.0" encoding="utf-8"?>
+<p:notesMaster xmlns:a="http://schemas.openxmlformats.org/drawingml/2006/main" xmlns:r="http://schemas.openxmlformats.org/officeDocument/2006/relationships" xmlns:p="http://schemas.openxmlformats.org/presentationml/2006/main">
+  <p:cSld>
+    <p:bg>
+      <p:bgRef idx="1001">
+        <a:schemeClr val="bg1"/>
+      </p:bgRef>
+    </p:bg>
+    <p:spTree>
+      <p:nvGrpSpPr>
+        <p:cNvPr id="1" name=""/>
+        <p:cNvGrpSpPr/>
+        <p:nvPr/>
+      </p:nvGrpSpPr>
+      <p:grpSpPr>
+        <a:xfrm>
+          <a:off x="0" y="0"/>
+          <a:ext cx="0" cy="0"/>
+          <a:chOff x="0" y="0"/>
+          <a:chExt cx="0" cy="0"/>
+        </a:xfrm>
+      </p:grpSpPr>
+      <p:sp>
+        <p:nvSpPr>
+          <p:cNvPr id="2" name="Header Placeholder 1"/>
+          <p:cNvSpPr>
+            <a:spLocks noGrp="1"/>
+          </p:cNvSpPr>
+          <p:nvPr>
+            <p:ph type="hdr" sz="quarter"/>
+          </p:nvPr>
+        </p:nvSpPr>
+        <p:spPr>
+          <a:xfrm>
+            <a:off x="0" y="0"/>
+            <a:ext cx="2971800" cy="458788"/>
+          </a:xfrm>
+          <a:prstGeom prst="rect">
+            <a:avLst/>
+          </a:prstGeom>
+        </p:spPr>
+        <p:txBody>
+          <a:bodyPr vert="horz" lIns="91440" tIns="45720" rIns="91440" bIns="45720" rtlCol="0"/>
+          <a:lstStyle>
+            <a:lvl1pPr algn="l">
+              <a:defRPr sz="1200"/>
+            </a:lvl1pPr>
+          </a:lstStyle>
+          <a:p>
+            <a:endParaRPr lang="en-IE"/>
+          </a:p>
+        </p:txBody>
+      </p:sp>
+      <p:sp>
+        <p:nvSpPr>
+          <p:cNvPr id="3" name="Date Placeholder 2"/>
+          <p:cNvSpPr>
+            <a:spLocks noGrp="1"/>
+          </p:cNvSpPr>
+          <p:nvPr>
+            <p:ph type="dt" idx="1"/>
+          </p:nvPr>
+        </p:nvSpPr>
+        <p:spPr>
+          <a:xfrm>
+            <a:off x="3884613" y="0"/>
+            <a:ext cx="2971800" cy="458788"/>
+          </a:xfrm>
+          <a:prstGeom prst="rect">
+            <a:avLst/>
+          </a:prstGeom>
+        </p:spPr>
+        <p:txBody>
+          <a:bodyPr vert="horz" lIns="91440" tIns="45720" rIns="91440" bIns="45720" rtlCol="0"/>
+          <a:lstStyle>
+            <a:lvl1pPr algn="r">
+              <a:defRPr sz="1200"/>
+            </a:lvl1pPr>
+          </a:lstStyle>
+          <a:p>
+            <a:fld id="{782FA1DB-CFA1-4E1F-B537-5EF4E541C086}" type="datetimeFigureOut">
+              <a:rPr lang="en-IE" smtClean="0"/>
+              <a:t>29/03/2022</a:t>
+            </a:fld>
+            <a:endParaRPr lang="en-IE"/>
+          </a:p>
+        </p:txBody>
+      </p:sp>
+      <p:sp>
+        <p:nvSpPr>
+          <p:cNvPr id="4" name="Slide Image Placeholder 3"/>
+          <p:cNvSpPr>
+            <a:spLocks noGrp="1" noRot="1" noChangeAspect="1"/>
+          </p:cNvSpPr>
+          <p:nvPr>
+            <p:ph type="sldImg" idx="2"/>
+          </p:nvPr>
+        </p:nvSpPr>
+        <p:spPr>
+          <a:xfrm>
+            <a:off x="685800" y="1143000"/>
+            <a:ext cx="5486400" cy="3086100"/>
+          </a:xfrm>
+          <a:prstGeom prst="rect">
+            <a:avLst/>
+          </a:prstGeom>
+          <a:noFill/>
+          <a:ln w="12700">
+            <a:solidFill>
+              <a:prstClr val="black"/>
+            </a:solidFill>
+          </a:ln>
+        </p:spPr>
+        <p:txBody>
+          <a:bodyPr vert="horz" lIns="91440" tIns="45720" rIns="91440" bIns="45720" rtlCol="0" anchor="ctr"/>
+          <a:lstStyle/>
+          <a:p>
+            <a:endParaRPr lang="en-IE"/>
+          </a:p>
+        </p:txBody>
+      </p:sp>
+      <p:sp>
+        <p:nvSpPr>
+          <p:cNvPr id="5" name="Notes Placeholder 4"/>
+          <p:cNvSpPr>
+            <a:spLocks noGrp="1"/>
+          </p:cNvSpPr>
+          <p:nvPr>
+            <p:ph type="body" sz="quarter" idx="3"/>
+          </p:nvPr>
+        </p:nvSpPr>
+        <p:spPr>
+          <a:xfrm>
+            <a:off x="685800" y="4400550"/>
+            <a:ext cx="5486400" cy="3600450"/>
+          </a:xfrm>
+          <a:prstGeom prst="rect">
+            <a:avLst/>
+          </a:prstGeom>
+        </p:spPr>
+        <p:txBody>
+          <a:bodyPr vert="horz" lIns="91440" tIns="45720" rIns="91440" bIns="45720" rtlCol="0"/>
+          <a:lstStyle/>
+          <a:p>
+            <a:pPr lvl="0"/>
+            <a:r>
+              <a:rPr lang="en-US"/>
+              <a:t>Click to edit Master text styles</a:t>
+            </a:r>
+          </a:p>
+          <a:p>
+            <a:pPr lvl="1"/>
+            <a:r>
+              <a:rPr lang="en-US"/>
+              <a:t>Second level</a:t>
+            </a:r>
+          </a:p>
+          <a:p>
+            <a:pPr lvl="2"/>
+            <a:r>
+              <a:rPr lang="en-US"/>
+              <a:t>Third level</a:t>
+            </a:r>
+          </a:p>
+          <a:p>
+            <a:pPr lvl="3"/>
+            <a:r>
+              <a:rPr lang="en-US"/>
+              <a:t>Fourth level</a:t>
+            </a:r>
+          </a:p>
+          <a:p>
+            <a:pPr lvl="4"/>
+            <a:r>
+              <a:rPr lang="en-US"/>
+              <a:t>Fifth level</a:t>
+            </a:r>
+            <a:endParaRPr lang="en-IE"/>
+          </a:p>
+        </p:txBody>
+      </p:sp>
+      <p:sp>
+        <p:nvSpPr>
+          <p:cNvPr id="6" name="Footer Placeholder 5"/>
+          <p:cNvSpPr>
+            <a:spLocks noGrp="1"/>
+          </p:cNvSpPr>
+          <p:nvPr>
+            <p:ph type="ftr" sz="quarter" idx="4"/>
+          </p:nvPr>
+        </p:nvSpPr>
+        <p:spPr>
+          <a:xfrm>
+            <a:off x="0" y="8685213"/>
+            <a:ext cx="2971800" cy="458787"/>
+          </a:xfrm>
+          <a:prstGeom prst="rect">
+            <a:avLst/>
+          </a:prstGeom>
+        </p:spPr>
+        <p:txBody>
+          <a:bodyPr vert="horz" lIns="91440" tIns="45720" rIns="91440" bIns="45720" rtlCol="0" anchor="b"/>
+          <a:lstStyle>
+            <a:lvl1pPr algn="l">
+              <a:defRPr sz="1200"/>
+            </a:lvl1pPr>
+          </a:lstStyle>
+          <a:p>
+            <a:endParaRPr lang="en-IE"/>
+          </a:p>
+        </p:txBody>
+      </p:sp>
+      <p:sp>
+        <p:nvSpPr>
+          <p:cNvPr id="7" name="Slide Number Placeholder 6"/>
+          <p:cNvSpPr>
+            <a:spLocks noGrp="1"/>
+          </p:cNvSpPr>
+          <p:nvPr>
+            <p:ph type="sldNum" sz="quarter" idx="5"/>
+          </p:nvPr>
+        </p:nvSpPr>
+        <p:spPr>
+          <a:xfrm>
+            <a:off x="3884613" y="8685213"/>
+            <a:ext cx="2971800" cy="458787"/>
+          </a:xfrm>
+          <a:prstGeom prst="rect">
+            <a:avLst/>
+          </a:prstGeom>
+        </p:spPr>
+        <p:txBody>
+          <a:bodyPr vert="horz" lIns="91440" tIns="45720" rIns="91440" bIns="45720" rtlCol="0" anchor="b"/>
+          <a:lstStyle>
+            <a:lvl1pPr algn="r">
+              <a:defRPr sz="1200"/>
+            </a:lvl1pPr>
+          </a:lstStyle>
+          <a:p>
+            <a:fld id="{5457055F-9E7F-43BC-AF0A-B162A4B6C344}" type="slidenum">
+              <a:rPr lang="en-IE" smtClean="0"/>
+              <a:t>‹#›</a:t>
+            </a:fld>
+            <a:endParaRPr lang="en-IE"/>
+          </a:p>
+        </p:txBody>
+      </p:sp>
+    </p:spTree>
+    <p:extLst>
+      <p:ext uri="{BB962C8B-B14F-4D97-AF65-F5344CB8AC3E}">
+        <p14:creationId xmlns:p14="http://schemas.microsoft.com/office/powerpoint/2010/main" val="2163241641"/>
+      </p:ext>
+    </p:extLst>
+  </p:cSld>
+  <p:clrMap bg1="lt1" tx1="dk1" bg2="lt2" tx2="dk2" accent1="accent1" accent2="accent2" accent3="accent3" accent4="accent4" accent5="accent5" accent6="accent6" hlink="hlink" folHlink="folHlink"/>
+  <p:notesStyle>
+    <a:lvl1pPr marL="0" algn="l" defTabSz="914400" rtl="0" eaLnBrk="1" latinLnBrk="0" hangingPunct="1">
+      <a:defRPr sz="1200" kern="1200">
+        <a:solidFill>
+          <a:schemeClr val="tx1"/>
+        </a:solidFill>
+        <a:latin typeface="+mn-lt"/>
+        <a:ea typeface="+mn-ea"/>
+        <a:cs typeface="+mn-cs"/>
+      </a:defRPr>
+    </a:lvl1pPr>
+    <a:lvl2pPr marL="457200" algn="l" defTabSz="914400" rtl="0" eaLnBrk="1" latinLnBrk="0" hangingPunct="1">
+      <a:defRPr sz="1200" kern="1200">
+        <a:solidFill>
+          <a:schemeClr val="tx1"/>
+        </a:solidFill>
+        <a:latin typeface="+mn-lt"/>
+        <a:ea typeface="+mn-ea"/>
+        <a:cs typeface="+mn-cs"/>
+      </a:defRPr>
+    </a:lvl2pPr>
+    <a:lvl3pPr marL="914400" algn="l" defTabSz="914400" rtl="0" eaLnBrk="1" latinLnBrk="0" hangingPunct="1">
+      <a:defRPr sz="1200" kern="1200">
+        <a:solidFill>
+          <a:schemeClr val="tx1"/>
+        </a:solidFill>
+        <a:latin typeface="+mn-lt"/>
+        <a:ea typeface="+mn-ea"/>
+        <a:cs typeface="+mn-cs"/>
+      </a:defRPr>
+    </a:lvl3pPr>
+    <a:lvl4pPr marL="1371600" algn="l" defTabSz="914400" rtl="0" eaLnBrk="1" latinLnBrk="0" hangingPunct="1">
+      <a:defRPr sz="1200" kern="1200">
+        <a:solidFill>
+          <a:schemeClr val="tx1"/>
+        </a:solidFill>
+        <a:latin typeface="+mn-lt"/>
+        <a:ea typeface="+mn-ea"/>
+        <a:cs typeface="+mn-cs"/>
+      </a:defRPr>
+    </a:lvl4pPr>
+    <a:lvl5pPr marL="1828800" algn="l" defTabSz="914400" rtl="0" eaLnBrk="1" latinLnBrk="0" hangingPunct="1">
+      <a:defRPr sz="1200" kern="1200">
+        <a:solidFill>
+          <a:schemeClr val="tx1"/>
+        </a:solidFill>
+        <a:latin typeface="+mn-lt"/>
+        <a:ea typeface="+mn-ea"/>
+        <a:cs typeface="+mn-cs"/>
+      </a:defRPr>
+    </a:lvl5pPr>
+    <a:lvl6pPr marL="2286000" algn="l" defTabSz="914400" rtl="0" eaLnBrk="1" latinLnBrk="0" hangingPunct="1">
+      <a:defRPr sz="1200" kern="1200">
+        <a:solidFill>
+          <a:schemeClr val="tx1"/>
+        </a:solidFill>
+        <a:latin typeface="+mn-lt"/>
+        <a:ea typeface="+mn-ea"/>
+        <a:cs typeface="+mn-cs"/>
+      </a:defRPr>
+    </a:lvl6pPr>
+    <a:lvl7pPr marL="2743200" algn="l" defTabSz="914400" rtl="0" eaLnBrk="1" latinLnBrk="0" hangingPunct="1">
+      <a:defRPr sz="1200" kern="1200">
+        <a:solidFill>
+          <a:schemeClr val="tx1"/>
+        </a:solidFill>
+        <a:latin typeface="+mn-lt"/>
+        <a:ea typeface="+mn-ea"/>
+        <a:cs typeface="+mn-cs"/>
+      </a:defRPr>
+    </a:lvl7pPr>
+    <a:lvl8pPr marL="3200400" algn="l" defTabSz="914400" rtl="0" eaLnBrk="1" latinLnBrk="0" hangingPunct="1">
+      <a:defRPr sz="1200" kern="1200">
+        <a:solidFill>
+          <a:schemeClr val="tx1"/>
+        </a:solidFill>
+        <a:latin typeface="+mn-lt"/>
+        <a:ea typeface="+mn-ea"/>
+        <a:cs typeface="+mn-cs"/>
+      </a:defRPr>
+    </a:lvl8pPr>
+    <a:lvl9pPr marL="3657600" algn="l" defTabSz="914400" rtl="0" eaLnBrk="1" latinLnBrk="0" hangingPunct="1">
+      <a:defRPr sz="1200" kern="1200">
+        <a:solidFill>
+          <a:schemeClr val="tx1"/>
+        </a:solidFill>
+        <a:latin typeface="+mn-lt"/>
+        <a:ea typeface="+mn-ea"/>
+        <a:cs typeface="+mn-cs"/>
+      </a:defRPr>
+    </a:lvl9pPr>
+  </p:notesStyle>
+</p:notesMaster>
+</file>
+
+<file path=ppt/notesSlides/notesSlide1.xml><?xml version="1.0" encoding="utf-8"?>
+<p:notes xmlns:a="http://schemas.openxmlformats.org/drawingml/2006/main" xmlns:r="http://schemas.openxmlformats.org/officeDocument/2006/relationships" xmlns:p="http://schemas.openxmlformats.org/presentationml/2006/main">
+  <p:cSld>
+    <p:spTree>
+      <p:nvGrpSpPr>
+        <p:cNvPr id="1" name=""/>
+        <p:cNvGrpSpPr/>
+        <p:nvPr/>
+      </p:nvGrpSpPr>
+      <p:grpSpPr>
+        <a:xfrm>
+          <a:off x="0" y="0"/>
+          <a:ext cx="0" cy="0"/>
+          <a:chOff x="0" y="0"/>
+          <a:chExt cx="0" cy="0"/>
+        </a:xfrm>
+      </p:grpSpPr>
+      <p:sp>
+        <p:nvSpPr>
+          <p:cNvPr id="2" name="Slide Image Placeholder 1"/>
+          <p:cNvSpPr>
+            <a:spLocks noGrp="1" noRot="1" noChangeAspect="1"/>
+          </p:cNvSpPr>
+          <p:nvPr>
+            <p:ph type="sldImg"/>
+          </p:nvPr>
+        </p:nvSpPr>
+        <p:spPr/>
+      </p:sp>
+      <p:sp>
+        <p:nvSpPr>
+          <p:cNvPr id="3" name="Notes Placeholder 2"/>
+          <p:cNvSpPr>
+            <a:spLocks noGrp="1"/>
+          </p:cNvSpPr>
+          <p:nvPr>
+            <p:ph type="body" idx="1"/>
+          </p:nvPr>
+        </p:nvSpPr>
+        <p:spPr/>
+        <p:txBody>
+          <a:bodyPr/>
+          <a:lstStyle/>
+          <a:p>
+            <a:r>
+              <a:rPr lang="en-IE" b="0" i="0" dirty="0">
+                <a:solidFill>
+                  <a:srgbClr val="374151"/>
+                </a:solidFill>
+                <a:effectLst/>
+                <a:latin typeface="Inter var"/>
+              </a:rPr>
+              <a:t>HTTP logic layer</a:t>
+            </a:r>
+          </a:p>
+          <a:p>
+            <a:pPr lvl="1"/>
+            <a:r>
+              <a:rPr lang="en-IE" dirty="0">
+                <a:solidFill>
+                  <a:srgbClr val="374151"/>
+                </a:solidFill>
+                <a:latin typeface="Inter var"/>
+              </a:rPr>
+              <a:t>Routers:</a:t>
+            </a:r>
+          </a:p>
+          <a:p>
+            <a:pPr lvl="2"/>
+            <a:r>
+              <a:rPr lang="en-GB" b="0" i="0" dirty="0">
+                <a:solidFill>
+                  <a:srgbClr val="374151"/>
+                </a:solidFill>
+                <a:effectLst/>
+                <a:latin typeface="Inter var"/>
+              </a:rPr>
+              <a:t>handle the HTTP requests that hits the API and route them to appropriate controller</a:t>
+            </a:r>
+          </a:p>
+          <a:p>
+            <a:pPr lvl="1"/>
+            <a:r>
+              <a:rPr lang="en-IE" b="0" i="0" dirty="0">
+                <a:solidFill>
+                  <a:srgbClr val="374151"/>
+                </a:solidFill>
+                <a:effectLst/>
+                <a:latin typeface="Inter var"/>
+              </a:rPr>
+              <a:t>Controllers: </a:t>
+            </a:r>
+          </a:p>
+          <a:p>
+            <a:pPr lvl="2"/>
+            <a:r>
+              <a:rPr lang="en-GB" b="0" i="0" dirty="0">
+                <a:solidFill>
+                  <a:srgbClr val="374151"/>
+                </a:solidFill>
+                <a:effectLst/>
+                <a:latin typeface="Inter var"/>
+              </a:rPr>
+              <a:t>Processes request object, pull out data from request, validate, then send to service(s)</a:t>
+            </a:r>
+          </a:p>
+          <a:p>
+            <a:r>
+              <a:rPr lang="en-GB" dirty="0">
+                <a:solidFill>
+                  <a:srgbClr val="374151"/>
+                </a:solidFill>
+                <a:latin typeface="Inter var"/>
+              </a:rPr>
+              <a:t>Business logic Layer</a:t>
+            </a:r>
+          </a:p>
+          <a:p>
+            <a:pPr lvl="1"/>
+            <a:r>
+              <a:rPr lang="en-GB" dirty="0">
+                <a:solidFill>
+                  <a:srgbClr val="374151"/>
+                </a:solidFill>
+                <a:latin typeface="Inter var"/>
+              </a:rPr>
+              <a:t>Services: derived from use cases/business  requirements</a:t>
+            </a:r>
+          </a:p>
+          <a:p>
+            <a:pPr lvl="1"/>
+            <a:r>
+              <a:rPr lang="en-GB" dirty="0">
+                <a:solidFill>
+                  <a:srgbClr val="374151"/>
+                </a:solidFill>
+                <a:latin typeface="Inter var"/>
+              </a:rPr>
+              <a:t>Data Access: Repository/data store access</a:t>
+            </a:r>
+            <a:endParaRPr lang="en-IE" dirty="0">
+              <a:solidFill>
+                <a:srgbClr val="374151"/>
+              </a:solidFill>
+              <a:latin typeface="Inter var"/>
+            </a:endParaRPr>
+          </a:p>
+          <a:p>
+            <a:endParaRPr lang="en-IE" dirty="0"/>
+          </a:p>
+          <a:p>
+            <a:r>
+              <a:rPr lang="en-GB" b="0" i="0" dirty="0">
+                <a:solidFill>
+                  <a:srgbClr val="374151"/>
+                </a:solidFill>
+                <a:effectLst/>
+                <a:latin typeface="Inter var"/>
+              </a:rPr>
+              <a:t>I think of </a:t>
+            </a:r>
+            <a:r>
+              <a:rPr lang="en-GB" dirty="0"/>
+              <a:t>controllers</a:t>
+            </a:r>
+            <a:r>
+              <a:rPr lang="en-GB" b="0" i="0" dirty="0">
+                <a:solidFill>
+                  <a:srgbClr val="374151"/>
+                </a:solidFill>
+                <a:effectLst/>
+                <a:latin typeface="Inter var"/>
+              </a:rPr>
+              <a:t> as "orchestrators". They call the </a:t>
+            </a:r>
+            <a:r>
+              <a:rPr lang="en-GB" dirty="0"/>
+              <a:t>services</a:t>
+            </a:r>
+            <a:r>
+              <a:rPr lang="en-GB" b="0" i="0" dirty="0">
+                <a:solidFill>
+                  <a:srgbClr val="374151"/>
+                </a:solidFill>
+                <a:effectLst/>
+                <a:latin typeface="Inter var"/>
+              </a:rPr>
+              <a:t>, which contain more "pure" business logic. But by </a:t>
+            </a:r>
+            <a:r>
+              <a:rPr lang="en-GB" b="0" i="0" dirty="0" err="1">
+                <a:solidFill>
+                  <a:srgbClr val="374151"/>
+                </a:solidFill>
+                <a:effectLst/>
+                <a:latin typeface="Inter var"/>
+              </a:rPr>
+              <a:t>themselves,</a:t>
+            </a:r>
+            <a:r>
+              <a:rPr lang="en-GB" dirty="0" err="1"/>
+              <a:t>controllers</a:t>
+            </a:r>
+            <a:r>
+              <a:rPr lang="en-GB" b="0" i="0" dirty="0">
+                <a:solidFill>
+                  <a:srgbClr val="374151"/>
+                </a:solidFill>
+                <a:effectLst/>
+                <a:latin typeface="Inter var"/>
+              </a:rPr>
+              <a:t> don't really contain any logic other than handling the request and calling </a:t>
+            </a:r>
+            <a:r>
+              <a:rPr lang="en-GB" dirty="0"/>
+              <a:t>services</a:t>
+            </a:r>
+            <a:r>
+              <a:rPr lang="en-GB" b="0" i="0" dirty="0">
+                <a:solidFill>
+                  <a:srgbClr val="374151"/>
+                </a:solidFill>
+                <a:effectLst/>
+                <a:latin typeface="Inter var"/>
+              </a:rPr>
+              <a:t>. The </a:t>
+            </a:r>
+            <a:r>
+              <a:rPr lang="en-GB" dirty="0"/>
+              <a:t>services</a:t>
+            </a:r>
+            <a:r>
+              <a:rPr lang="en-GB" b="0" i="0" dirty="0">
+                <a:solidFill>
+                  <a:srgbClr val="374151"/>
+                </a:solidFill>
+                <a:effectLst/>
+                <a:latin typeface="Inter var"/>
+              </a:rPr>
+              <a:t> do most of the work, while the </a:t>
+            </a:r>
+            <a:r>
+              <a:rPr lang="en-GB" dirty="0"/>
+              <a:t>controllers</a:t>
+            </a:r>
+            <a:r>
+              <a:rPr lang="en-GB" b="0" i="0" dirty="0">
+                <a:solidFill>
+                  <a:srgbClr val="374151"/>
+                </a:solidFill>
+                <a:effectLst/>
+                <a:latin typeface="Inter var"/>
+              </a:rPr>
+              <a:t> orchestrate the service calls and decide what to do with the data returned.</a:t>
+            </a:r>
+          </a:p>
+          <a:p>
+            <a:r>
+              <a:rPr lang="en-GB" dirty="0"/>
+              <a:t>Services</a:t>
+            </a:r>
+            <a:r>
+              <a:rPr lang="en-GB" b="0" i="0" dirty="0">
+                <a:solidFill>
+                  <a:srgbClr val="374151"/>
+                </a:solidFill>
+                <a:effectLst/>
+                <a:latin typeface="Inter var"/>
+              </a:rPr>
+              <a:t> should contain the majority of your business logic: - logic that encapsulates your business requirements, calls your data access layer or models, calls API's external to the Node application. And in general, contains most of your algorithmic code.</a:t>
+            </a:r>
+            <a:endParaRPr lang="en-IE" dirty="0"/>
+          </a:p>
+          <a:p>
+            <a:r>
+              <a:rPr lang="en-IE" dirty="0"/>
+              <a:t>Repositories: Store and Retrieve data</a:t>
+            </a:r>
+          </a:p>
+        </p:txBody>
+      </p:sp>
+      <p:sp>
+        <p:nvSpPr>
+          <p:cNvPr id="4" name="Slide Number Placeholder 3"/>
+          <p:cNvSpPr>
+            <a:spLocks noGrp="1"/>
+          </p:cNvSpPr>
+          <p:nvPr>
+            <p:ph type="sldNum" sz="quarter" idx="5"/>
+          </p:nvPr>
+        </p:nvSpPr>
+        <p:spPr/>
+        <p:txBody>
+          <a:bodyPr/>
+          <a:lstStyle/>
+          <a:p>
+            <a:fld id="{5457055F-9E7F-43BC-AF0A-B162A4B6C344}" type="slidenum">
+              <a:rPr lang="en-IE" smtClean="0"/>
+              <a:t>2</a:t>
+            </a:fld>
+            <a:endParaRPr lang="en-IE"/>
+          </a:p>
+        </p:txBody>
+      </p:sp>
+    </p:spTree>
+    <p:extLst>
+      <p:ext uri="{BB962C8B-B14F-4D97-AF65-F5344CB8AC3E}">
+        <p14:creationId xmlns:p14="http://schemas.microsoft.com/office/powerpoint/2010/main" val="3018885095"/>
+      </p:ext>
+    </p:extLst>
+  </p:cSld>
+  <p:clrMapOvr>
+    <a:masterClrMapping/>
+  </p:clrMapOvr>
+</p:notes>
 </file>
 
 <file path=ppt/slideLayouts/slideLayout1.xml><?xml version="1.0" encoding="utf-8"?>
@@ -3728,8 +4403,8 @@
           </a:prstGeom>
         </p:spPr>
       </p:pic>
-      <mc:AlternateContent xmlns:mc="http://schemas.openxmlformats.org/markup-compatibility/2006">
-        <mc:Choice xmlns:p14="http://schemas.microsoft.com/office/powerpoint/2010/main" Requires="p14">
+      <mc:AlternateContent xmlns:mc="http://schemas.openxmlformats.org/markup-compatibility/2006" xmlns:p14="http://schemas.microsoft.com/office/powerpoint/2010/main">
+        <mc:Choice Requires="p14">
           <p:contentPart p14:bwMode="auto" r:id="rId4">
             <p14:nvContentPartPr>
               <p14:cNvPr id="9" name="Ink 8">
@@ -3748,7 +4423,7 @@
             </p14:xfrm>
           </p:contentPart>
         </mc:Choice>
-        <mc:Fallback>
+        <mc:Fallback xmlns="">
           <p:pic>
             <p:nvPicPr>
               <p:cNvPr id="9" name="Ink 8">
@@ -3799,8 +4474,8 @@
             <a:chExt cx="5619240" cy="1321920"/>
           </a:xfrm>
         </p:grpSpPr>
-        <mc:AlternateContent xmlns:mc="http://schemas.openxmlformats.org/markup-compatibility/2006">
-          <mc:Choice xmlns:p14="http://schemas.microsoft.com/office/powerpoint/2010/main" Requires="p14">
+        <mc:AlternateContent xmlns:mc="http://schemas.openxmlformats.org/markup-compatibility/2006" xmlns:p14="http://schemas.microsoft.com/office/powerpoint/2010/main">
+          <mc:Choice Requires="p14">
             <p:contentPart p14:bwMode="auto" r:id="rId6">
               <p14:nvContentPartPr>
                 <p14:cNvPr id="13" name="Ink 12">
@@ -3819,7 +4494,7 @@
               </p14:xfrm>
             </p:contentPart>
           </mc:Choice>
-          <mc:Fallback>
+          <mc:Fallback xmlns="">
             <p:pic>
               <p:nvPicPr>
                 <p:cNvPr id="13" name="Ink 12">
@@ -3850,8 +4525,8 @@
             </p:pic>
           </mc:Fallback>
         </mc:AlternateContent>
-        <mc:AlternateContent xmlns:mc="http://schemas.openxmlformats.org/markup-compatibility/2006">
-          <mc:Choice xmlns:p14="http://schemas.microsoft.com/office/powerpoint/2010/main" Requires="p14">
+        <mc:AlternateContent xmlns:mc="http://schemas.openxmlformats.org/markup-compatibility/2006" xmlns:p14="http://schemas.microsoft.com/office/powerpoint/2010/main">
+          <mc:Choice Requires="p14">
             <p:contentPart p14:bwMode="auto" r:id="rId8">
               <p14:nvContentPartPr>
                 <p14:cNvPr id="14" name="Ink 13">
@@ -3870,7 +4545,7 @@
               </p14:xfrm>
             </p:contentPart>
           </mc:Choice>
-          <mc:Fallback>
+          <mc:Fallback xmlns="">
             <p:pic>
               <p:nvPicPr>
                 <p:cNvPr id="14" name="Ink 13">
@@ -3902,8 +4577,8 @@
           </mc:Fallback>
         </mc:AlternateContent>
       </p:grpSp>
-      <mc:AlternateContent xmlns:mc="http://schemas.openxmlformats.org/markup-compatibility/2006">
-        <mc:Choice xmlns:p14="http://schemas.microsoft.com/office/powerpoint/2010/main" Requires="p14">
+      <mc:AlternateContent xmlns:mc="http://schemas.openxmlformats.org/markup-compatibility/2006" xmlns:p14="http://schemas.microsoft.com/office/powerpoint/2010/main">
+        <mc:Choice Requires="p14">
           <p:contentPart p14:bwMode="auto" r:id="rId10">
             <p14:nvContentPartPr>
               <p14:cNvPr id="16" name="Ink 15">
@@ -3922,7 +4597,7 @@
             </p14:xfrm>
           </p:contentPart>
         </mc:Choice>
-        <mc:Fallback>
+        <mc:Fallback xmlns="">
           <p:pic>
             <p:nvPicPr>
               <p:cNvPr id="16" name="Ink 15">
@@ -3953,8 +4628,8 @@
           </p:pic>
         </mc:Fallback>
       </mc:AlternateContent>
-      <mc:AlternateContent xmlns:mc="http://schemas.openxmlformats.org/markup-compatibility/2006">
-        <mc:Choice xmlns:p14="http://schemas.microsoft.com/office/powerpoint/2010/main" Requires="p14">
+      <mc:AlternateContent xmlns:mc="http://schemas.openxmlformats.org/markup-compatibility/2006" xmlns:p14="http://schemas.microsoft.com/office/powerpoint/2010/main">
+        <mc:Choice Requires="p14">
           <p:contentPart p14:bwMode="auto" r:id="rId12">
             <p14:nvContentPartPr>
               <p14:cNvPr id="17" name="Ink 16">
@@ -3973,7 +4648,7 @@
             </p14:xfrm>
           </p:contentPart>
         </mc:Choice>
-        <mc:Fallback>
+        <mc:Fallback xmlns="">
           <p:pic>
             <p:nvPicPr>
               <p:cNvPr id="17" name="Ink 16">
@@ -4708,7 +5383,7 @@
           </p:nvPr>
         </p:nvPicPr>
         <p:blipFill>
-          <a:blip r:embed="rId2"/>
+          <a:blip r:embed="rId3"/>
           <a:stretch>
             <a:fillRect/>
           </a:stretch>
@@ -4770,7 +5445,7 @@
           <p:nvPr/>
         </p:nvPicPr>
         <p:blipFill>
-          <a:blip r:embed="rId3"/>
+          <a:blip r:embed="rId4"/>
           <a:stretch>
             <a:fillRect/>
           </a:stretch>
@@ -6370,7 +7045,317 @@
 </a:theme>
 </file>
 
+<file path=ppt/theme/theme2.xml><?xml version="1.0" encoding="utf-8"?>
+<a:theme xmlns:a="http://schemas.openxmlformats.org/drawingml/2006/main" name="Office Theme">
+  <a:themeElements>
+    <a:clrScheme name="Office">
+      <a:dk1>
+        <a:sysClr val="windowText" lastClr="000000"/>
+      </a:dk1>
+      <a:lt1>
+        <a:sysClr val="window" lastClr="FFFFFF"/>
+      </a:lt1>
+      <a:dk2>
+        <a:srgbClr val="44546A"/>
+      </a:dk2>
+      <a:lt2>
+        <a:srgbClr val="E7E6E6"/>
+      </a:lt2>
+      <a:accent1>
+        <a:srgbClr val="4472C4"/>
+      </a:accent1>
+      <a:accent2>
+        <a:srgbClr val="ED7D31"/>
+      </a:accent2>
+      <a:accent3>
+        <a:srgbClr val="A5A5A5"/>
+      </a:accent3>
+      <a:accent4>
+        <a:srgbClr val="FFC000"/>
+      </a:accent4>
+      <a:accent5>
+        <a:srgbClr val="5B9BD5"/>
+      </a:accent5>
+      <a:accent6>
+        <a:srgbClr val="70AD47"/>
+      </a:accent6>
+      <a:hlink>
+        <a:srgbClr val="0563C1"/>
+      </a:hlink>
+      <a:folHlink>
+        <a:srgbClr val="954F72"/>
+      </a:folHlink>
+    </a:clrScheme>
+    <a:fontScheme name="Office">
+      <a:majorFont>
+        <a:latin typeface="Calibri Light" panose="020F0302020204030204"/>
+        <a:ea typeface=""/>
+        <a:cs typeface=""/>
+        <a:font script="Jpan" typeface="游ゴシック Light"/>
+        <a:font script="Hang" typeface="맑은 고딕"/>
+        <a:font script="Hans" typeface="等线 Light"/>
+        <a:font script="Hant" typeface="新細明體"/>
+        <a:font script="Arab" typeface="Times New Roman"/>
+        <a:font script="Hebr" typeface="Times New Roman"/>
+        <a:font script="Thai" typeface="Angsana New"/>
+        <a:font script="Ethi" typeface="Nyala"/>
+        <a:font script="Beng" typeface="Vrinda"/>
+        <a:font script="Gujr" typeface="Shruti"/>
+        <a:font script="Khmr" typeface="MoolBoran"/>
+        <a:font script="Knda" typeface="Tunga"/>
+        <a:font script="Guru" typeface="Raavi"/>
+        <a:font script="Cans" typeface="Euphemia"/>
+        <a:font script="Cher" typeface="Plantagenet Cherokee"/>
+        <a:font script="Yiii" typeface="Microsoft Yi Baiti"/>
+        <a:font script="Tibt" typeface="Microsoft Himalaya"/>
+        <a:font script="Thaa" typeface="MV Boli"/>
+        <a:font script="Deva" typeface="Mangal"/>
+        <a:font script="Telu" typeface="Gautami"/>
+        <a:font script="Taml" typeface="Latha"/>
+        <a:font script="Syrc" typeface="Estrangelo Edessa"/>
+        <a:font script="Orya" typeface="Kalinga"/>
+        <a:font script="Mlym" typeface="Kartika"/>
+        <a:font script="Laoo" typeface="DokChampa"/>
+        <a:font script="Sinh" typeface="Iskoola Pota"/>
+        <a:font script="Mong" typeface="Mongolian Baiti"/>
+        <a:font script="Viet" typeface="Times New Roman"/>
+        <a:font script="Uigh" typeface="Microsoft Uighur"/>
+        <a:font script="Geor" typeface="Sylfaen"/>
+        <a:font script="Armn" typeface="Arial"/>
+        <a:font script="Bugi" typeface="Leelawadee UI"/>
+        <a:font script="Bopo" typeface="Microsoft JhengHei"/>
+        <a:font script="Java" typeface="Javanese Text"/>
+        <a:font script="Lisu" typeface="Segoe UI"/>
+        <a:font script="Mymr" typeface="Myanmar Text"/>
+        <a:font script="Nkoo" typeface="Ebrima"/>
+        <a:font script="Olck" typeface="Nirmala UI"/>
+        <a:font script="Osma" typeface="Ebrima"/>
+        <a:font script="Phag" typeface="Phagspa"/>
+        <a:font script="Syrn" typeface="Estrangelo Edessa"/>
+        <a:font script="Syrj" typeface="Estrangelo Edessa"/>
+        <a:font script="Syre" typeface="Estrangelo Edessa"/>
+        <a:font script="Sora" typeface="Nirmala UI"/>
+        <a:font script="Tale" typeface="Microsoft Tai Le"/>
+        <a:font script="Talu" typeface="Microsoft New Tai Lue"/>
+        <a:font script="Tfng" typeface="Ebrima"/>
+      </a:majorFont>
+      <a:minorFont>
+        <a:latin typeface="Calibri" panose="020F0502020204030204"/>
+        <a:ea typeface=""/>
+        <a:cs typeface=""/>
+        <a:font script="Jpan" typeface="游ゴシック"/>
+        <a:font script="Hang" typeface="맑은 고딕"/>
+        <a:font script="Hans" typeface="等线"/>
+        <a:font script="Hant" typeface="新細明體"/>
+        <a:font script="Arab" typeface="Arial"/>
+        <a:font script="Hebr" typeface="Arial"/>
+        <a:font script="Thai" typeface="Cordia New"/>
+        <a:font script="Ethi" typeface="Nyala"/>
+        <a:font script="Beng" typeface="Vrinda"/>
+        <a:font script="Gujr" typeface="Shruti"/>
+        <a:font script="Khmr" typeface="DaunPenh"/>
+        <a:font script="Knda" typeface="Tunga"/>
+        <a:font script="Guru" typeface="Raavi"/>
+        <a:font script="Cans" typeface="Euphemia"/>
+        <a:font script="Cher" typeface="Plantagenet Cherokee"/>
+        <a:font script="Yiii" typeface="Microsoft Yi Baiti"/>
+        <a:font script="Tibt" typeface="Microsoft Himalaya"/>
+        <a:font script="Thaa" typeface="MV Boli"/>
+        <a:font script="Deva" typeface="Mangal"/>
+        <a:font script="Telu" typeface="Gautami"/>
+        <a:font script="Taml" typeface="Latha"/>
+        <a:font script="Syrc" typeface="Estrangelo Edessa"/>
+        <a:font script="Orya" typeface="Kalinga"/>
+        <a:font script="Mlym" typeface="Kartika"/>
+        <a:font script="Laoo" typeface="DokChampa"/>
+        <a:font script="Sinh" typeface="Iskoola Pota"/>
+        <a:font script="Mong" typeface="Mongolian Baiti"/>
+        <a:font script="Viet" typeface="Arial"/>
+        <a:font script="Uigh" typeface="Microsoft Uighur"/>
+        <a:font script="Geor" typeface="Sylfaen"/>
+        <a:font script="Armn" typeface="Arial"/>
+        <a:font script="Bugi" typeface="Leelawadee UI"/>
+        <a:font script="Bopo" typeface="Microsoft JhengHei"/>
+        <a:font script="Java" typeface="Javanese Text"/>
+        <a:font script="Lisu" typeface="Segoe UI"/>
+        <a:font script="Mymr" typeface="Myanmar Text"/>
+        <a:font script="Nkoo" typeface="Ebrima"/>
+        <a:font script="Olck" typeface="Nirmala UI"/>
+        <a:font script="Osma" typeface="Ebrima"/>
+        <a:font script="Phag" typeface="Phagspa"/>
+        <a:font script="Syrn" typeface="Estrangelo Edessa"/>
+        <a:font script="Syrj" typeface="Estrangelo Edessa"/>
+        <a:font script="Syre" typeface="Estrangelo Edessa"/>
+        <a:font script="Sora" typeface="Nirmala UI"/>
+        <a:font script="Tale" typeface="Microsoft Tai Le"/>
+        <a:font script="Talu" typeface="Microsoft New Tai Lue"/>
+        <a:font script="Tfng" typeface="Ebrima"/>
+      </a:minorFont>
+    </a:fontScheme>
+    <a:fmtScheme name="Office">
+      <a:fillStyleLst>
+        <a:solidFill>
+          <a:schemeClr val="phClr"/>
+        </a:solidFill>
+        <a:gradFill rotWithShape="1">
+          <a:gsLst>
+            <a:gs pos="0">
+              <a:schemeClr val="phClr">
+                <a:lumMod val="110000"/>
+                <a:satMod val="105000"/>
+                <a:tint val="67000"/>
+              </a:schemeClr>
+            </a:gs>
+            <a:gs pos="50000">
+              <a:schemeClr val="phClr">
+                <a:lumMod val="105000"/>
+                <a:satMod val="103000"/>
+                <a:tint val="73000"/>
+              </a:schemeClr>
+            </a:gs>
+            <a:gs pos="100000">
+              <a:schemeClr val="phClr">
+                <a:lumMod val="105000"/>
+                <a:satMod val="109000"/>
+                <a:tint val="81000"/>
+              </a:schemeClr>
+            </a:gs>
+          </a:gsLst>
+          <a:lin ang="5400000" scaled="0"/>
+        </a:gradFill>
+        <a:gradFill rotWithShape="1">
+          <a:gsLst>
+            <a:gs pos="0">
+              <a:schemeClr val="phClr">
+                <a:satMod val="103000"/>
+                <a:lumMod val="102000"/>
+                <a:tint val="94000"/>
+              </a:schemeClr>
+            </a:gs>
+            <a:gs pos="50000">
+              <a:schemeClr val="phClr">
+                <a:satMod val="110000"/>
+                <a:lumMod val="100000"/>
+                <a:shade val="100000"/>
+              </a:schemeClr>
+            </a:gs>
+            <a:gs pos="100000">
+              <a:schemeClr val="phClr">
+                <a:lumMod val="99000"/>
+                <a:satMod val="120000"/>
+                <a:shade val="78000"/>
+              </a:schemeClr>
+            </a:gs>
+          </a:gsLst>
+          <a:lin ang="5400000" scaled="0"/>
+        </a:gradFill>
+      </a:fillStyleLst>
+      <a:lnStyleLst>
+        <a:ln w="6350" cap="flat" cmpd="sng" algn="ctr">
+          <a:solidFill>
+            <a:schemeClr val="phClr"/>
+          </a:solidFill>
+          <a:prstDash val="solid"/>
+          <a:miter lim="800000"/>
+        </a:ln>
+        <a:ln w="12700" cap="flat" cmpd="sng" algn="ctr">
+          <a:solidFill>
+            <a:schemeClr val="phClr"/>
+          </a:solidFill>
+          <a:prstDash val="solid"/>
+          <a:miter lim="800000"/>
+        </a:ln>
+        <a:ln w="19050" cap="flat" cmpd="sng" algn="ctr">
+          <a:solidFill>
+            <a:schemeClr val="phClr"/>
+          </a:solidFill>
+          <a:prstDash val="solid"/>
+          <a:miter lim="800000"/>
+        </a:ln>
+      </a:lnStyleLst>
+      <a:effectStyleLst>
+        <a:effectStyle>
+          <a:effectLst/>
+        </a:effectStyle>
+        <a:effectStyle>
+          <a:effectLst/>
+        </a:effectStyle>
+        <a:effectStyle>
+          <a:effectLst>
+            <a:outerShdw blurRad="57150" dist="19050" dir="5400000" algn="ctr" rotWithShape="0">
+              <a:srgbClr val="000000">
+                <a:alpha val="63000"/>
+              </a:srgbClr>
+            </a:outerShdw>
+          </a:effectLst>
+        </a:effectStyle>
+      </a:effectStyleLst>
+      <a:bgFillStyleLst>
+        <a:solidFill>
+          <a:schemeClr val="phClr"/>
+        </a:solidFill>
+        <a:solidFill>
+          <a:schemeClr val="phClr">
+            <a:tint val="95000"/>
+            <a:satMod val="170000"/>
+          </a:schemeClr>
+        </a:solidFill>
+        <a:gradFill rotWithShape="1">
+          <a:gsLst>
+            <a:gs pos="0">
+              <a:schemeClr val="phClr">
+                <a:tint val="93000"/>
+                <a:satMod val="150000"/>
+                <a:shade val="98000"/>
+                <a:lumMod val="102000"/>
+              </a:schemeClr>
+            </a:gs>
+            <a:gs pos="50000">
+              <a:schemeClr val="phClr">
+                <a:tint val="98000"/>
+                <a:satMod val="130000"/>
+                <a:shade val="90000"/>
+                <a:lumMod val="103000"/>
+              </a:schemeClr>
+            </a:gs>
+            <a:gs pos="100000">
+              <a:schemeClr val="phClr">
+                <a:shade val="63000"/>
+                <a:satMod val="120000"/>
+              </a:schemeClr>
+            </a:gs>
+          </a:gsLst>
+          <a:lin ang="5400000" scaled="0"/>
+        </a:gradFill>
+      </a:bgFillStyleLst>
+    </a:fmtScheme>
+  </a:themeElements>
+  <a:objectDefaults/>
+  <a:extraClrSchemeLst/>
+  <a:extLst>
+    <a:ext uri="{05A4C25C-085E-4340-85A3-A5531E510DB2}">
+      <thm15:themeFamily xmlns:thm15="http://schemas.microsoft.com/office/thememl/2012/main" name="Office Theme" id="{62F939B6-93AF-4DB8-9C6B-D6C7DFDC589F}" vid="{4A3C46E8-61CC-4603-A589-7422A47A8E4A}"/>
+    </a:ext>
+  </a:extLst>
+</a:theme>
+</file>
+
 <file path=customXml/item1.xml><?xml version="1.0" encoding="utf-8"?>
+<p:properties xmlns:p="http://schemas.microsoft.com/office/2006/metadata/properties" xmlns:xsi="http://www.w3.org/2001/XMLSchema-instance" xmlns:pc="http://schemas.microsoft.com/office/infopath/2007/PartnerControls">
+  <documentManagement/>
+</p:properties>
+</file>
+
+<file path=customXml/item2.xml><?xml version="1.0" encoding="utf-8"?>
+<?mso-contentType ?>
+<FormTemplates xmlns="http://schemas.microsoft.com/sharepoint/v3/contenttype/forms">
+  <Display>DocumentLibraryForm</Display>
+  <Edit>DocumentLibraryForm</Edit>
+  <New>DocumentLibraryForm</New>
+</FormTemplates>
+</file>
+
+<file path=customXml/item3.xml><?xml version="1.0" encoding="utf-8"?>
 <ct:contentTypeSchema xmlns:ct="http://schemas.microsoft.com/office/2006/metadata/contentType" xmlns:ma="http://schemas.microsoft.com/office/2006/metadata/properties/metaAttributes" ct:_="" ma:_="" ma:contentTypeName="Document" ma:contentTypeID="0x010100027B1FB1A458AA4FB1520DBCEEEF84AB" ma:contentTypeVersion="12" ma:contentTypeDescription="Create a new document." ma:contentTypeScope="" ma:versionID="1e36a6e3acf469d288ca5924e281fce4">
   <xsd:schema xmlns:xsd="http://www.w3.org/2001/XMLSchema" xmlns:xs="http://www.w3.org/2001/XMLSchema" xmlns:p="http://schemas.microsoft.com/office/2006/metadata/properties" xmlns:ns3="2ce51dc8-c7fd-4e9f-aab7-66ee981bb74f" xmlns:ns4="4fa34961-db85-4b4a-bce8-6d4fac0faa91" targetNamespace="http://schemas.microsoft.com/office/2006/metadata/properties" ma:root="true" ma:fieldsID="6156cdd135d49b7aa70247738826da10" ns3:_="" ns4:_="">
     <xsd:import namespace="2ce51dc8-c7fd-4e9f-aab7-66ee981bb74f"/>
@@ -6587,22 +7572,32 @@
 </ct:contentTypeSchema>
 </file>
 
-<file path=customXml/item2.xml><?xml version="1.0" encoding="utf-8"?>
-<?mso-contentType ?>
-<FormTemplates xmlns="http://schemas.microsoft.com/sharepoint/v3/contenttype/forms">
-  <Display>DocumentLibraryForm</Display>
-  <Edit>DocumentLibraryForm</Edit>
-  <New>DocumentLibraryForm</New>
-</FormTemplates>
+<file path=customXml/itemProps1.xml><?xml version="1.0" encoding="utf-8"?>
+<ds:datastoreItem xmlns:ds="http://schemas.openxmlformats.org/officeDocument/2006/customXml" ds:itemID="{B84309B8-76FC-4141-AF1F-C6216355F633}">
+  <ds:schemaRefs>
+    <ds:schemaRef ds:uri="http://purl.org/dc/terms/"/>
+    <ds:schemaRef ds:uri="4fa34961-db85-4b4a-bce8-6d4fac0faa91"/>
+    <ds:schemaRef ds:uri="http://schemas.openxmlformats.org/package/2006/metadata/core-properties"/>
+    <ds:schemaRef ds:uri="http://purl.org/dc/dcmitype/"/>
+    <ds:schemaRef ds:uri="http://www.w3.org/XML/1998/namespace"/>
+    <ds:schemaRef ds:uri="2ce51dc8-c7fd-4e9f-aab7-66ee981bb74f"/>
+    <ds:schemaRef ds:uri="http://schemas.microsoft.com/office/2006/metadata/properties"/>
+    <ds:schemaRef ds:uri="http://schemas.microsoft.com/office/2006/documentManagement/types"/>
+    <ds:schemaRef ds:uri="http://schemas.microsoft.com/office/infopath/2007/PartnerControls"/>
+    <ds:schemaRef ds:uri="http://purl.org/dc/elements/1.1/"/>
+  </ds:schemaRefs>
+</ds:datastoreItem>
 </file>
 
-<file path=customXml/item3.xml><?xml version="1.0" encoding="utf-8"?>
-<p:properties xmlns:p="http://schemas.microsoft.com/office/2006/metadata/properties" xmlns:xsi="http://www.w3.org/2001/XMLSchema-instance" xmlns:pc="http://schemas.microsoft.com/office/infopath/2007/PartnerControls">
-  <documentManagement/>
-</p:properties>
+<file path=customXml/itemProps2.xml><?xml version="1.0" encoding="utf-8"?>
+<ds:datastoreItem xmlns:ds="http://schemas.openxmlformats.org/officeDocument/2006/customXml" ds:itemID="{0BF8C9C5-F1C6-430F-B98C-A32E4163279A}">
+  <ds:schemaRefs>
+    <ds:schemaRef ds:uri="http://schemas.microsoft.com/sharepoint/v3/contenttype/forms"/>
+  </ds:schemaRefs>
+</ds:datastoreItem>
 </file>
 
-<file path=customXml/itemProps1.xml><?xml version="1.0" encoding="utf-8"?>
+<file path=customXml/itemProps3.xml><?xml version="1.0" encoding="utf-8"?>
 <ds:datastoreItem xmlns:ds="http://schemas.openxmlformats.org/officeDocument/2006/customXml" ds:itemID="{326D33DC-81E9-4356-979A-37ADD9B2E43B}">
   <ds:schemaRefs>
     <ds:schemaRef ds:uri="http://schemas.microsoft.com/office/2006/metadata/contentType"/>
@@ -6619,29 +7614,4 @@
     <ds:schemaRef ds:uri="http://schemas.microsoft.com/internal/obd"/>
   </ds:schemaRefs>
 </ds:datastoreItem>
-</file>
-
-<file path=customXml/itemProps2.xml><?xml version="1.0" encoding="utf-8"?>
-<ds:datastoreItem xmlns:ds="http://schemas.openxmlformats.org/officeDocument/2006/customXml" ds:itemID="{0BF8C9C5-F1C6-430F-B98C-A32E4163279A}">
-  <ds:schemaRefs>
-    <ds:schemaRef ds:uri="http://schemas.microsoft.com/sharepoint/v3/contenttype/forms"/>
-  </ds:schemaRefs>
-</ds:datastoreItem>
-</file>
-
-<file path=customXml/itemProps3.xml><?xml version="1.0" encoding="utf-8"?>
-<ds:datastoreItem xmlns:ds="http://schemas.openxmlformats.org/officeDocument/2006/customXml" ds:itemID="{B84309B8-76FC-4141-AF1F-C6216355F633}">
-  <ds:schemaRefs>
-    <ds:schemaRef ds:uri="http://purl.org/dc/terms/"/>
-    <ds:schemaRef ds:uri="4fa34961-db85-4b4a-bce8-6d4fac0faa91"/>
-    <ds:schemaRef ds:uri="http://schemas.openxmlformats.org/package/2006/metadata/core-properties"/>
-    <ds:schemaRef ds:uri="http://purl.org/dc/dcmitype/"/>
-    <ds:schemaRef ds:uri="http://www.w3.org/XML/1998/namespace"/>
-    <ds:schemaRef ds:uri="2ce51dc8-c7fd-4e9f-aab7-66ee981bb74f"/>
-    <ds:schemaRef ds:uri="http://schemas.microsoft.com/office/2006/metadata/properties"/>
-    <ds:schemaRef ds:uri="http://schemas.microsoft.com/office/2006/documentManagement/types"/>
-    <ds:schemaRef ds:uri="http://schemas.microsoft.com/office/infopath/2007/PartnerControls"/>
-    <ds:schemaRef ds:uri="http://purl.org/dc/elements/1.1/"/>
-  </ds:schemaRefs>
-</ds:datastoreItem>
 </file>
--- a/topic10/talk-0/Joi.pptx
+++ b/topic10/talk-0/Joi.pptx
@@ -5,7 +5,7 @@
     <p:sldMasterId id="2147483648" r:id="rId4"/>
   </p:sldMasterIdLst>
   <p:notesMasterIdLst>
-    <p:notesMasterId r:id="rId19"/>
+    <p:notesMasterId r:id="rId20"/>
   </p:notesMasterIdLst>
   <p:sldIdLst>
     <p:sldId id="256" r:id="rId5"/>
@@ -16,12 +16,13 @@
     <p:sldId id="258" r:id="rId10"/>
     <p:sldId id="259" r:id="rId11"/>
     <p:sldId id="262" r:id="rId12"/>
-    <p:sldId id="263" r:id="rId13"/>
-    <p:sldId id="260" r:id="rId14"/>
-    <p:sldId id="261" r:id="rId15"/>
-    <p:sldId id="264" r:id="rId16"/>
-    <p:sldId id="265" r:id="rId17"/>
-    <p:sldId id="266" r:id="rId18"/>
+    <p:sldId id="271" r:id="rId13"/>
+    <p:sldId id="263" r:id="rId14"/>
+    <p:sldId id="260" r:id="rId15"/>
+    <p:sldId id="261" r:id="rId16"/>
+    <p:sldId id="264" r:id="rId17"/>
+    <p:sldId id="265" r:id="rId18"/>
+    <p:sldId id="266" r:id="rId19"/>
   </p:sldIdLst>
   <p:sldSz cx="12192000" cy="6858000"/>
   <p:notesSz cx="6858000" cy="9144000"/>
@@ -126,6 +127,2879 @@
     </p:ext>
   </p:extLst>
 </p:presentation>
+</file>
+
+<file path=ppt/diagrams/colors1.xml><?xml version="1.0" encoding="utf-8"?>
+<dgm:colorsDef xmlns:dgm="http://schemas.openxmlformats.org/drawingml/2006/diagram" xmlns:a="http://schemas.openxmlformats.org/drawingml/2006/main" uniqueId="urn:microsoft.com/office/officeart/2005/8/colors/accent1_2">
+  <dgm:title val=""/>
+  <dgm:desc val=""/>
+  <dgm:catLst>
+    <dgm:cat type="accent1" pri="11200"/>
+  </dgm:catLst>
+  <dgm:styleLbl name="node0">
+    <dgm:fillClrLst meth="repeat">
+      <a:schemeClr val="accent1"/>
+    </dgm:fillClrLst>
+    <dgm:linClrLst meth="repeat">
+      <a:schemeClr val="lt1"/>
+    </dgm:linClrLst>
+    <dgm:effectClrLst/>
+    <dgm:txLinClrLst/>
+    <dgm:txFillClrLst/>
+    <dgm:txEffectClrLst/>
+  </dgm:styleLbl>
+  <dgm:styleLbl name="alignNode1">
+    <dgm:fillClrLst meth="repeat">
+      <a:schemeClr val="accent1"/>
+    </dgm:fillClrLst>
+    <dgm:linClrLst meth="repeat">
+      <a:schemeClr val="accent1"/>
+    </dgm:linClrLst>
+    <dgm:effectClrLst/>
+    <dgm:txLinClrLst/>
+    <dgm:txFillClrLst/>
+    <dgm:txEffectClrLst/>
+  </dgm:styleLbl>
+  <dgm:styleLbl name="node1">
+    <dgm:fillClrLst meth="repeat">
+      <a:schemeClr val="accent1"/>
+    </dgm:fillClrLst>
+    <dgm:linClrLst meth="repeat">
+      <a:schemeClr val="lt1"/>
+    </dgm:linClrLst>
+    <dgm:effectClrLst/>
+    <dgm:txLinClrLst/>
+    <dgm:txFillClrLst/>
+    <dgm:txEffectClrLst/>
+  </dgm:styleLbl>
+  <dgm:styleLbl name="lnNode1">
+    <dgm:fillClrLst meth="repeat">
+      <a:schemeClr val="accent1"/>
+    </dgm:fillClrLst>
+    <dgm:linClrLst meth="repeat">
+      <a:schemeClr val="lt1"/>
+    </dgm:linClrLst>
+    <dgm:effectClrLst/>
+    <dgm:txLinClrLst/>
+    <dgm:txFillClrLst/>
+    <dgm:txEffectClrLst/>
+  </dgm:styleLbl>
+  <dgm:styleLbl name="vennNode1">
+    <dgm:fillClrLst meth="repeat">
+      <a:schemeClr val="accent1">
+        <a:alpha val="50000"/>
+      </a:schemeClr>
+    </dgm:fillClrLst>
+    <dgm:linClrLst meth="repeat">
+      <a:schemeClr val="lt1"/>
+    </dgm:linClrLst>
+    <dgm:effectClrLst/>
+    <dgm:txLinClrLst/>
+    <dgm:txFillClrLst/>
+    <dgm:txEffectClrLst/>
+  </dgm:styleLbl>
+  <dgm:styleLbl name="node2">
+    <dgm:fillClrLst meth="repeat">
+      <a:schemeClr val="accent1"/>
+    </dgm:fillClrLst>
+    <dgm:linClrLst meth="repeat">
+      <a:schemeClr val="lt1"/>
+    </dgm:linClrLst>
+    <dgm:effectClrLst/>
+    <dgm:txLinClrLst/>
+    <dgm:txFillClrLst/>
+    <dgm:txEffectClrLst/>
+  </dgm:styleLbl>
+  <dgm:styleLbl name="node3">
+    <dgm:fillClrLst meth="repeat">
+      <a:schemeClr val="accent1"/>
+    </dgm:fillClrLst>
+    <dgm:linClrLst meth="repeat">
+      <a:schemeClr val="lt1"/>
+    </dgm:linClrLst>
+    <dgm:effectClrLst/>
+    <dgm:txLinClrLst/>
+    <dgm:txFillClrLst/>
+    <dgm:txEffectClrLst/>
+  </dgm:styleLbl>
+  <dgm:styleLbl name="node4">
+    <dgm:fillClrLst meth="repeat">
+      <a:schemeClr val="accent1"/>
+    </dgm:fillClrLst>
+    <dgm:linClrLst meth="repeat">
+      <a:schemeClr val="lt1"/>
+    </dgm:linClrLst>
+    <dgm:effectClrLst/>
+    <dgm:txLinClrLst/>
+    <dgm:txFillClrLst/>
+    <dgm:txEffectClrLst/>
+  </dgm:styleLbl>
+  <dgm:styleLbl name="fgImgPlace1">
+    <dgm:fillClrLst meth="repeat">
+      <a:schemeClr val="accent1">
+        <a:tint val="50000"/>
+      </a:schemeClr>
+    </dgm:fillClrLst>
+    <dgm:linClrLst meth="repeat">
+      <a:schemeClr val="lt1"/>
+    </dgm:linClrLst>
+    <dgm:effectClrLst/>
+    <dgm:txLinClrLst/>
+    <dgm:txFillClrLst meth="repeat">
+      <a:schemeClr val="lt1"/>
+    </dgm:txFillClrLst>
+    <dgm:txEffectClrLst/>
+  </dgm:styleLbl>
+  <dgm:styleLbl name="alignImgPlace1">
+    <dgm:fillClrLst meth="repeat">
+      <a:schemeClr val="accent1">
+        <a:tint val="50000"/>
+      </a:schemeClr>
+    </dgm:fillClrLst>
+    <dgm:linClrLst meth="repeat">
+      <a:schemeClr val="lt1"/>
+    </dgm:linClrLst>
+    <dgm:effectClrLst/>
+    <dgm:txLinClrLst/>
+    <dgm:txFillClrLst meth="repeat">
+      <a:schemeClr val="lt1"/>
+    </dgm:txFillClrLst>
+    <dgm:txEffectClrLst/>
+  </dgm:styleLbl>
+  <dgm:styleLbl name="bgImgPlace1">
+    <dgm:fillClrLst meth="repeat">
+      <a:schemeClr val="accent1">
+        <a:tint val="50000"/>
+      </a:schemeClr>
+    </dgm:fillClrLst>
+    <dgm:linClrLst meth="repeat">
+      <a:schemeClr val="lt1"/>
+    </dgm:linClrLst>
+    <dgm:effectClrLst/>
+    <dgm:txLinClrLst/>
+    <dgm:txFillClrLst meth="repeat">
+      <a:schemeClr val="lt1"/>
+    </dgm:txFillClrLst>
+    <dgm:txEffectClrLst/>
+  </dgm:styleLbl>
+  <dgm:styleLbl name="sibTrans2D1">
+    <dgm:fillClrLst meth="repeat">
+      <a:schemeClr val="accent1">
+        <a:tint val="60000"/>
+      </a:schemeClr>
+    </dgm:fillClrLst>
+    <dgm:linClrLst meth="repeat">
+      <a:schemeClr val="accent1">
+        <a:tint val="60000"/>
+      </a:schemeClr>
+    </dgm:linClrLst>
+    <dgm:effectClrLst/>
+    <dgm:txLinClrLst/>
+    <dgm:txFillClrLst/>
+    <dgm:txEffectClrLst/>
+  </dgm:styleLbl>
+  <dgm:styleLbl name="fgSibTrans2D1">
+    <dgm:fillClrLst meth="repeat">
+      <a:schemeClr val="accent1">
+        <a:tint val="60000"/>
+      </a:schemeClr>
+    </dgm:fillClrLst>
+    <dgm:linClrLst meth="repeat">
+      <a:schemeClr val="accent1">
+        <a:tint val="60000"/>
+      </a:schemeClr>
+    </dgm:linClrLst>
+    <dgm:effectClrLst/>
+    <dgm:txLinClrLst/>
+    <dgm:txFillClrLst/>
+    <dgm:txEffectClrLst/>
+  </dgm:styleLbl>
+  <dgm:styleLbl name="bgSibTrans2D1">
+    <dgm:fillClrLst meth="repeat">
+      <a:schemeClr val="accent1">
+        <a:tint val="60000"/>
+      </a:schemeClr>
+    </dgm:fillClrLst>
+    <dgm:linClrLst meth="repeat">
+      <a:schemeClr val="accent1">
+        <a:tint val="60000"/>
+      </a:schemeClr>
+    </dgm:linClrLst>
+    <dgm:effectClrLst/>
+    <dgm:txLinClrLst/>
+    <dgm:txFillClrLst/>
+    <dgm:txEffectClrLst/>
+  </dgm:styleLbl>
+  <dgm:styleLbl name="sibTrans1D1">
+    <dgm:fillClrLst meth="repeat">
+      <a:schemeClr val="accent1"/>
+    </dgm:fillClrLst>
+    <dgm:linClrLst meth="repeat">
+      <a:schemeClr val="accent1"/>
+    </dgm:linClrLst>
+    <dgm:effectClrLst/>
+    <dgm:txLinClrLst/>
+    <dgm:txFillClrLst meth="repeat">
+      <a:schemeClr val="tx1"/>
+    </dgm:txFillClrLst>
+    <dgm:txEffectClrLst/>
+  </dgm:styleLbl>
+  <dgm:styleLbl name="callout">
+    <dgm:fillClrLst meth="repeat">
+      <a:schemeClr val="accent1"/>
+    </dgm:fillClrLst>
+    <dgm:linClrLst meth="repeat">
+      <a:schemeClr val="accent1">
+        <a:tint val="50000"/>
+      </a:schemeClr>
+    </dgm:linClrLst>
+    <dgm:effectClrLst/>
+    <dgm:txLinClrLst/>
+    <dgm:txFillClrLst meth="repeat">
+      <a:schemeClr val="tx1"/>
+    </dgm:txFillClrLst>
+    <dgm:txEffectClrLst/>
+  </dgm:styleLbl>
+  <dgm:styleLbl name="asst0">
+    <dgm:fillClrLst meth="repeat">
+      <a:schemeClr val="accent1"/>
+    </dgm:fillClrLst>
+    <dgm:linClrLst meth="repeat">
+      <a:schemeClr val="lt1"/>
+    </dgm:linClrLst>
+    <dgm:effectClrLst/>
+    <dgm:txLinClrLst/>
+    <dgm:txFillClrLst/>
+    <dgm:txEffectClrLst/>
+  </dgm:styleLbl>
+  <dgm:styleLbl name="asst1">
+    <dgm:fillClrLst meth="repeat">
+      <a:schemeClr val="accent1"/>
+    </dgm:fillClrLst>
+    <dgm:linClrLst meth="repeat">
+      <a:schemeClr val="lt1"/>
+    </dgm:linClrLst>
+    <dgm:effectClrLst/>
+    <dgm:txLinClrLst/>
+    <dgm:txFillClrLst/>
+    <dgm:txEffectClrLst/>
+  </dgm:styleLbl>
+  <dgm:styleLbl name="asst2">
+    <dgm:fillClrLst meth="repeat">
+      <a:schemeClr val="accent1"/>
+    </dgm:fillClrLst>
+    <dgm:linClrLst meth="repeat">
+      <a:schemeClr val="lt1"/>
+    </dgm:linClrLst>
+    <dgm:effectClrLst/>
+    <dgm:txLinClrLst/>
+    <dgm:txFillClrLst/>
+    <dgm:txEffectClrLst/>
+  </dgm:styleLbl>
+  <dgm:styleLbl name="asst3">
+    <dgm:fillClrLst meth="repeat">
+      <a:schemeClr val="accent1"/>
+    </dgm:fillClrLst>
+    <dgm:linClrLst meth="repeat">
+      <a:schemeClr val="lt1"/>
+    </dgm:linClrLst>
+    <dgm:effectClrLst/>
+    <dgm:txLinClrLst/>
+    <dgm:txFillClrLst/>
+    <dgm:txEffectClrLst/>
+  </dgm:styleLbl>
+  <dgm:styleLbl name="asst4">
+    <dgm:fillClrLst meth="repeat">
+      <a:schemeClr val="accent1"/>
+    </dgm:fillClrLst>
+    <dgm:linClrLst meth="repeat">
+      <a:schemeClr val="lt1"/>
+    </dgm:linClrLst>
+    <dgm:effectClrLst/>
+    <dgm:txLinClrLst/>
+    <dgm:txFillClrLst/>
+    <dgm:txEffectClrLst/>
+  </dgm:styleLbl>
+  <dgm:styleLbl name="parChTrans2D1">
+    <dgm:fillClrLst meth="repeat">
+      <a:schemeClr val="accent1">
+        <a:tint val="60000"/>
+      </a:schemeClr>
+    </dgm:fillClrLst>
+    <dgm:linClrLst meth="repeat">
+      <a:schemeClr val="accent1">
+        <a:tint val="60000"/>
+      </a:schemeClr>
+    </dgm:linClrLst>
+    <dgm:effectClrLst/>
+    <dgm:txLinClrLst/>
+    <dgm:txFillClrLst meth="repeat">
+      <a:schemeClr val="lt1"/>
+    </dgm:txFillClrLst>
+    <dgm:txEffectClrLst/>
+  </dgm:styleLbl>
+  <dgm:styleLbl name="parChTrans2D2">
+    <dgm:fillClrLst meth="repeat">
+      <a:schemeClr val="accent1"/>
+    </dgm:fillClrLst>
+    <dgm:linClrLst meth="repeat">
+      <a:schemeClr val="accent1"/>
+    </dgm:linClrLst>
+    <dgm:effectClrLst/>
+    <dgm:txLinClrLst/>
+    <dgm:txFillClrLst meth="repeat">
+      <a:schemeClr val="lt1"/>
+    </dgm:txFillClrLst>
+    <dgm:txEffectClrLst/>
+  </dgm:styleLbl>
+  <dgm:styleLbl name="parChTrans2D3">
+    <dgm:fillClrLst meth="repeat">
+      <a:schemeClr val="accent1"/>
+    </dgm:fillClrLst>
+    <dgm:linClrLst meth="repeat">
+      <a:schemeClr val="accent1"/>
+    </dgm:linClrLst>
+    <dgm:effectClrLst/>
+    <dgm:txLinClrLst/>
+    <dgm:txFillClrLst meth="repeat">
+      <a:schemeClr val="lt1"/>
+    </dgm:txFillClrLst>
+    <dgm:txEffectClrLst/>
+  </dgm:styleLbl>
+  <dgm:styleLbl name="parChTrans2D4">
+    <dgm:fillClrLst meth="repeat">
+      <a:schemeClr val="accent1"/>
+    </dgm:fillClrLst>
+    <dgm:linClrLst meth="repeat">
+      <a:schemeClr val="accent1"/>
+    </dgm:linClrLst>
+    <dgm:effectClrLst/>
+    <dgm:txLinClrLst/>
+    <dgm:txFillClrLst meth="repeat">
+      <a:schemeClr val="lt1"/>
+    </dgm:txFillClrLst>
+    <dgm:txEffectClrLst/>
+  </dgm:styleLbl>
+  <dgm:styleLbl name="parChTrans1D1">
+    <dgm:fillClrLst meth="repeat">
+      <a:schemeClr val="accent1"/>
+    </dgm:fillClrLst>
+    <dgm:linClrLst meth="repeat">
+      <a:schemeClr val="accent1">
+        <a:shade val="60000"/>
+      </a:schemeClr>
+    </dgm:linClrLst>
+    <dgm:effectClrLst/>
+    <dgm:txLinClrLst/>
+    <dgm:txFillClrLst meth="repeat">
+      <a:schemeClr val="tx1"/>
+    </dgm:txFillClrLst>
+    <dgm:txEffectClrLst/>
+  </dgm:styleLbl>
+  <dgm:styleLbl name="parChTrans1D2">
+    <dgm:fillClrLst meth="repeat">
+      <a:schemeClr val="accent1"/>
+    </dgm:fillClrLst>
+    <dgm:linClrLst meth="repeat">
+      <a:schemeClr val="accent1">
+        <a:shade val="60000"/>
+      </a:schemeClr>
+    </dgm:linClrLst>
+    <dgm:effectClrLst/>
+    <dgm:txLinClrLst/>
+    <dgm:txFillClrLst meth="repeat">
+      <a:schemeClr val="tx1"/>
+    </dgm:txFillClrLst>
+    <dgm:txEffectClrLst/>
+  </dgm:styleLbl>
+  <dgm:styleLbl name="parChTrans1D3">
+    <dgm:fillClrLst meth="repeat">
+      <a:schemeClr val="accent1"/>
+    </dgm:fillClrLst>
+    <dgm:linClrLst meth="repeat">
+      <a:schemeClr val="accent1">
+        <a:shade val="80000"/>
+      </a:schemeClr>
+    </dgm:linClrLst>
+    <dgm:effectClrLst/>
+    <dgm:txLinClrLst/>
+    <dgm:txFillClrLst meth="repeat">
+      <a:schemeClr val="tx1"/>
+    </dgm:txFillClrLst>
+    <dgm:txEffectClrLst/>
+  </dgm:styleLbl>
+  <dgm:styleLbl name="parChTrans1D4">
+    <dgm:fillClrLst meth="repeat">
+      <a:schemeClr val="accent1"/>
+    </dgm:fillClrLst>
+    <dgm:linClrLst meth="repeat">
+      <a:schemeClr val="accent1">
+        <a:shade val="80000"/>
+      </a:schemeClr>
+    </dgm:linClrLst>
+    <dgm:effectClrLst/>
+    <dgm:txLinClrLst/>
+    <dgm:txFillClrLst meth="repeat">
+      <a:schemeClr val="tx1"/>
+    </dgm:txFillClrLst>
+    <dgm:txEffectClrLst/>
+  </dgm:styleLbl>
+  <dgm:styleLbl name="fgAcc1">
+    <dgm:fillClrLst meth="repeat">
+      <a:schemeClr val="lt1">
+        <a:alpha val="90000"/>
+      </a:schemeClr>
+    </dgm:fillClrLst>
+    <dgm:linClrLst meth="repeat">
+      <a:schemeClr val="accent1"/>
+    </dgm:linClrLst>
+    <dgm:effectClrLst/>
+    <dgm:txLinClrLst/>
+    <dgm:txFillClrLst meth="repeat">
+      <a:schemeClr val="dk1"/>
+    </dgm:txFillClrLst>
+    <dgm:txEffectClrLst/>
+  </dgm:styleLbl>
+  <dgm:styleLbl name="conFgAcc1">
+    <dgm:fillClrLst meth="repeat">
+      <a:schemeClr val="lt1">
+        <a:alpha val="90000"/>
+      </a:schemeClr>
+    </dgm:fillClrLst>
+    <dgm:linClrLst meth="repeat">
+      <a:schemeClr val="accent1"/>
+    </dgm:linClrLst>
+    <dgm:effectClrLst/>
+    <dgm:txLinClrLst/>
+    <dgm:txFillClrLst meth="repeat">
+      <a:schemeClr val="dk1"/>
+    </dgm:txFillClrLst>
+    <dgm:txEffectClrLst/>
+  </dgm:styleLbl>
+  <dgm:styleLbl name="alignAcc1">
+    <dgm:fillClrLst meth="repeat">
+      <a:schemeClr val="lt1">
+        <a:alpha val="90000"/>
+      </a:schemeClr>
+    </dgm:fillClrLst>
+    <dgm:linClrLst meth="repeat">
+      <a:schemeClr val="accent1"/>
+    </dgm:linClrLst>
+    <dgm:effectClrLst/>
+    <dgm:txLinClrLst/>
+    <dgm:txFillClrLst meth="repeat">
+      <a:schemeClr val="dk1"/>
+    </dgm:txFillClrLst>
+    <dgm:txEffectClrLst/>
+  </dgm:styleLbl>
+  <dgm:styleLbl name="trAlignAcc1">
+    <dgm:fillClrLst meth="repeat">
+      <a:schemeClr val="lt1">
+        <a:alpha val="40000"/>
+      </a:schemeClr>
+    </dgm:fillClrLst>
+    <dgm:linClrLst meth="repeat">
+      <a:schemeClr val="accent1"/>
+    </dgm:linClrLst>
+    <dgm:effectClrLst/>
+    <dgm:txLinClrLst/>
+    <dgm:txFillClrLst meth="repeat">
+      <a:schemeClr val="dk1"/>
+    </dgm:txFillClrLst>
+    <dgm:txEffectClrLst/>
+  </dgm:styleLbl>
+  <dgm:styleLbl name="bgAcc1">
+    <dgm:fillClrLst meth="repeat">
+      <a:schemeClr val="lt1">
+        <a:alpha val="90000"/>
+      </a:schemeClr>
+    </dgm:fillClrLst>
+    <dgm:linClrLst meth="repeat">
+      <a:schemeClr val="accent1"/>
+    </dgm:linClrLst>
+    <dgm:effectClrLst/>
+    <dgm:txLinClrLst/>
+    <dgm:txFillClrLst meth="repeat">
+      <a:schemeClr val="dk1"/>
+    </dgm:txFillClrLst>
+    <dgm:txEffectClrLst/>
+  </dgm:styleLbl>
+  <dgm:styleLbl name="solidFgAcc1">
+    <dgm:fillClrLst meth="repeat">
+      <a:schemeClr val="lt1"/>
+    </dgm:fillClrLst>
+    <dgm:linClrLst meth="repeat">
+      <a:schemeClr val="accent1"/>
+    </dgm:linClrLst>
+    <dgm:effectClrLst/>
+    <dgm:txLinClrLst/>
+    <dgm:txFillClrLst meth="repeat">
+      <a:schemeClr val="dk1"/>
+    </dgm:txFillClrLst>
+    <dgm:txEffectClrLst/>
+  </dgm:styleLbl>
+  <dgm:styleLbl name="solidAlignAcc1">
+    <dgm:fillClrLst meth="repeat">
+      <a:schemeClr val="lt1"/>
+    </dgm:fillClrLst>
+    <dgm:linClrLst meth="repeat">
+      <a:schemeClr val="accent1"/>
+    </dgm:linClrLst>
+    <dgm:effectClrLst/>
+    <dgm:txLinClrLst/>
+    <dgm:txFillClrLst meth="repeat">
+      <a:schemeClr val="dk1"/>
+    </dgm:txFillClrLst>
+    <dgm:txEffectClrLst/>
+  </dgm:styleLbl>
+  <dgm:styleLbl name="solidBgAcc1">
+    <dgm:fillClrLst meth="repeat">
+      <a:schemeClr val="lt1"/>
+    </dgm:fillClrLst>
+    <dgm:linClrLst meth="repeat">
+      <a:schemeClr val="accent1"/>
+    </dgm:linClrLst>
+    <dgm:effectClrLst/>
+    <dgm:txLinClrLst/>
+    <dgm:txFillClrLst meth="repeat">
+      <a:schemeClr val="dk1"/>
+    </dgm:txFillClrLst>
+    <dgm:txEffectClrLst/>
+  </dgm:styleLbl>
+  <dgm:styleLbl name="fgAccFollowNode1">
+    <dgm:fillClrLst meth="repeat">
+      <a:schemeClr val="accent1">
+        <a:alpha val="90000"/>
+        <a:tint val="40000"/>
+      </a:schemeClr>
+    </dgm:fillClrLst>
+    <dgm:linClrLst meth="repeat">
+      <a:schemeClr val="accent1">
+        <a:alpha val="90000"/>
+        <a:tint val="40000"/>
+      </a:schemeClr>
+    </dgm:linClrLst>
+    <dgm:effectClrLst/>
+    <dgm:txLinClrLst/>
+    <dgm:txFillClrLst meth="repeat">
+      <a:schemeClr val="dk1"/>
+    </dgm:txFillClrLst>
+    <dgm:txEffectClrLst/>
+  </dgm:styleLbl>
+  <dgm:styleLbl name="alignAccFollowNode1">
+    <dgm:fillClrLst meth="repeat">
+      <a:schemeClr val="accent1">
+        <a:alpha val="90000"/>
+        <a:tint val="40000"/>
+      </a:schemeClr>
+    </dgm:fillClrLst>
+    <dgm:linClrLst meth="repeat">
+      <a:schemeClr val="accent1">
+        <a:alpha val="90000"/>
+        <a:tint val="40000"/>
+      </a:schemeClr>
+    </dgm:linClrLst>
+    <dgm:effectClrLst/>
+    <dgm:txLinClrLst/>
+    <dgm:txFillClrLst meth="repeat">
+      <a:schemeClr val="dk1"/>
+    </dgm:txFillClrLst>
+    <dgm:txEffectClrLst/>
+  </dgm:styleLbl>
+  <dgm:styleLbl name="bgAccFollowNode1">
+    <dgm:fillClrLst meth="repeat">
+      <a:schemeClr val="accent1">
+        <a:alpha val="90000"/>
+        <a:tint val="40000"/>
+      </a:schemeClr>
+    </dgm:fillClrLst>
+    <dgm:linClrLst meth="repeat">
+      <a:schemeClr val="accent1">
+        <a:alpha val="90000"/>
+        <a:tint val="40000"/>
+      </a:schemeClr>
+    </dgm:linClrLst>
+    <dgm:effectClrLst/>
+    <dgm:txLinClrLst/>
+    <dgm:txFillClrLst meth="repeat">
+      <a:schemeClr val="dk1"/>
+    </dgm:txFillClrLst>
+    <dgm:txEffectClrLst/>
+  </dgm:styleLbl>
+  <dgm:styleLbl name="fgAcc0">
+    <dgm:fillClrLst meth="repeat">
+      <a:schemeClr val="lt1">
+        <a:alpha val="90000"/>
+      </a:schemeClr>
+    </dgm:fillClrLst>
+    <dgm:linClrLst meth="repeat">
+      <a:schemeClr val="accent1"/>
+    </dgm:linClrLst>
+    <dgm:effectClrLst/>
+    <dgm:txLinClrLst/>
+    <dgm:txFillClrLst meth="repeat">
+      <a:schemeClr val="dk1"/>
+    </dgm:txFillClrLst>
+    <dgm:txEffectClrLst/>
+  </dgm:styleLbl>
+  <dgm:styleLbl name="fgAcc2">
+    <dgm:fillClrLst meth="repeat">
+      <a:schemeClr val="lt1">
+        <a:alpha val="90000"/>
+      </a:schemeClr>
+    </dgm:fillClrLst>
+    <dgm:linClrLst meth="repeat">
+      <a:schemeClr val="accent1"/>
+    </dgm:linClrLst>
+    <dgm:effectClrLst/>
+    <dgm:txLinClrLst/>
+    <dgm:txFillClrLst meth="repeat">
+      <a:schemeClr val="dk1"/>
+    </dgm:txFillClrLst>
+    <dgm:txEffectClrLst/>
+  </dgm:styleLbl>
+  <dgm:styleLbl name="fgAcc3">
+    <dgm:fillClrLst meth="repeat">
+      <a:schemeClr val="lt1">
+        <a:alpha val="90000"/>
+      </a:schemeClr>
+    </dgm:fillClrLst>
+    <dgm:linClrLst meth="repeat">
+      <a:schemeClr val="accent1"/>
+    </dgm:linClrLst>
+    <dgm:effectClrLst/>
+    <dgm:txLinClrLst/>
+    <dgm:txFillClrLst meth="repeat">
+      <a:schemeClr val="dk1"/>
+    </dgm:txFillClrLst>
+    <dgm:txEffectClrLst/>
+  </dgm:styleLbl>
+  <dgm:styleLbl name="fgAcc4">
+    <dgm:fillClrLst meth="repeat">
+      <a:schemeClr val="lt1">
+        <a:alpha val="90000"/>
+      </a:schemeClr>
+    </dgm:fillClrLst>
+    <dgm:linClrLst meth="repeat">
+      <a:schemeClr val="accent1"/>
+    </dgm:linClrLst>
+    <dgm:effectClrLst/>
+    <dgm:txLinClrLst/>
+    <dgm:txFillClrLst meth="repeat">
+      <a:schemeClr val="dk1"/>
+    </dgm:txFillClrLst>
+    <dgm:txEffectClrLst/>
+  </dgm:styleLbl>
+  <dgm:styleLbl name="bgShp">
+    <dgm:fillClrLst meth="repeat">
+      <a:schemeClr val="accent1">
+        <a:tint val="40000"/>
+      </a:schemeClr>
+    </dgm:fillClrLst>
+    <dgm:linClrLst meth="repeat">
+      <a:schemeClr val="accent1"/>
+    </dgm:linClrLst>
+    <dgm:effectClrLst/>
+    <dgm:txLinClrLst/>
+    <dgm:txFillClrLst meth="repeat">
+      <a:schemeClr val="dk1"/>
+    </dgm:txFillClrLst>
+    <dgm:txEffectClrLst/>
+  </dgm:styleLbl>
+  <dgm:styleLbl name="dkBgShp">
+    <dgm:fillClrLst meth="repeat">
+      <a:schemeClr val="accent1">
+        <a:shade val="80000"/>
+      </a:schemeClr>
+    </dgm:fillClrLst>
+    <dgm:linClrLst meth="repeat">
+      <a:schemeClr val="accent1"/>
+    </dgm:linClrLst>
+    <dgm:effectClrLst/>
+    <dgm:txLinClrLst/>
+    <dgm:txFillClrLst meth="repeat">
+      <a:schemeClr val="lt1"/>
+    </dgm:txFillClrLst>
+    <dgm:txEffectClrLst/>
+  </dgm:styleLbl>
+  <dgm:styleLbl name="trBgShp">
+    <dgm:fillClrLst meth="repeat">
+      <a:schemeClr val="accent1">
+        <a:tint val="50000"/>
+        <a:alpha val="40000"/>
+      </a:schemeClr>
+    </dgm:fillClrLst>
+    <dgm:linClrLst meth="repeat">
+      <a:schemeClr val="accent1"/>
+    </dgm:linClrLst>
+    <dgm:effectClrLst/>
+    <dgm:txLinClrLst/>
+    <dgm:txFillClrLst meth="repeat">
+      <a:schemeClr val="lt1"/>
+    </dgm:txFillClrLst>
+    <dgm:txEffectClrLst/>
+  </dgm:styleLbl>
+  <dgm:styleLbl name="fgShp">
+    <dgm:fillClrLst meth="repeat">
+      <a:schemeClr val="accent1">
+        <a:tint val="60000"/>
+      </a:schemeClr>
+    </dgm:fillClrLst>
+    <dgm:linClrLst meth="repeat">
+      <a:schemeClr val="lt1"/>
+    </dgm:linClrLst>
+    <dgm:effectClrLst/>
+    <dgm:txLinClrLst/>
+    <dgm:txFillClrLst meth="repeat">
+      <a:schemeClr val="dk1"/>
+    </dgm:txFillClrLst>
+    <dgm:txEffectClrLst/>
+  </dgm:styleLbl>
+  <dgm:styleLbl name="revTx">
+    <dgm:fillClrLst meth="repeat">
+      <a:schemeClr val="lt1">
+        <a:alpha val="0"/>
+      </a:schemeClr>
+    </dgm:fillClrLst>
+    <dgm:linClrLst meth="repeat">
+      <a:schemeClr val="dk1">
+        <a:alpha val="0"/>
+      </a:schemeClr>
+    </dgm:linClrLst>
+    <dgm:effectClrLst/>
+    <dgm:txLinClrLst/>
+    <dgm:txFillClrLst meth="repeat">
+      <a:schemeClr val="tx1"/>
+    </dgm:txFillClrLst>
+    <dgm:txEffectClrLst/>
+  </dgm:styleLbl>
+</dgm:colorsDef>
+</file>
+
+<file path=ppt/diagrams/data1.xml><?xml version="1.0" encoding="utf-8"?>
+<dgm:dataModel xmlns:dgm="http://schemas.openxmlformats.org/drawingml/2006/diagram" xmlns:a="http://schemas.openxmlformats.org/drawingml/2006/main">
+  <dgm:ptLst>
+    <dgm:pt modelId="{B110462B-EAB7-4FAF-AC23-0EB8DD344046}" type="doc">
+      <dgm:prSet loTypeId="urn:microsoft.com/office/officeart/2005/8/layout/vList2" loCatId="list" qsTypeId="urn:microsoft.com/office/officeart/2005/8/quickstyle/simple1" qsCatId="simple" csTypeId="urn:microsoft.com/office/officeart/2005/8/colors/accent1_2" csCatId="accent1" phldr="1"/>
+      <dgm:spPr/>
+      <dgm:t>
+        <a:bodyPr/>
+        <a:lstStyle/>
+        <a:p>
+          <a:endParaRPr lang="en-IE"/>
+        </a:p>
+      </dgm:t>
+    </dgm:pt>
+    <dgm:pt modelId="{71AE6A46-71D7-42B1-809C-9AD41FB8629E}">
+      <dgm:prSet/>
+      <dgm:spPr/>
+      <dgm:t>
+        <a:bodyPr/>
+        <a:lstStyle/>
+        <a:p>
+          <a:r>
+            <a:rPr lang="en-IE" dirty="0"/>
+            <a:t>Define a Joi Schema for User</a:t>
+          </a:r>
+        </a:p>
+      </dgm:t>
+    </dgm:pt>
+    <dgm:pt modelId="{2E276820-1470-4F8A-AD98-A63DF6D993D8}" type="parTrans" cxnId="{7F52C644-A11F-482E-8940-854EFB0F7030}">
+      <dgm:prSet/>
+      <dgm:spPr/>
+      <dgm:t>
+        <a:bodyPr/>
+        <a:lstStyle/>
+        <a:p>
+          <a:endParaRPr lang="en-IE"/>
+        </a:p>
+      </dgm:t>
+    </dgm:pt>
+    <dgm:pt modelId="{8C9B1B29-70EF-4321-8957-A0DA35F21610}" type="sibTrans" cxnId="{7F52C644-A11F-482E-8940-854EFB0F7030}">
+      <dgm:prSet/>
+      <dgm:spPr/>
+      <dgm:t>
+        <a:bodyPr/>
+        <a:lstStyle/>
+        <a:p>
+          <a:endParaRPr lang="en-IE"/>
+        </a:p>
+      </dgm:t>
+    </dgm:pt>
+    <dgm:pt modelId="{38766030-D649-4A6D-8C00-E493FC20889F}">
+      <dgm:prSet/>
+      <dgm:spPr/>
+      <dgm:t>
+        <a:bodyPr/>
+        <a:lstStyle/>
+        <a:p>
+          <a:r>
+            <a:rPr lang="en-IE" dirty="0"/>
+            <a:t>Include in our app dependencies</a:t>
+          </a:r>
+        </a:p>
+      </dgm:t>
+    </dgm:pt>
+    <dgm:pt modelId="{1A1B5F0F-F076-494D-92DC-3B1B5C7C1DFB}" type="parTrans" cxnId="{BA9C28DC-BE2A-44E4-92D7-0BE5BC61044B}">
+      <dgm:prSet/>
+      <dgm:spPr/>
+      <dgm:t>
+        <a:bodyPr/>
+        <a:lstStyle/>
+        <a:p>
+          <a:endParaRPr lang="en-IE"/>
+        </a:p>
+      </dgm:t>
+    </dgm:pt>
+    <dgm:pt modelId="{3747E9DE-0B60-49DA-A510-A620106B6E2A}" type="sibTrans" cxnId="{BA9C28DC-BE2A-44E4-92D7-0BE5BC61044B}">
+      <dgm:prSet/>
+      <dgm:spPr/>
+      <dgm:t>
+        <a:bodyPr/>
+        <a:lstStyle/>
+        <a:p>
+          <a:endParaRPr lang="en-IE"/>
+        </a:p>
+      </dgm:t>
+    </dgm:pt>
+    <dgm:pt modelId="{4E8C5B9A-39D4-49C2-B49D-2697488FE941}">
+      <dgm:prSet/>
+      <dgm:spPr/>
+      <dgm:t>
+        <a:bodyPr/>
+        <a:lstStyle/>
+        <a:p>
+          <a:r>
+            <a:rPr lang="en-IE" dirty="0"/>
+            <a:t>Create a User Validation Controller</a:t>
+          </a:r>
+        </a:p>
+      </dgm:t>
+    </dgm:pt>
+    <dgm:pt modelId="{01BD955F-CECC-46F5-8358-039A99FF068B}" type="parTrans" cxnId="{44DD8CEA-A075-47DF-B2CA-8897430F201B}">
+      <dgm:prSet/>
+      <dgm:spPr/>
+      <dgm:t>
+        <a:bodyPr/>
+        <a:lstStyle/>
+        <a:p>
+          <a:endParaRPr lang="en-IE"/>
+        </a:p>
+      </dgm:t>
+    </dgm:pt>
+    <dgm:pt modelId="{A2218130-4596-4E26-93E9-F5C37BF0D760}" type="sibTrans" cxnId="{44DD8CEA-A075-47DF-B2CA-8897430F201B}">
+      <dgm:prSet/>
+      <dgm:spPr/>
+      <dgm:t>
+        <a:bodyPr/>
+        <a:lstStyle/>
+        <a:p>
+          <a:endParaRPr lang="en-IE"/>
+        </a:p>
+      </dgm:t>
+    </dgm:pt>
+    <dgm:pt modelId="{215B6F2B-6EC1-41EF-A286-39C1AE738698}">
+      <dgm:prSet/>
+      <dgm:spPr/>
+      <dgm:t>
+        <a:bodyPr/>
+        <a:lstStyle/>
+        <a:p>
+          <a:r>
+            <a:rPr lang="en-IE" dirty="0"/>
+            <a:t>Add the Validation controller to the User Routes.</a:t>
+          </a:r>
+        </a:p>
+      </dgm:t>
+    </dgm:pt>
+    <dgm:pt modelId="{267AE2A3-241D-4E5A-8E95-35C9213D6750}" type="parTrans" cxnId="{4DA8C3BF-2DCE-45E5-B5A8-F562C2C46093}">
+      <dgm:prSet/>
+      <dgm:spPr/>
+      <dgm:t>
+        <a:bodyPr/>
+        <a:lstStyle/>
+        <a:p>
+          <a:endParaRPr lang="en-IE"/>
+        </a:p>
+      </dgm:t>
+    </dgm:pt>
+    <dgm:pt modelId="{5A9FEFFD-5161-40B3-8BE9-EC240291EC75}" type="sibTrans" cxnId="{4DA8C3BF-2DCE-45E5-B5A8-F562C2C46093}">
+      <dgm:prSet/>
+      <dgm:spPr/>
+      <dgm:t>
+        <a:bodyPr/>
+        <a:lstStyle/>
+        <a:p>
+          <a:endParaRPr lang="en-IE"/>
+        </a:p>
+      </dgm:t>
+    </dgm:pt>
+    <dgm:pt modelId="{4074AFEA-F527-437F-BF4C-0FC04561D154}">
+      <dgm:prSet/>
+      <dgm:spPr/>
+      <dgm:t>
+        <a:bodyPr/>
+        <a:lstStyle/>
+        <a:p>
+          <a:r>
+            <a:rPr lang="en-IE" dirty="0"/>
+            <a:t> Use Dependency injection</a:t>
+          </a:r>
+        </a:p>
+      </dgm:t>
+    </dgm:pt>
+    <dgm:pt modelId="{39969E63-8521-4A69-82E4-9828C277074E}" type="parTrans" cxnId="{6BCBC986-344E-4FDA-8A28-903147FE85B9}">
+      <dgm:prSet/>
+      <dgm:spPr/>
+    </dgm:pt>
+    <dgm:pt modelId="{4770D806-70DC-4C6F-8B4B-E760C58C8AC3}" type="sibTrans" cxnId="{6BCBC986-344E-4FDA-8A28-903147FE85B9}">
+      <dgm:prSet/>
+      <dgm:spPr/>
+    </dgm:pt>
+    <dgm:pt modelId="{C935C486-B856-4FD1-8BB9-04B109735F0B}">
+      <dgm:prSet/>
+      <dgm:spPr/>
+      <dgm:t>
+        <a:bodyPr/>
+        <a:lstStyle/>
+        <a:p>
+          <a:r>
+            <a:rPr lang="en-IE" dirty="0"/>
+            <a:t>Create in Validators folder.</a:t>
+          </a:r>
+        </a:p>
+      </dgm:t>
+    </dgm:pt>
+    <dgm:pt modelId="{53C34938-98D9-4A7B-9EE2-F48B8568BB71}" type="parTrans" cxnId="{6FB5EAA5-4CF7-45F7-AD4A-65E76804BCB3}">
+      <dgm:prSet/>
+      <dgm:spPr/>
+    </dgm:pt>
+    <dgm:pt modelId="{474DEE67-C851-405C-BAE0-0AD7418E94A7}" type="sibTrans" cxnId="{6FB5EAA5-4CF7-45F7-AD4A-65E76804BCB3}">
+      <dgm:prSet/>
+      <dgm:spPr/>
+    </dgm:pt>
+    <dgm:pt modelId="{A5AD6FB3-04E6-4A49-93FA-5F3E37E0D6C3}">
+      <dgm:prSet/>
+      <dgm:spPr/>
+      <dgm:t>
+        <a:bodyPr/>
+        <a:lstStyle/>
+        <a:p>
+          <a:r>
+            <a:rPr lang="en-IE" dirty="0"/>
+            <a:t>Uses the User Schema to validate request body</a:t>
+          </a:r>
+        </a:p>
+      </dgm:t>
+    </dgm:pt>
+    <dgm:pt modelId="{4841416A-9152-487D-9BFA-2219C4FBE2C5}" type="parTrans" cxnId="{785CBF69-A190-4E45-89E9-910905FCC9BC}">
+      <dgm:prSet/>
+      <dgm:spPr/>
+    </dgm:pt>
+    <dgm:pt modelId="{05CA661A-756C-4E04-91CC-73C336B070E7}" type="sibTrans" cxnId="{785CBF69-A190-4E45-89E9-910905FCC9BC}">
+      <dgm:prSet/>
+      <dgm:spPr/>
+    </dgm:pt>
+    <dgm:pt modelId="{63C0DAF1-2A3A-4094-BB43-ECBE1037758E}">
+      <dgm:prSet/>
+      <dgm:spPr/>
+      <dgm:t>
+        <a:bodyPr/>
+        <a:lstStyle/>
+        <a:p>
+          <a:r>
+            <a:rPr lang="en-IE" dirty="0"/>
+            <a:t>Import Validation Controller and “chain” with other controllers.</a:t>
+          </a:r>
+        </a:p>
+      </dgm:t>
+    </dgm:pt>
+    <dgm:pt modelId="{77B88429-6B79-4DFA-908F-2B9ADCD191DA}" type="parTrans" cxnId="{5AF2F9CA-DA42-49B0-8C34-803A26887132}">
+      <dgm:prSet/>
+      <dgm:spPr/>
+    </dgm:pt>
+    <dgm:pt modelId="{0C7291BF-D84C-4E96-9509-4244BC94ADBD}" type="sibTrans" cxnId="{5AF2F9CA-DA42-49B0-8C34-803A26887132}">
+      <dgm:prSet/>
+      <dgm:spPr/>
+    </dgm:pt>
+    <dgm:pt modelId="{1E300111-6F4D-40FE-A72B-525AB4C86460}" type="pres">
+      <dgm:prSet presAssocID="{B110462B-EAB7-4FAF-AC23-0EB8DD344046}" presName="linear" presStyleCnt="0">
+        <dgm:presLayoutVars>
+          <dgm:animLvl val="lvl"/>
+          <dgm:resizeHandles val="exact"/>
+        </dgm:presLayoutVars>
+      </dgm:prSet>
+      <dgm:spPr/>
+    </dgm:pt>
+    <dgm:pt modelId="{4DCFA79D-0F3F-4C21-88C1-B6483AFBBBCD}" type="pres">
+      <dgm:prSet presAssocID="{71AE6A46-71D7-42B1-809C-9AD41FB8629E}" presName="parentText" presStyleLbl="node1" presStyleIdx="0" presStyleCnt="4">
+        <dgm:presLayoutVars>
+          <dgm:chMax val="0"/>
+          <dgm:bulletEnabled val="1"/>
+        </dgm:presLayoutVars>
+      </dgm:prSet>
+      <dgm:spPr/>
+    </dgm:pt>
+    <dgm:pt modelId="{DBDC05C1-4AFA-4301-9EE7-EF1C190CD84B}" type="pres">
+      <dgm:prSet presAssocID="{71AE6A46-71D7-42B1-809C-9AD41FB8629E}" presName="childText" presStyleLbl="revTx" presStyleIdx="0" presStyleCnt="4">
+        <dgm:presLayoutVars>
+          <dgm:bulletEnabled val="1"/>
+        </dgm:presLayoutVars>
+      </dgm:prSet>
+      <dgm:spPr/>
+    </dgm:pt>
+    <dgm:pt modelId="{50DE31DA-0D29-4290-A1FA-2D19EEDD20E6}" type="pres">
+      <dgm:prSet presAssocID="{38766030-D649-4A6D-8C00-E493FC20889F}" presName="parentText" presStyleLbl="node1" presStyleIdx="1" presStyleCnt="4">
+        <dgm:presLayoutVars>
+          <dgm:chMax val="0"/>
+          <dgm:bulletEnabled val="1"/>
+        </dgm:presLayoutVars>
+      </dgm:prSet>
+      <dgm:spPr/>
+    </dgm:pt>
+    <dgm:pt modelId="{1CC47CC3-45CA-49A3-B52A-D83DBDC233CE}" type="pres">
+      <dgm:prSet presAssocID="{38766030-D649-4A6D-8C00-E493FC20889F}" presName="childText" presStyleLbl="revTx" presStyleIdx="1" presStyleCnt="4">
+        <dgm:presLayoutVars>
+          <dgm:bulletEnabled val="1"/>
+        </dgm:presLayoutVars>
+      </dgm:prSet>
+      <dgm:spPr/>
+    </dgm:pt>
+    <dgm:pt modelId="{4DD1D670-1EAC-42C0-AC81-1AD9ECE2DCB5}" type="pres">
+      <dgm:prSet presAssocID="{4E8C5B9A-39D4-49C2-B49D-2697488FE941}" presName="parentText" presStyleLbl="node1" presStyleIdx="2" presStyleCnt="4">
+        <dgm:presLayoutVars>
+          <dgm:chMax val="0"/>
+          <dgm:bulletEnabled val="1"/>
+        </dgm:presLayoutVars>
+      </dgm:prSet>
+      <dgm:spPr/>
+    </dgm:pt>
+    <dgm:pt modelId="{5385EDF1-A419-43BA-B45C-9965DD7CBA0D}" type="pres">
+      <dgm:prSet presAssocID="{4E8C5B9A-39D4-49C2-B49D-2697488FE941}" presName="childText" presStyleLbl="revTx" presStyleIdx="2" presStyleCnt="4">
+        <dgm:presLayoutVars>
+          <dgm:bulletEnabled val="1"/>
+        </dgm:presLayoutVars>
+      </dgm:prSet>
+      <dgm:spPr/>
+    </dgm:pt>
+    <dgm:pt modelId="{EA320939-48F2-4438-B408-F767F529C4D9}" type="pres">
+      <dgm:prSet presAssocID="{215B6F2B-6EC1-41EF-A286-39C1AE738698}" presName="parentText" presStyleLbl="node1" presStyleIdx="3" presStyleCnt="4">
+        <dgm:presLayoutVars>
+          <dgm:chMax val="0"/>
+          <dgm:bulletEnabled val="1"/>
+        </dgm:presLayoutVars>
+      </dgm:prSet>
+      <dgm:spPr/>
+    </dgm:pt>
+    <dgm:pt modelId="{0BC4B596-B25E-4E7D-803B-4B757AD00DB3}" type="pres">
+      <dgm:prSet presAssocID="{215B6F2B-6EC1-41EF-A286-39C1AE738698}" presName="childText" presStyleLbl="revTx" presStyleIdx="3" presStyleCnt="4">
+        <dgm:presLayoutVars>
+          <dgm:bulletEnabled val="1"/>
+        </dgm:presLayoutVars>
+      </dgm:prSet>
+      <dgm:spPr/>
+    </dgm:pt>
+  </dgm:ptLst>
+  <dgm:cxnLst>
+    <dgm:cxn modelId="{6AC55112-600C-4A49-9A9B-D42D4494BD9E}" type="presOf" srcId="{4074AFEA-F527-437F-BF4C-0FC04561D154}" destId="{1CC47CC3-45CA-49A3-B52A-D83DBDC233CE}" srcOrd="0" destOrd="0" presId="urn:microsoft.com/office/officeart/2005/8/layout/vList2"/>
+    <dgm:cxn modelId="{38B42D1B-C989-4322-83C8-D5BA3FDCFA9F}" type="presOf" srcId="{215B6F2B-6EC1-41EF-A286-39C1AE738698}" destId="{EA320939-48F2-4438-B408-F767F529C4D9}" srcOrd="0" destOrd="0" presId="urn:microsoft.com/office/officeart/2005/8/layout/vList2"/>
+    <dgm:cxn modelId="{7E360A43-3F97-4BFE-BA86-E8BB4104F82A}" type="presOf" srcId="{B110462B-EAB7-4FAF-AC23-0EB8DD344046}" destId="{1E300111-6F4D-40FE-A72B-525AB4C86460}" srcOrd="0" destOrd="0" presId="urn:microsoft.com/office/officeart/2005/8/layout/vList2"/>
+    <dgm:cxn modelId="{7F52C644-A11F-482E-8940-854EFB0F7030}" srcId="{B110462B-EAB7-4FAF-AC23-0EB8DD344046}" destId="{71AE6A46-71D7-42B1-809C-9AD41FB8629E}" srcOrd="0" destOrd="0" parTransId="{2E276820-1470-4F8A-AD98-A63DF6D993D8}" sibTransId="{8C9B1B29-70EF-4321-8957-A0DA35F21610}"/>
+    <dgm:cxn modelId="{785CBF69-A190-4E45-89E9-910905FCC9BC}" srcId="{4E8C5B9A-39D4-49C2-B49D-2697488FE941}" destId="{A5AD6FB3-04E6-4A49-93FA-5F3E37E0D6C3}" srcOrd="0" destOrd="0" parTransId="{4841416A-9152-487D-9BFA-2219C4FBE2C5}" sibTransId="{05CA661A-756C-4E04-91CC-73C336B070E7}"/>
+    <dgm:cxn modelId="{1D7F7D4C-F9D2-4C2D-9A4C-E90CB77230BC}" type="presOf" srcId="{63C0DAF1-2A3A-4094-BB43-ECBE1037758E}" destId="{0BC4B596-B25E-4E7D-803B-4B757AD00DB3}" srcOrd="0" destOrd="0" presId="urn:microsoft.com/office/officeart/2005/8/layout/vList2"/>
+    <dgm:cxn modelId="{8EE42856-DC8C-4D3B-BCD6-1B9EFF093FC9}" type="presOf" srcId="{71AE6A46-71D7-42B1-809C-9AD41FB8629E}" destId="{4DCFA79D-0F3F-4C21-88C1-B6483AFBBBCD}" srcOrd="0" destOrd="0" presId="urn:microsoft.com/office/officeart/2005/8/layout/vList2"/>
+    <dgm:cxn modelId="{6BCBC986-344E-4FDA-8A28-903147FE85B9}" srcId="{38766030-D649-4A6D-8C00-E493FC20889F}" destId="{4074AFEA-F527-437F-BF4C-0FC04561D154}" srcOrd="0" destOrd="0" parTransId="{39969E63-8521-4A69-82E4-9828C277074E}" sibTransId="{4770D806-70DC-4C6F-8B4B-E760C58C8AC3}"/>
+    <dgm:cxn modelId="{C0AEA1A3-9D31-41B6-A01C-25D558900D9B}" type="presOf" srcId="{38766030-D649-4A6D-8C00-E493FC20889F}" destId="{50DE31DA-0D29-4290-A1FA-2D19EEDD20E6}" srcOrd="0" destOrd="0" presId="urn:microsoft.com/office/officeart/2005/8/layout/vList2"/>
+    <dgm:cxn modelId="{6FB5EAA5-4CF7-45F7-AD4A-65E76804BCB3}" srcId="{71AE6A46-71D7-42B1-809C-9AD41FB8629E}" destId="{C935C486-B856-4FD1-8BB9-04B109735F0B}" srcOrd="0" destOrd="0" parTransId="{53C34938-98D9-4A7B-9EE2-F48B8568BB71}" sibTransId="{474DEE67-C851-405C-BAE0-0AD7418E94A7}"/>
+    <dgm:cxn modelId="{5BD0F9AC-814C-4DB2-93EE-EB36E5F37492}" type="presOf" srcId="{C935C486-B856-4FD1-8BB9-04B109735F0B}" destId="{DBDC05C1-4AFA-4301-9EE7-EF1C190CD84B}" srcOrd="0" destOrd="0" presId="urn:microsoft.com/office/officeart/2005/8/layout/vList2"/>
+    <dgm:cxn modelId="{4DA8C3BF-2DCE-45E5-B5A8-F562C2C46093}" srcId="{B110462B-EAB7-4FAF-AC23-0EB8DD344046}" destId="{215B6F2B-6EC1-41EF-A286-39C1AE738698}" srcOrd="3" destOrd="0" parTransId="{267AE2A3-241D-4E5A-8E95-35C9213D6750}" sibTransId="{5A9FEFFD-5161-40B3-8BE9-EC240291EC75}"/>
+    <dgm:cxn modelId="{5AF2F9CA-DA42-49B0-8C34-803A26887132}" srcId="{215B6F2B-6EC1-41EF-A286-39C1AE738698}" destId="{63C0DAF1-2A3A-4094-BB43-ECBE1037758E}" srcOrd="0" destOrd="0" parTransId="{77B88429-6B79-4DFA-908F-2B9ADCD191DA}" sibTransId="{0C7291BF-D84C-4E96-9509-4244BC94ADBD}"/>
+    <dgm:cxn modelId="{BA9C28DC-BE2A-44E4-92D7-0BE5BC61044B}" srcId="{B110462B-EAB7-4FAF-AC23-0EB8DD344046}" destId="{38766030-D649-4A6D-8C00-E493FC20889F}" srcOrd="1" destOrd="0" parTransId="{1A1B5F0F-F076-494D-92DC-3B1B5C7C1DFB}" sibTransId="{3747E9DE-0B60-49DA-A510-A620106B6E2A}"/>
+    <dgm:cxn modelId="{6C9415E8-6D9B-41F3-BB62-2F95D9C22219}" type="presOf" srcId="{A5AD6FB3-04E6-4A49-93FA-5F3E37E0D6C3}" destId="{5385EDF1-A419-43BA-B45C-9965DD7CBA0D}" srcOrd="0" destOrd="0" presId="urn:microsoft.com/office/officeart/2005/8/layout/vList2"/>
+    <dgm:cxn modelId="{44DD8CEA-A075-47DF-B2CA-8897430F201B}" srcId="{B110462B-EAB7-4FAF-AC23-0EB8DD344046}" destId="{4E8C5B9A-39D4-49C2-B49D-2697488FE941}" srcOrd="2" destOrd="0" parTransId="{01BD955F-CECC-46F5-8358-039A99FF068B}" sibTransId="{A2218130-4596-4E26-93E9-F5C37BF0D760}"/>
+    <dgm:cxn modelId="{8B1699F8-8C97-4B99-A578-70EC59587D58}" type="presOf" srcId="{4E8C5B9A-39D4-49C2-B49D-2697488FE941}" destId="{4DD1D670-1EAC-42C0-AC81-1AD9ECE2DCB5}" srcOrd="0" destOrd="0" presId="urn:microsoft.com/office/officeart/2005/8/layout/vList2"/>
+    <dgm:cxn modelId="{DDDC3613-7B2B-4695-BA80-F3F6D1F843FF}" type="presParOf" srcId="{1E300111-6F4D-40FE-A72B-525AB4C86460}" destId="{4DCFA79D-0F3F-4C21-88C1-B6483AFBBBCD}" srcOrd="0" destOrd="0" presId="urn:microsoft.com/office/officeart/2005/8/layout/vList2"/>
+    <dgm:cxn modelId="{93191757-1F96-45A8-A486-8742D7467AE3}" type="presParOf" srcId="{1E300111-6F4D-40FE-A72B-525AB4C86460}" destId="{DBDC05C1-4AFA-4301-9EE7-EF1C190CD84B}" srcOrd="1" destOrd="0" presId="urn:microsoft.com/office/officeart/2005/8/layout/vList2"/>
+    <dgm:cxn modelId="{C6B5BF66-ABE0-43AD-BCF3-4D4E81A4BAEA}" type="presParOf" srcId="{1E300111-6F4D-40FE-A72B-525AB4C86460}" destId="{50DE31DA-0D29-4290-A1FA-2D19EEDD20E6}" srcOrd="2" destOrd="0" presId="urn:microsoft.com/office/officeart/2005/8/layout/vList2"/>
+    <dgm:cxn modelId="{06474AE6-F8D0-40A8-890B-B883F0E3B199}" type="presParOf" srcId="{1E300111-6F4D-40FE-A72B-525AB4C86460}" destId="{1CC47CC3-45CA-49A3-B52A-D83DBDC233CE}" srcOrd="3" destOrd="0" presId="urn:microsoft.com/office/officeart/2005/8/layout/vList2"/>
+    <dgm:cxn modelId="{CBEBDC85-7F3A-4B60-ADDF-910D1A2B0AA0}" type="presParOf" srcId="{1E300111-6F4D-40FE-A72B-525AB4C86460}" destId="{4DD1D670-1EAC-42C0-AC81-1AD9ECE2DCB5}" srcOrd="4" destOrd="0" presId="urn:microsoft.com/office/officeart/2005/8/layout/vList2"/>
+    <dgm:cxn modelId="{E34A2C4D-16D5-40CC-8632-71D97153D861}" type="presParOf" srcId="{1E300111-6F4D-40FE-A72B-525AB4C86460}" destId="{5385EDF1-A419-43BA-B45C-9965DD7CBA0D}" srcOrd="5" destOrd="0" presId="urn:microsoft.com/office/officeart/2005/8/layout/vList2"/>
+    <dgm:cxn modelId="{9613FABF-32AB-43F5-BB9B-146B0EE85D3C}" type="presParOf" srcId="{1E300111-6F4D-40FE-A72B-525AB4C86460}" destId="{EA320939-48F2-4438-B408-F767F529C4D9}" srcOrd="6" destOrd="0" presId="urn:microsoft.com/office/officeart/2005/8/layout/vList2"/>
+    <dgm:cxn modelId="{6166DC6E-CF78-4454-A377-A0B6B2E6C724}" type="presParOf" srcId="{1E300111-6F4D-40FE-A72B-525AB4C86460}" destId="{0BC4B596-B25E-4E7D-803B-4B757AD00DB3}" srcOrd="7" destOrd="0" presId="urn:microsoft.com/office/officeart/2005/8/layout/vList2"/>
+  </dgm:cxnLst>
+  <dgm:bg/>
+  <dgm:whole/>
+  <dgm:extLst>
+    <a:ext uri="http://schemas.microsoft.com/office/drawing/2008/diagram">
+      <dsp:dataModelExt xmlns:dsp="http://schemas.microsoft.com/office/drawing/2008/diagram" relId="rId6" minVer="http://schemas.openxmlformats.org/drawingml/2006/diagram"/>
+    </a:ext>
+  </dgm:extLst>
+</dgm:dataModel>
+</file>
+
+<file path=ppt/diagrams/drawing1.xml><?xml version="1.0" encoding="utf-8"?>
+<dsp:drawing xmlns:dgm="http://schemas.openxmlformats.org/drawingml/2006/diagram" xmlns:dsp="http://schemas.microsoft.com/office/drawing/2008/diagram" xmlns:a="http://schemas.openxmlformats.org/drawingml/2006/main">
+  <dsp:spTree>
+    <dsp:nvGrpSpPr>
+      <dsp:cNvPr id="0" name=""/>
+      <dsp:cNvGrpSpPr/>
+    </dsp:nvGrpSpPr>
+    <dsp:grpSpPr/>
+    <dsp:sp modelId="{4DCFA79D-0F3F-4C21-88C1-B6483AFBBBCD}">
+      <dsp:nvSpPr>
+        <dsp:cNvPr id="0" name=""/>
+        <dsp:cNvSpPr/>
+      </dsp:nvSpPr>
+      <dsp:spPr>
+        <a:xfrm>
+          <a:off x="0" y="67328"/>
+          <a:ext cx="10515600" cy="623610"/>
+        </a:xfrm>
+        <a:prstGeom prst="roundRect">
+          <a:avLst/>
+        </a:prstGeom>
+        <a:solidFill>
+          <a:schemeClr val="accent1">
+            <a:hueOff val="0"/>
+            <a:satOff val="0"/>
+            <a:lumOff val="0"/>
+            <a:alphaOff val="0"/>
+          </a:schemeClr>
+        </a:solidFill>
+        <a:ln w="12700" cap="flat" cmpd="sng" algn="ctr">
+          <a:solidFill>
+            <a:schemeClr val="lt1">
+              <a:hueOff val="0"/>
+              <a:satOff val="0"/>
+              <a:lumOff val="0"/>
+              <a:alphaOff val="0"/>
+            </a:schemeClr>
+          </a:solidFill>
+          <a:prstDash val="solid"/>
+          <a:miter lim="800000"/>
+        </a:ln>
+        <a:effectLst/>
+      </dsp:spPr>
+      <dsp:style>
+        <a:lnRef idx="2">
+          <a:scrgbClr r="0" g="0" b="0"/>
+        </a:lnRef>
+        <a:fillRef idx="1">
+          <a:scrgbClr r="0" g="0" b="0"/>
+        </a:fillRef>
+        <a:effectRef idx="0">
+          <a:scrgbClr r="0" g="0" b="0"/>
+        </a:effectRef>
+        <a:fontRef idx="minor">
+          <a:schemeClr val="lt1"/>
+        </a:fontRef>
+      </dsp:style>
+      <dsp:txBody>
+        <a:bodyPr spcFirstLastPara="0" vert="horz" wrap="square" lIns="99060" tIns="99060" rIns="99060" bIns="99060" numCol="1" spcCol="1270" anchor="ctr" anchorCtr="0">
+          <a:noAutofit/>
+        </a:bodyPr>
+        <a:lstStyle/>
+        <a:p>
+          <a:pPr marL="0" lvl="0" indent="0" algn="l" defTabSz="1155700">
+            <a:lnSpc>
+              <a:spcPct val="90000"/>
+            </a:lnSpc>
+            <a:spcBef>
+              <a:spcPct val="0"/>
+            </a:spcBef>
+            <a:spcAft>
+              <a:spcPct val="35000"/>
+            </a:spcAft>
+            <a:buNone/>
+          </a:pPr>
+          <a:r>
+            <a:rPr lang="en-IE" sz="2600" kern="1200" dirty="0"/>
+            <a:t>Define a Joi Schema for User</a:t>
+          </a:r>
+        </a:p>
+      </dsp:txBody>
+      <dsp:txXfrm>
+        <a:off x="30442" y="97770"/>
+        <a:ext cx="10454716" cy="562726"/>
+      </dsp:txXfrm>
+    </dsp:sp>
+    <dsp:sp modelId="{DBDC05C1-4AFA-4301-9EE7-EF1C190CD84B}">
+      <dsp:nvSpPr>
+        <dsp:cNvPr id="0" name=""/>
+        <dsp:cNvSpPr/>
+      </dsp:nvSpPr>
+      <dsp:spPr>
+        <a:xfrm>
+          <a:off x="0" y="690938"/>
+          <a:ext cx="10515600" cy="430560"/>
+        </a:xfrm>
+        <a:prstGeom prst="rect">
+          <a:avLst/>
+        </a:prstGeom>
+        <a:noFill/>
+        <a:ln>
+          <a:noFill/>
+        </a:ln>
+        <a:effectLst/>
+      </dsp:spPr>
+      <dsp:style>
+        <a:lnRef idx="0">
+          <a:scrgbClr r="0" g="0" b="0"/>
+        </a:lnRef>
+        <a:fillRef idx="0">
+          <a:scrgbClr r="0" g="0" b="0"/>
+        </a:fillRef>
+        <a:effectRef idx="0">
+          <a:scrgbClr r="0" g="0" b="0"/>
+        </a:effectRef>
+        <a:fontRef idx="minor"/>
+      </dsp:style>
+      <dsp:txBody>
+        <a:bodyPr spcFirstLastPara="0" vert="horz" wrap="square" lIns="333870" tIns="33020" rIns="184912" bIns="33020" numCol="1" spcCol="1270" anchor="t" anchorCtr="0">
+          <a:noAutofit/>
+        </a:bodyPr>
+        <a:lstStyle/>
+        <a:p>
+          <a:pPr marL="228600" lvl="1" indent="-228600" algn="l" defTabSz="889000">
+            <a:lnSpc>
+              <a:spcPct val="90000"/>
+            </a:lnSpc>
+            <a:spcBef>
+              <a:spcPct val="0"/>
+            </a:spcBef>
+            <a:spcAft>
+              <a:spcPct val="20000"/>
+            </a:spcAft>
+            <a:buChar char="•"/>
+          </a:pPr>
+          <a:r>
+            <a:rPr lang="en-IE" sz="2000" kern="1200" dirty="0"/>
+            <a:t>Create in Validators folder.</a:t>
+          </a:r>
+        </a:p>
+      </dsp:txBody>
+      <dsp:txXfrm>
+        <a:off x="0" y="690938"/>
+        <a:ext cx="10515600" cy="430560"/>
+      </dsp:txXfrm>
+    </dsp:sp>
+    <dsp:sp modelId="{50DE31DA-0D29-4290-A1FA-2D19EEDD20E6}">
+      <dsp:nvSpPr>
+        <dsp:cNvPr id="0" name=""/>
+        <dsp:cNvSpPr/>
+      </dsp:nvSpPr>
+      <dsp:spPr>
+        <a:xfrm>
+          <a:off x="0" y="1121499"/>
+          <a:ext cx="10515600" cy="623610"/>
+        </a:xfrm>
+        <a:prstGeom prst="roundRect">
+          <a:avLst/>
+        </a:prstGeom>
+        <a:solidFill>
+          <a:schemeClr val="accent1">
+            <a:hueOff val="0"/>
+            <a:satOff val="0"/>
+            <a:lumOff val="0"/>
+            <a:alphaOff val="0"/>
+          </a:schemeClr>
+        </a:solidFill>
+        <a:ln w="12700" cap="flat" cmpd="sng" algn="ctr">
+          <a:solidFill>
+            <a:schemeClr val="lt1">
+              <a:hueOff val="0"/>
+              <a:satOff val="0"/>
+              <a:lumOff val="0"/>
+              <a:alphaOff val="0"/>
+            </a:schemeClr>
+          </a:solidFill>
+          <a:prstDash val="solid"/>
+          <a:miter lim="800000"/>
+        </a:ln>
+        <a:effectLst/>
+      </dsp:spPr>
+      <dsp:style>
+        <a:lnRef idx="2">
+          <a:scrgbClr r="0" g="0" b="0"/>
+        </a:lnRef>
+        <a:fillRef idx="1">
+          <a:scrgbClr r="0" g="0" b="0"/>
+        </a:fillRef>
+        <a:effectRef idx="0">
+          <a:scrgbClr r="0" g="0" b="0"/>
+        </a:effectRef>
+        <a:fontRef idx="minor">
+          <a:schemeClr val="lt1"/>
+        </a:fontRef>
+      </dsp:style>
+      <dsp:txBody>
+        <a:bodyPr spcFirstLastPara="0" vert="horz" wrap="square" lIns="99060" tIns="99060" rIns="99060" bIns="99060" numCol="1" spcCol="1270" anchor="ctr" anchorCtr="0">
+          <a:noAutofit/>
+        </a:bodyPr>
+        <a:lstStyle/>
+        <a:p>
+          <a:pPr marL="0" lvl="0" indent="0" algn="l" defTabSz="1155700">
+            <a:lnSpc>
+              <a:spcPct val="90000"/>
+            </a:lnSpc>
+            <a:spcBef>
+              <a:spcPct val="0"/>
+            </a:spcBef>
+            <a:spcAft>
+              <a:spcPct val="35000"/>
+            </a:spcAft>
+            <a:buNone/>
+          </a:pPr>
+          <a:r>
+            <a:rPr lang="en-IE" sz="2600" kern="1200" dirty="0"/>
+            <a:t>Include in our app dependencies</a:t>
+          </a:r>
+        </a:p>
+      </dsp:txBody>
+      <dsp:txXfrm>
+        <a:off x="30442" y="1151941"/>
+        <a:ext cx="10454716" cy="562726"/>
+      </dsp:txXfrm>
+    </dsp:sp>
+    <dsp:sp modelId="{1CC47CC3-45CA-49A3-B52A-D83DBDC233CE}">
+      <dsp:nvSpPr>
+        <dsp:cNvPr id="0" name=""/>
+        <dsp:cNvSpPr/>
+      </dsp:nvSpPr>
+      <dsp:spPr>
+        <a:xfrm>
+          <a:off x="0" y="1745109"/>
+          <a:ext cx="10515600" cy="430560"/>
+        </a:xfrm>
+        <a:prstGeom prst="rect">
+          <a:avLst/>
+        </a:prstGeom>
+        <a:noFill/>
+        <a:ln>
+          <a:noFill/>
+        </a:ln>
+        <a:effectLst/>
+      </dsp:spPr>
+      <dsp:style>
+        <a:lnRef idx="0">
+          <a:scrgbClr r="0" g="0" b="0"/>
+        </a:lnRef>
+        <a:fillRef idx="0">
+          <a:scrgbClr r="0" g="0" b="0"/>
+        </a:fillRef>
+        <a:effectRef idx="0">
+          <a:scrgbClr r="0" g="0" b="0"/>
+        </a:effectRef>
+        <a:fontRef idx="minor"/>
+      </dsp:style>
+      <dsp:txBody>
+        <a:bodyPr spcFirstLastPara="0" vert="horz" wrap="square" lIns="333870" tIns="33020" rIns="184912" bIns="33020" numCol="1" spcCol="1270" anchor="t" anchorCtr="0">
+          <a:noAutofit/>
+        </a:bodyPr>
+        <a:lstStyle/>
+        <a:p>
+          <a:pPr marL="228600" lvl="1" indent="-228600" algn="l" defTabSz="889000">
+            <a:lnSpc>
+              <a:spcPct val="90000"/>
+            </a:lnSpc>
+            <a:spcBef>
+              <a:spcPct val="0"/>
+            </a:spcBef>
+            <a:spcAft>
+              <a:spcPct val="20000"/>
+            </a:spcAft>
+            <a:buChar char="•"/>
+          </a:pPr>
+          <a:r>
+            <a:rPr lang="en-IE" sz="2000" kern="1200" dirty="0"/>
+            <a:t> Use Dependency injection</a:t>
+          </a:r>
+        </a:p>
+      </dsp:txBody>
+      <dsp:txXfrm>
+        <a:off x="0" y="1745109"/>
+        <a:ext cx="10515600" cy="430560"/>
+      </dsp:txXfrm>
+    </dsp:sp>
+    <dsp:sp modelId="{4DD1D670-1EAC-42C0-AC81-1AD9ECE2DCB5}">
+      <dsp:nvSpPr>
+        <dsp:cNvPr id="0" name=""/>
+        <dsp:cNvSpPr/>
+      </dsp:nvSpPr>
+      <dsp:spPr>
+        <a:xfrm>
+          <a:off x="0" y="2175669"/>
+          <a:ext cx="10515600" cy="623610"/>
+        </a:xfrm>
+        <a:prstGeom prst="roundRect">
+          <a:avLst/>
+        </a:prstGeom>
+        <a:solidFill>
+          <a:schemeClr val="accent1">
+            <a:hueOff val="0"/>
+            <a:satOff val="0"/>
+            <a:lumOff val="0"/>
+            <a:alphaOff val="0"/>
+          </a:schemeClr>
+        </a:solidFill>
+        <a:ln w="12700" cap="flat" cmpd="sng" algn="ctr">
+          <a:solidFill>
+            <a:schemeClr val="lt1">
+              <a:hueOff val="0"/>
+              <a:satOff val="0"/>
+              <a:lumOff val="0"/>
+              <a:alphaOff val="0"/>
+            </a:schemeClr>
+          </a:solidFill>
+          <a:prstDash val="solid"/>
+          <a:miter lim="800000"/>
+        </a:ln>
+        <a:effectLst/>
+      </dsp:spPr>
+      <dsp:style>
+        <a:lnRef idx="2">
+          <a:scrgbClr r="0" g="0" b="0"/>
+        </a:lnRef>
+        <a:fillRef idx="1">
+          <a:scrgbClr r="0" g="0" b="0"/>
+        </a:fillRef>
+        <a:effectRef idx="0">
+          <a:scrgbClr r="0" g="0" b="0"/>
+        </a:effectRef>
+        <a:fontRef idx="minor">
+          <a:schemeClr val="lt1"/>
+        </a:fontRef>
+      </dsp:style>
+      <dsp:txBody>
+        <a:bodyPr spcFirstLastPara="0" vert="horz" wrap="square" lIns="99060" tIns="99060" rIns="99060" bIns="99060" numCol="1" spcCol="1270" anchor="ctr" anchorCtr="0">
+          <a:noAutofit/>
+        </a:bodyPr>
+        <a:lstStyle/>
+        <a:p>
+          <a:pPr marL="0" lvl="0" indent="0" algn="l" defTabSz="1155700">
+            <a:lnSpc>
+              <a:spcPct val="90000"/>
+            </a:lnSpc>
+            <a:spcBef>
+              <a:spcPct val="0"/>
+            </a:spcBef>
+            <a:spcAft>
+              <a:spcPct val="35000"/>
+            </a:spcAft>
+            <a:buNone/>
+          </a:pPr>
+          <a:r>
+            <a:rPr lang="en-IE" sz="2600" kern="1200" dirty="0"/>
+            <a:t>Create a User Validation Controller</a:t>
+          </a:r>
+        </a:p>
+      </dsp:txBody>
+      <dsp:txXfrm>
+        <a:off x="30442" y="2206111"/>
+        <a:ext cx="10454716" cy="562726"/>
+      </dsp:txXfrm>
+    </dsp:sp>
+    <dsp:sp modelId="{5385EDF1-A419-43BA-B45C-9965DD7CBA0D}">
+      <dsp:nvSpPr>
+        <dsp:cNvPr id="0" name=""/>
+        <dsp:cNvSpPr/>
+      </dsp:nvSpPr>
+      <dsp:spPr>
+        <a:xfrm>
+          <a:off x="0" y="2799279"/>
+          <a:ext cx="10515600" cy="430560"/>
+        </a:xfrm>
+        <a:prstGeom prst="rect">
+          <a:avLst/>
+        </a:prstGeom>
+        <a:noFill/>
+        <a:ln>
+          <a:noFill/>
+        </a:ln>
+        <a:effectLst/>
+      </dsp:spPr>
+      <dsp:style>
+        <a:lnRef idx="0">
+          <a:scrgbClr r="0" g="0" b="0"/>
+        </a:lnRef>
+        <a:fillRef idx="0">
+          <a:scrgbClr r="0" g="0" b="0"/>
+        </a:fillRef>
+        <a:effectRef idx="0">
+          <a:scrgbClr r="0" g="0" b="0"/>
+        </a:effectRef>
+        <a:fontRef idx="minor"/>
+      </dsp:style>
+      <dsp:txBody>
+        <a:bodyPr spcFirstLastPara="0" vert="horz" wrap="square" lIns="333870" tIns="33020" rIns="184912" bIns="33020" numCol="1" spcCol="1270" anchor="t" anchorCtr="0">
+          <a:noAutofit/>
+        </a:bodyPr>
+        <a:lstStyle/>
+        <a:p>
+          <a:pPr marL="228600" lvl="1" indent="-228600" algn="l" defTabSz="889000">
+            <a:lnSpc>
+              <a:spcPct val="90000"/>
+            </a:lnSpc>
+            <a:spcBef>
+              <a:spcPct val="0"/>
+            </a:spcBef>
+            <a:spcAft>
+              <a:spcPct val="20000"/>
+            </a:spcAft>
+            <a:buChar char="•"/>
+          </a:pPr>
+          <a:r>
+            <a:rPr lang="en-IE" sz="2000" kern="1200" dirty="0"/>
+            <a:t>Uses the User Schema to validate request body</a:t>
+          </a:r>
+        </a:p>
+      </dsp:txBody>
+      <dsp:txXfrm>
+        <a:off x="0" y="2799279"/>
+        <a:ext cx="10515600" cy="430560"/>
+      </dsp:txXfrm>
+    </dsp:sp>
+    <dsp:sp modelId="{EA320939-48F2-4438-B408-F767F529C4D9}">
+      <dsp:nvSpPr>
+        <dsp:cNvPr id="0" name=""/>
+        <dsp:cNvSpPr/>
+      </dsp:nvSpPr>
+      <dsp:spPr>
+        <a:xfrm>
+          <a:off x="0" y="3229839"/>
+          <a:ext cx="10515600" cy="623610"/>
+        </a:xfrm>
+        <a:prstGeom prst="roundRect">
+          <a:avLst/>
+        </a:prstGeom>
+        <a:solidFill>
+          <a:schemeClr val="accent1">
+            <a:hueOff val="0"/>
+            <a:satOff val="0"/>
+            <a:lumOff val="0"/>
+            <a:alphaOff val="0"/>
+          </a:schemeClr>
+        </a:solidFill>
+        <a:ln w="12700" cap="flat" cmpd="sng" algn="ctr">
+          <a:solidFill>
+            <a:schemeClr val="lt1">
+              <a:hueOff val="0"/>
+              <a:satOff val="0"/>
+              <a:lumOff val="0"/>
+              <a:alphaOff val="0"/>
+            </a:schemeClr>
+          </a:solidFill>
+          <a:prstDash val="solid"/>
+          <a:miter lim="800000"/>
+        </a:ln>
+        <a:effectLst/>
+      </dsp:spPr>
+      <dsp:style>
+        <a:lnRef idx="2">
+          <a:scrgbClr r="0" g="0" b="0"/>
+        </a:lnRef>
+        <a:fillRef idx="1">
+          <a:scrgbClr r="0" g="0" b="0"/>
+        </a:fillRef>
+        <a:effectRef idx="0">
+          <a:scrgbClr r="0" g="0" b="0"/>
+        </a:effectRef>
+        <a:fontRef idx="minor">
+          <a:schemeClr val="lt1"/>
+        </a:fontRef>
+      </dsp:style>
+      <dsp:txBody>
+        <a:bodyPr spcFirstLastPara="0" vert="horz" wrap="square" lIns="99060" tIns="99060" rIns="99060" bIns="99060" numCol="1" spcCol="1270" anchor="ctr" anchorCtr="0">
+          <a:noAutofit/>
+        </a:bodyPr>
+        <a:lstStyle/>
+        <a:p>
+          <a:pPr marL="0" lvl="0" indent="0" algn="l" defTabSz="1155700">
+            <a:lnSpc>
+              <a:spcPct val="90000"/>
+            </a:lnSpc>
+            <a:spcBef>
+              <a:spcPct val="0"/>
+            </a:spcBef>
+            <a:spcAft>
+              <a:spcPct val="35000"/>
+            </a:spcAft>
+            <a:buNone/>
+          </a:pPr>
+          <a:r>
+            <a:rPr lang="en-IE" sz="2600" kern="1200" dirty="0"/>
+            <a:t>Add the Validation controller to the User Routes.</a:t>
+          </a:r>
+        </a:p>
+      </dsp:txBody>
+      <dsp:txXfrm>
+        <a:off x="30442" y="3260281"/>
+        <a:ext cx="10454716" cy="562726"/>
+      </dsp:txXfrm>
+    </dsp:sp>
+    <dsp:sp modelId="{0BC4B596-B25E-4E7D-803B-4B757AD00DB3}">
+      <dsp:nvSpPr>
+        <dsp:cNvPr id="0" name=""/>
+        <dsp:cNvSpPr/>
+      </dsp:nvSpPr>
+      <dsp:spPr>
+        <a:xfrm>
+          <a:off x="0" y="3853449"/>
+          <a:ext cx="10515600" cy="430560"/>
+        </a:xfrm>
+        <a:prstGeom prst="rect">
+          <a:avLst/>
+        </a:prstGeom>
+        <a:noFill/>
+        <a:ln>
+          <a:noFill/>
+        </a:ln>
+        <a:effectLst/>
+      </dsp:spPr>
+      <dsp:style>
+        <a:lnRef idx="0">
+          <a:scrgbClr r="0" g="0" b="0"/>
+        </a:lnRef>
+        <a:fillRef idx="0">
+          <a:scrgbClr r="0" g="0" b="0"/>
+        </a:fillRef>
+        <a:effectRef idx="0">
+          <a:scrgbClr r="0" g="0" b="0"/>
+        </a:effectRef>
+        <a:fontRef idx="minor"/>
+      </dsp:style>
+      <dsp:txBody>
+        <a:bodyPr spcFirstLastPara="0" vert="horz" wrap="square" lIns="333870" tIns="33020" rIns="184912" bIns="33020" numCol="1" spcCol="1270" anchor="t" anchorCtr="0">
+          <a:noAutofit/>
+        </a:bodyPr>
+        <a:lstStyle/>
+        <a:p>
+          <a:pPr marL="228600" lvl="1" indent="-228600" algn="l" defTabSz="889000">
+            <a:lnSpc>
+              <a:spcPct val="90000"/>
+            </a:lnSpc>
+            <a:spcBef>
+              <a:spcPct val="0"/>
+            </a:spcBef>
+            <a:spcAft>
+              <a:spcPct val="20000"/>
+            </a:spcAft>
+            <a:buChar char="•"/>
+          </a:pPr>
+          <a:r>
+            <a:rPr lang="en-IE" sz="2000" kern="1200" dirty="0"/>
+            <a:t>Import Validation Controller and “chain” with other controllers.</a:t>
+          </a:r>
+        </a:p>
+      </dsp:txBody>
+      <dsp:txXfrm>
+        <a:off x="0" y="3853449"/>
+        <a:ext cx="10515600" cy="430560"/>
+      </dsp:txXfrm>
+    </dsp:sp>
+  </dsp:spTree>
+</dsp:drawing>
+</file>
+
+<file path=ppt/diagrams/layout1.xml><?xml version="1.0" encoding="utf-8"?>
+<dgm:layoutDef xmlns:dgm="http://schemas.openxmlformats.org/drawingml/2006/diagram" xmlns:a="http://schemas.openxmlformats.org/drawingml/2006/main" uniqueId="urn:microsoft.com/office/officeart/2005/8/layout/vList2">
+  <dgm:title val=""/>
+  <dgm:desc val=""/>
+  <dgm:catLst>
+    <dgm:cat type="list" pri="3000"/>
+    <dgm:cat type="convert" pri="1000"/>
+  </dgm:catLst>
+  <dgm:sampData>
+    <dgm:dataModel>
+      <dgm:ptLst>
+        <dgm:pt modelId="0" type="doc"/>
+        <dgm:pt modelId="1">
+          <dgm:prSet phldr="1"/>
+        </dgm:pt>
+        <dgm:pt modelId="11">
+          <dgm:prSet phldr="1"/>
+        </dgm:pt>
+        <dgm:pt modelId="2">
+          <dgm:prSet phldr="1"/>
+        </dgm:pt>
+        <dgm:pt modelId="21">
+          <dgm:prSet phldr="1"/>
+        </dgm:pt>
+      </dgm:ptLst>
+      <dgm:cxnLst>
+        <dgm:cxn modelId="4" srcId="0" destId="1" srcOrd="0" destOrd="0"/>
+        <dgm:cxn modelId="5" srcId="0" destId="2" srcOrd="1" destOrd="0"/>
+        <dgm:cxn modelId="12" srcId="1" destId="11" srcOrd="0" destOrd="0"/>
+        <dgm:cxn modelId="23" srcId="2" destId="21" srcOrd="0" destOrd="0"/>
+      </dgm:cxnLst>
+      <dgm:bg/>
+      <dgm:whole/>
+    </dgm:dataModel>
+  </dgm:sampData>
+  <dgm:styleData>
+    <dgm:dataModel>
+      <dgm:ptLst>
+        <dgm:pt modelId="0" type="doc"/>
+        <dgm:pt modelId="1"/>
+        <dgm:pt modelId="2"/>
+      </dgm:ptLst>
+      <dgm:cxnLst>
+        <dgm:cxn modelId="3" srcId="0" destId="1" srcOrd="0" destOrd="0"/>
+        <dgm:cxn modelId="4" srcId="0" destId="2" srcOrd="1" destOrd="0"/>
+      </dgm:cxnLst>
+      <dgm:bg/>
+      <dgm:whole/>
+    </dgm:dataModel>
+  </dgm:styleData>
+  <dgm:clrData>
+    <dgm:dataModel>
+      <dgm:ptLst>
+        <dgm:pt modelId="0" type="doc"/>
+        <dgm:pt modelId="1"/>
+        <dgm:pt modelId="2"/>
+        <dgm:pt modelId="3"/>
+        <dgm:pt modelId="4"/>
+      </dgm:ptLst>
+      <dgm:cxnLst>
+        <dgm:cxn modelId="5" srcId="0" destId="1" srcOrd="0" destOrd="0"/>
+        <dgm:cxn modelId="6" srcId="0" destId="2" srcOrd="1" destOrd="0"/>
+        <dgm:cxn modelId="7" srcId="0" destId="3" srcOrd="2" destOrd="0"/>
+        <dgm:cxn modelId="8" srcId="0" destId="4" srcOrd="3" destOrd="0"/>
+      </dgm:cxnLst>
+      <dgm:bg/>
+      <dgm:whole/>
+    </dgm:dataModel>
+  </dgm:clrData>
+  <dgm:layoutNode name="linear">
+    <dgm:varLst>
+      <dgm:animLvl val="lvl"/>
+      <dgm:resizeHandles val="exact"/>
+    </dgm:varLst>
+    <dgm:alg type="lin">
+      <dgm:param type="linDir" val="fromT"/>
+      <dgm:param type="vertAlign" val="mid"/>
+    </dgm:alg>
+    <dgm:shape xmlns:r="http://schemas.openxmlformats.org/officeDocument/2006/relationships" r:blip="">
+      <dgm:adjLst/>
+    </dgm:shape>
+    <dgm:presOf/>
+    <dgm:constrLst>
+      <dgm:constr type="w" for="ch" forName="parentText" refType="w"/>
+      <dgm:constr type="h" for="ch" forName="parentText" refType="primFontSz" refFor="ch" refForName="parentText" fact="0.52"/>
+      <dgm:constr type="w" for="ch" forName="childText" refType="w"/>
+      <dgm:constr type="h" for="ch" forName="childText" refType="primFontSz" refFor="ch" refForName="parentText" fact="0.46"/>
+      <dgm:constr type="h" for="ch" forName="parentText" op="equ"/>
+      <dgm:constr type="primFontSz" for="ch" forName="parentText" op="equ" val="65"/>
+      <dgm:constr type="primFontSz" for="ch" forName="childText" refType="primFontSz" refFor="ch" refForName="parentText" op="equ"/>
+      <dgm:constr type="h" for="ch" forName="spacer" refType="primFontSz" refFor="ch" refForName="parentText" fact="0.08"/>
+    </dgm:constrLst>
+    <dgm:ruleLst>
+      <dgm:rule type="primFontSz" for="ch" forName="parentText" val="5" fact="NaN" max="NaN"/>
+    </dgm:ruleLst>
+    <dgm:forEach name="Name0" axis="ch" ptType="node">
+      <dgm:layoutNode name="parentText" styleLbl="node1">
+        <dgm:varLst>
+          <dgm:chMax val="0"/>
+          <dgm:bulletEnabled val="1"/>
+        </dgm:varLst>
+        <dgm:alg type="tx">
+          <dgm:param type="parTxLTRAlign" val="l"/>
+          <dgm:param type="parTxRTLAlign" val="r"/>
+        </dgm:alg>
+        <dgm:shape xmlns:r="http://schemas.openxmlformats.org/officeDocument/2006/relationships" type="roundRect" r:blip="">
+          <dgm:adjLst/>
+        </dgm:shape>
+        <dgm:presOf axis="self"/>
+        <dgm:constrLst>
+          <dgm:constr type="tMarg" refType="primFontSz" fact="0.3"/>
+          <dgm:constr type="bMarg" refType="primFontSz" fact="0.3"/>
+          <dgm:constr type="lMarg" refType="primFontSz" fact="0.3"/>
+          <dgm:constr type="rMarg" refType="primFontSz" fact="0.3"/>
+        </dgm:constrLst>
+        <dgm:ruleLst>
+          <dgm:rule type="h" val="INF" fact="NaN" max="NaN"/>
+        </dgm:ruleLst>
+      </dgm:layoutNode>
+      <dgm:choose name="Name1">
+        <dgm:if name="Name2" axis="ch" ptType="node" func="cnt" op="gte" val="1">
+          <dgm:layoutNode name="childText" styleLbl="revTx">
+            <dgm:varLst>
+              <dgm:bulletEnabled val="1"/>
+            </dgm:varLst>
+            <dgm:alg type="tx">
+              <dgm:param type="stBulletLvl" val="1"/>
+              <dgm:param type="lnSpAfChP" val="20"/>
+            </dgm:alg>
+            <dgm:shape xmlns:r="http://schemas.openxmlformats.org/officeDocument/2006/relationships" type="rect" r:blip="">
+              <dgm:adjLst/>
+            </dgm:shape>
+            <dgm:presOf axis="des" ptType="node"/>
+            <dgm:constrLst>
+              <dgm:constr type="tMarg" refType="primFontSz" fact="0.1"/>
+              <dgm:constr type="bMarg" refType="primFontSz" fact="0.1"/>
+              <dgm:constr type="lMarg" refType="w" fact="0.09"/>
+            </dgm:constrLst>
+            <dgm:ruleLst>
+              <dgm:rule type="h" val="INF" fact="NaN" max="NaN"/>
+            </dgm:ruleLst>
+          </dgm:layoutNode>
+        </dgm:if>
+        <dgm:else name="Name3">
+          <dgm:choose name="Name4">
+            <dgm:if name="Name5" axis="par ch" ptType="doc node" func="cnt" op="gte" val="2">
+              <dgm:forEach name="Name6" axis="followSib" ptType="sibTrans" cnt="1">
+                <dgm:layoutNode name="spacer">
+                  <dgm:alg type="sp"/>
+                  <dgm:shape xmlns:r="http://schemas.openxmlformats.org/officeDocument/2006/relationships" r:blip="">
+                    <dgm:adjLst/>
+                  </dgm:shape>
+                  <dgm:presOf/>
+                  <dgm:constrLst/>
+                  <dgm:ruleLst/>
+                </dgm:layoutNode>
+              </dgm:forEach>
+            </dgm:if>
+            <dgm:else name="Name7"/>
+          </dgm:choose>
+        </dgm:else>
+      </dgm:choose>
+    </dgm:forEach>
+  </dgm:layoutNode>
+</dgm:layoutDef>
+</file>
+
+<file path=ppt/diagrams/quickStyle1.xml><?xml version="1.0" encoding="utf-8"?>
+<dgm:styleDef xmlns:dgm="http://schemas.openxmlformats.org/drawingml/2006/diagram" xmlns:a="http://schemas.openxmlformats.org/drawingml/2006/main" uniqueId="urn:microsoft.com/office/officeart/2005/8/quickstyle/simple1">
+  <dgm:title val=""/>
+  <dgm:desc val=""/>
+  <dgm:catLst>
+    <dgm:cat type="simple" pri="10100"/>
+  </dgm:catLst>
+  <dgm:scene3d>
+    <a:camera prst="orthographicFront"/>
+    <a:lightRig rig="threePt" dir="t"/>
+  </dgm:scene3d>
+  <dgm:styleLbl name="node0">
+    <dgm:scene3d>
+      <a:camera prst="orthographicFront"/>
+      <a:lightRig rig="threePt" dir="t"/>
+    </dgm:scene3d>
+    <dgm:sp3d/>
+    <dgm:txPr/>
+    <dgm:style>
+      <a:lnRef idx="2">
+        <a:scrgbClr r="0" g="0" b="0"/>
+      </a:lnRef>
+      <a:fillRef idx="1">
+        <a:scrgbClr r="0" g="0" b="0"/>
+      </a:fillRef>
+      <a:effectRef idx="0">
+        <a:scrgbClr r="0" g="0" b="0"/>
+      </a:effectRef>
+      <a:fontRef idx="minor">
+        <a:schemeClr val="lt1"/>
+      </a:fontRef>
+    </dgm:style>
+  </dgm:styleLbl>
+  <dgm:styleLbl name="lnNode1">
+    <dgm:scene3d>
+      <a:camera prst="orthographicFront"/>
+      <a:lightRig rig="threePt" dir="t"/>
+    </dgm:scene3d>
+    <dgm:sp3d/>
+    <dgm:txPr/>
+    <dgm:style>
+      <a:lnRef idx="2">
+        <a:scrgbClr r="0" g="0" b="0"/>
+      </a:lnRef>
+      <a:fillRef idx="1">
+        <a:scrgbClr r="0" g="0" b="0"/>
+      </a:fillRef>
+      <a:effectRef idx="0">
+        <a:scrgbClr r="0" g="0" b="0"/>
+      </a:effectRef>
+      <a:fontRef idx="minor">
+        <a:schemeClr val="lt1"/>
+      </a:fontRef>
+    </dgm:style>
+  </dgm:styleLbl>
+  <dgm:styleLbl name="vennNode1">
+    <dgm:scene3d>
+      <a:camera prst="orthographicFront"/>
+      <a:lightRig rig="threePt" dir="t"/>
+    </dgm:scene3d>
+    <dgm:sp3d/>
+    <dgm:txPr/>
+    <dgm:style>
+      <a:lnRef idx="2">
+        <a:scrgbClr r="0" g="0" b="0"/>
+      </a:lnRef>
+      <a:fillRef idx="1">
+        <a:scrgbClr r="0" g="0" b="0"/>
+      </a:fillRef>
+      <a:effectRef idx="0">
+        <a:scrgbClr r="0" g="0" b="0"/>
+      </a:effectRef>
+      <a:fontRef idx="minor">
+        <a:schemeClr val="tx1"/>
+      </a:fontRef>
+    </dgm:style>
+  </dgm:styleLbl>
+  <dgm:styleLbl name="alignNode1">
+    <dgm:scene3d>
+      <a:camera prst="orthographicFront"/>
+      <a:lightRig rig="threePt" dir="t"/>
+    </dgm:scene3d>
+    <dgm:sp3d/>
+    <dgm:txPr/>
+    <dgm:style>
+      <a:lnRef idx="2">
+        <a:scrgbClr r="0" g="0" b="0"/>
+      </a:lnRef>
+      <a:fillRef idx="1">
+        <a:scrgbClr r="0" g="0" b="0"/>
+      </a:fillRef>
+      <a:effectRef idx="0">
+        <a:scrgbClr r="0" g="0" b="0"/>
+      </a:effectRef>
+      <a:fontRef idx="minor">
+        <a:schemeClr val="lt1"/>
+      </a:fontRef>
+    </dgm:style>
+  </dgm:styleLbl>
+  <dgm:styleLbl name="node1">
+    <dgm:scene3d>
+      <a:camera prst="orthographicFront"/>
+      <a:lightRig rig="threePt" dir="t"/>
+    </dgm:scene3d>
+    <dgm:sp3d/>
+    <dgm:txPr/>
+    <dgm:style>
+      <a:lnRef idx="2">
+        <a:scrgbClr r="0" g="0" b="0"/>
+      </a:lnRef>
+      <a:fillRef idx="1">
+        <a:scrgbClr r="0" g="0" b="0"/>
+      </a:fillRef>
+      <a:effectRef idx="0">
+        <a:scrgbClr r="0" g="0" b="0"/>
+      </a:effectRef>
+      <a:fontRef idx="minor">
+        <a:schemeClr val="lt1"/>
+      </a:fontRef>
+    </dgm:style>
+  </dgm:styleLbl>
+  <dgm:styleLbl name="node2">
+    <dgm:scene3d>
+      <a:camera prst="orthographicFront"/>
+      <a:lightRig rig="threePt" dir="t"/>
+    </dgm:scene3d>
+    <dgm:sp3d/>
+    <dgm:txPr/>
+    <dgm:style>
+      <a:lnRef idx="2">
+        <a:scrgbClr r="0" g="0" b="0"/>
+      </a:lnRef>
+      <a:fillRef idx="1">
+        <a:scrgbClr r="0" g="0" b="0"/>
+      </a:fillRef>
+      <a:effectRef idx="0">
+        <a:scrgbClr r="0" g="0" b="0"/>
+      </a:effectRef>
+      <a:fontRef idx="minor">
+        <a:schemeClr val="lt1"/>
+      </a:fontRef>
+    </dgm:style>
+  </dgm:styleLbl>
+  <dgm:styleLbl name="node3">
+    <dgm:scene3d>
+      <a:camera prst="orthographicFront"/>
+      <a:lightRig rig="threePt" dir="t"/>
+    </dgm:scene3d>
+    <dgm:sp3d/>
+    <dgm:txPr/>
+    <dgm:style>
+      <a:lnRef idx="2">
+        <a:scrgbClr r="0" g="0" b="0"/>
+      </a:lnRef>
+      <a:fillRef idx="1">
+        <a:scrgbClr r="0" g="0" b="0"/>
+      </a:fillRef>
+      <a:effectRef idx="0">
+        <a:scrgbClr r="0" g="0" b="0"/>
+      </a:effectRef>
+      <a:fontRef idx="minor">
+        <a:schemeClr val="lt1"/>
+      </a:fontRef>
+    </dgm:style>
+  </dgm:styleLbl>
+  <dgm:styleLbl name="node4">
+    <dgm:scene3d>
+      <a:camera prst="orthographicFront"/>
+      <a:lightRig rig="threePt" dir="t"/>
+    </dgm:scene3d>
+    <dgm:sp3d/>
+    <dgm:txPr/>
+    <dgm:style>
+      <a:lnRef idx="2">
+        <a:scrgbClr r="0" g="0" b="0"/>
+      </a:lnRef>
+      <a:fillRef idx="1">
+        <a:scrgbClr r="0" g="0" b="0"/>
+      </a:fillRef>
+      <a:effectRef idx="0">
+        <a:scrgbClr r="0" g="0" b="0"/>
+      </a:effectRef>
+      <a:fontRef idx="minor">
+        <a:schemeClr val="lt1"/>
+      </a:fontRef>
+    </dgm:style>
+  </dgm:styleLbl>
+  <dgm:styleLbl name="fgImgPlace1">
+    <dgm:scene3d>
+      <a:camera prst="orthographicFront"/>
+      <a:lightRig rig="threePt" dir="t"/>
+    </dgm:scene3d>
+    <dgm:sp3d/>
+    <dgm:txPr/>
+    <dgm:style>
+      <a:lnRef idx="2">
+        <a:scrgbClr r="0" g="0" b="0"/>
+      </a:lnRef>
+      <a:fillRef idx="1">
+        <a:scrgbClr r="0" g="0" b="0"/>
+      </a:fillRef>
+      <a:effectRef idx="0">
+        <a:scrgbClr r="0" g="0" b="0"/>
+      </a:effectRef>
+      <a:fontRef idx="minor"/>
+    </dgm:style>
+  </dgm:styleLbl>
+  <dgm:styleLbl name="alignImgPlace1">
+    <dgm:scene3d>
+      <a:camera prst="orthographicFront"/>
+      <a:lightRig rig="threePt" dir="t"/>
+    </dgm:scene3d>
+    <dgm:sp3d/>
+    <dgm:txPr/>
+    <dgm:style>
+      <a:lnRef idx="2">
+        <a:scrgbClr r="0" g="0" b="0"/>
+      </a:lnRef>
+      <a:fillRef idx="1">
+        <a:scrgbClr r="0" g="0" b="0"/>
+      </a:fillRef>
+      <a:effectRef idx="0">
+        <a:scrgbClr r="0" g="0" b="0"/>
+      </a:effectRef>
+      <a:fontRef idx="minor"/>
+    </dgm:style>
+  </dgm:styleLbl>
+  <dgm:styleLbl name="bgImgPlace1">
+    <dgm:scene3d>
+      <a:camera prst="orthographicFront"/>
+      <a:lightRig rig="threePt" dir="t"/>
+    </dgm:scene3d>
+    <dgm:sp3d/>
+    <dgm:txPr/>
+    <dgm:style>
+      <a:lnRef idx="2">
+        <a:scrgbClr r="0" g="0" b="0"/>
+      </a:lnRef>
+      <a:fillRef idx="1">
+        <a:scrgbClr r="0" g="0" b="0"/>
+      </a:fillRef>
+      <a:effectRef idx="0">
+        <a:scrgbClr r="0" g="0" b="0"/>
+      </a:effectRef>
+      <a:fontRef idx="minor"/>
+    </dgm:style>
+  </dgm:styleLbl>
+  <dgm:styleLbl name="sibTrans2D1">
+    <dgm:scene3d>
+      <a:camera prst="orthographicFront"/>
+      <a:lightRig rig="threePt" dir="t"/>
+    </dgm:scene3d>
+    <dgm:sp3d/>
+    <dgm:txPr/>
+    <dgm:style>
+      <a:lnRef idx="0">
+        <a:scrgbClr r="0" g="0" b="0"/>
+      </a:lnRef>
+      <a:fillRef idx="1">
+        <a:scrgbClr r="0" g="0" b="0"/>
+      </a:fillRef>
+      <a:effectRef idx="0">
+        <a:scrgbClr r="0" g="0" b="0"/>
+      </a:effectRef>
+      <a:fontRef idx="minor">
+        <a:schemeClr val="lt1"/>
+      </a:fontRef>
+    </dgm:style>
+  </dgm:styleLbl>
+  <dgm:styleLbl name="fgSibTrans2D1">
+    <dgm:scene3d>
+      <a:camera prst="orthographicFront"/>
+      <a:lightRig rig="threePt" dir="t"/>
+    </dgm:scene3d>
+    <dgm:sp3d/>
+    <dgm:txPr/>
+    <dgm:style>
+      <a:lnRef idx="0">
+        <a:scrgbClr r="0" g="0" b="0"/>
+      </a:lnRef>
+      <a:fillRef idx="1">
+        <a:scrgbClr r="0" g="0" b="0"/>
+      </a:fillRef>
+      <a:effectRef idx="0">
+        <a:scrgbClr r="0" g="0" b="0"/>
+      </a:effectRef>
+      <a:fontRef idx="minor">
+        <a:schemeClr val="lt1"/>
+      </a:fontRef>
+    </dgm:style>
+  </dgm:styleLbl>
+  <dgm:styleLbl name="bgSibTrans2D1">
+    <dgm:scene3d>
+      <a:camera prst="orthographicFront"/>
+      <a:lightRig rig="threePt" dir="t"/>
+    </dgm:scene3d>
+    <dgm:sp3d/>
+    <dgm:txPr/>
+    <dgm:style>
+      <a:lnRef idx="0">
+        <a:scrgbClr r="0" g="0" b="0"/>
+      </a:lnRef>
+      <a:fillRef idx="1">
+        <a:scrgbClr r="0" g="0" b="0"/>
+      </a:fillRef>
+      <a:effectRef idx="0">
+        <a:scrgbClr r="0" g="0" b="0"/>
+      </a:effectRef>
+      <a:fontRef idx="minor">
+        <a:schemeClr val="lt1"/>
+      </a:fontRef>
+    </dgm:style>
+  </dgm:styleLbl>
+  <dgm:styleLbl name="sibTrans1D1">
+    <dgm:scene3d>
+      <a:camera prst="orthographicFront"/>
+      <a:lightRig rig="threePt" dir="t"/>
+    </dgm:scene3d>
+    <dgm:sp3d/>
+    <dgm:txPr/>
+    <dgm:style>
+      <a:lnRef idx="1">
+        <a:scrgbClr r="0" g="0" b="0"/>
+      </a:lnRef>
+      <a:fillRef idx="0">
+        <a:scrgbClr r="0" g="0" b="0"/>
+      </a:fillRef>
+      <a:effectRef idx="0">
+        <a:scrgbClr r="0" g="0" b="0"/>
+      </a:effectRef>
+      <a:fontRef idx="minor"/>
+    </dgm:style>
+  </dgm:styleLbl>
+  <dgm:styleLbl name="callout">
+    <dgm:scene3d>
+      <a:camera prst="orthographicFront"/>
+      <a:lightRig rig="threePt" dir="t"/>
+    </dgm:scene3d>
+    <dgm:sp3d/>
+    <dgm:txPr/>
+    <dgm:style>
+      <a:lnRef idx="2">
+        <a:scrgbClr r="0" g="0" b="0"/>
+      </a:lnRef>
+      <a:fillRef idx="1">
+        <a:scrgbClr r="0" g="0" b="0"/>
+      </a:fillRef>
+      <a:effectRef idx="0">
+        <a:scrgbClr r="0" g="0" b="0"/>
+      </a:effectRef>
+      <a:fontRef idx="minor"/>
+    </dgm:style>
+  </dgm:styleLbl>
+  <dgm:styleLbl name="asst0">
+    <dgm:scene3d>
+      <a:camera prst="orthographicFront"/>
+      <a:lightRig rig="threePt" dir="t"/>
+    </dgm:scene3d>
+    <dgm:sp3d/>
+    <dgm:txPr/>
+    <dgm:style>
+      <a:lnRef idx="2">
+        <a:scrgbClr r="0" g="0" b="0"/>
+      </a:lnRef>
+      <a:fillRef idx="1">
+        <a:scrgbClr r="0" g="0" b="0"/>
+      </a:fillRef>
+      <a:effectRef idx="0">
+        <a:scrgbClr r="0" g="0" b="0"/>
+      </a:effectRef>
+      <a:fontRef idx="minor">
+        <a:schemeClr val="lt1"/>
+      </a:fontRef>
+    </dgm:style>
+  </dgm:styleLbl>
+  <dgm:styleLbl name="asst1">
+    <dgm:scene3d>
+      <a:camera prst="orthographicFront"/>
+      <a:lightRig rig="threePt" dir="t"/>
+    </dgm:scene3d>
+    <dgm:sp3d/>
+    <dgm:txPr/>
+    <dgm:style>
+      <a:lnRef idx="2">
+        <a:scrgbClr r="0" g="0" b="0"/>
+      </a:lnRef>
+      <a:fillRef idx="1">
+        <a:scrgbClr r="0" g="0" b="0"/>
+      </a:fillRef>
+      <a:effectRef idx="0">
+        <a:scrgbClr r="0" g="0" b="0"/>
+      </a:effectRef>
+      <a:fontRef idx="minor">
+        <a:schemeClr val="lt1"/>
+      </a:fontRef>
+    </dgm:style>
+  </dgm:styleLbl>
+  <dgm:styleLbl name="asst2">
+    <dgm:scene3d>
+      <a:camera prst="orthographicFront"/>
+      <a:lightRig rig="threePt" dir="t"/>
+    </dgm:scene3d>
+    <dgm:sp3d/>
+    <dgm:txPr/>
+    <dgm:style>
+      <a:lnRef idx="2">
+        <a:scrgbClr r="0" g="0" b="0"/>
+      </a:lnRef>
+      <a:fillRef idx="1">
+        <a:scrgbClr r="0" g="0" b="0"/>
+      </a:fillRef>
+      <a:effectRef idx="0">
+        <a:scrgbClr r="0" g="0" b="0"/>
+      </a:effectRef>
+      <a:fontRef idx="minor">
+        <a:schemeClr val="lt1"/>
+      </a:fontRef>
+    </dgm:style>
+  </dgm:styleLbl>
+  <dgm:styleLbl name="asst3">
+    <dgm:scene3d>
+      <a:camera prst="orthographicFront"/>
+      <a:lightRig rig="threePt" dir="t"/>
+    </dgm:scene3d>
+    <dgm:sp3d/>
+    <dgm:txPr/>
+    <dgm:style>
+      <a:lnRef idx="2">
+        <a:scrgbClr r="0" g="0" b="0"/>
+      </a:lnRef>
+      <a:fillRef idx="1">
+        <a:scrgbClr r="0" g="0" b="0"/>
+      </a:fillRef>
+      <a:effectRef idx="0">
+        <a:scrgbClr r="0" g="0" b="0"/>
+      </a:effectRef>
+      <a:fontRef idx="minor">
+        <a:schemeClr val="lt1"/>
+      </a:fontRef>
+    </dgm:style>
+  </dgm:styleLbl>
+  <dgm:styleLbl name="asst4">
+    <dgm:scene3d>
+      <a:camera prst="orthographicFront"/>
+      <a:lightRig rig="threePt" dir="t"/>
+    </dgm:scene3d>
+    <dgm:sp3d/>
+    <dgm:txPr/>
+    <dgm:style>
+      <a:lnRef idx="2">
+        <a:scrgbClr r="0" g="0" b="0"/>
+      </a:lnRef>
+      <a:fillRef idx="1">
+        <a:scrgbClr r="0" g="0" b="0"/>
+      </a:fillRef>
+      <a:effectRef idx="0">
+        <a:scrgbClr r="0" g="0" b="0"/>
+      </a:effectRef>
+      <a:fontRef idx="minor">
+        <a:schemeClr val="lt1"/>
+      </a:fontRef>
+    </dgm:style>
+  </dgm:styleLbl>
+  <dgm:styleLbl name="parChTrans2D1">
+    <dgm:scene3d>
+      <a:camera prst="orthographicFront"/>
+      <a:lightRig rig="threePt" dir="t"/>
+    </dgm:scene3d>
+    <dgm:sp3d/>
+    <dgm:txPr/>
+    <dgm:style>
+      <a:lnRef idx="2">
+        <a:scrgbClr r="0" g="0" b="0"/>
+      </a:lnRef>
+      <a:fillRef idx="1">
+        <a:scrgbClr r="0" g="0" b="0"/>
+      </a:fillRef>
+      <a:effectRef idx="0">
+        <a:scrgbClr r="0" g="0" b="0"/>
+      </a:effectRef>
+      <a:fontRef idx="minor">
+        <a:schemeClr val="lt1"/>
+      </a:fontRef>
+    </dgm:style>
+  </dgm:styleLbl>
+  <dgm:styleLbl name="parChTrans2D2">
+    <dgm:scene3d>
+      <a:camera prst="orthographicFront"/>
+      <a:lightRig rig="threePt" dir="t"/>
+    </dgm:scene3d>
+    <dgm:sp3d/>
+    <dgm:txPr/>
+    <dgm:style>
+      <a:lnRef idx="2">
+        <a:scrgbClr r="0" g="0" b="0"/>
+      </a:lnRef>
+      <a:fillRef idx="1">
+        <a:scrgbClr r="0" g="0" b="0"/>
+      </a:fillRef>
+      <a:effectRef idx="0">
+        <a:scrgbClr r="0" g="0" b="0"/>
+      </a:effectRef>
+      <a:fontRef idx="minor">
+        <a:schemeClr val="lt1"/>
+      </a:fontRef>
+    </dgm:style>
+  </dgm:styleLbl>
+  <dgm:styleLbl name="parChTrans2D3">
+    <dgm:scene3d>
+      <a:camera prst="orthographicFront"/>
+      <a:lightRig rig="threePt" dir="t"/>
+    </dgm:scene3d>
+    <dgm:sp3d/>
+    <dgm:txPr/>
+    <dgm:style>
+      <a:lnRef idx="2">
+        <a:scrgbClr r="0" g="0" b="0"/>
+      </a:lnRef>
+      <a:fillRef idx="1">
+        <a:scrgbClr r="0" g="0" b="0"/>
+      </a:fillRef>
+      <a:effectRef idx="0">
+        <a:scrgbClr r="0" g="0" b="0"/>
+      </a:effectRef>
+      <a:fontRef idx="minor">
+        <a:schemeClr val="lt1"/>
+      </a:fontRef>
+    </dgm:style>
+  </dgm:styleLbl>
+  <dgm:styleLbl name="parChTrans2D4">
+    <dgm:scene3d>
+      <a:camera prst="orthographicFront"/>
+      <a:lightRig rig="threePt" dir="t"/>
+    </dgm:scene3d>
+    <dgm:sp3d/>
+    <dgm:txPr/>
+    <dgm:style>
+      <a:lnRef idx="2">
+        <a:scrgbClr r="0" g="0" b="0"/>
+      </a:lnRef>
+      <a:fillRef idx="1">
+        <a:scrgbClr r="0" g="0" b="0"/>
+      </a:fillRef>
+      <a:effectRef idx="0">
+        <a:scrgbClr r="0" g="0" b="0"/>
+      </a:effectRef>
+      <a:fontRef idx="minor">
+        <a:schemeClr val="lt1"/>
+      </a:fontRef>
+    </dgm:style>
+  </dgm:styleLbl>
+  <dgm:styleLbl name="parChTrans1D1">
+    <dgm:scene3d>
+      <a:camera prst="orthographicFront"/>
+      <a:lightRig rig="threePt" dir="t"/>
+    </dgm:scene3d>
+    <dgm:sp3d/>
+    <dgm:txPr/>
+    <dgm:style>
+      <a:lnRef idx="2">
+        <a:scrgbClr r="0" g="0" b="0"/>
+      </a:lnRef>
+      <a:fillRef idx="0">
+        <a:scrgbClr r="0" g="0" b="0"/>
+      </a:fillRef>
+      <a:effectRef idx="0">
+        <a:scrgbClr r="0" g="0" b="0"/>
+      </a:effectRef>
+      <a:fontRef idx="minor"/>
+    </dgm:style>
+  </dgm:styleLbl>
+  <dgm:styleLbl name="parChTrans1D2">
+    <dgm:scene3d>
+      <a:camera prst="orthographicFront"/>
+      <a:lightRig rig="threePt" dir="t"/>
+    </dgm:scene3d>
+    <dgm:sp3d/>
+    <dgm:txPr/>
+    <dgm:style>
+      <a:lnRef idx="2">
+        <a:scrgbClr r="0" g="0" b="0"/>
+      </a:lnRef>
+      <a:fillRef idx="0">
+        <a:scrgbClr r="0" g="0" b="0"/>
+      </a:fillRef>
+      <a:effectRef idx="0">
+        <a:scrgbClr r="0" g="0" b="0"/>
+      </a:effectRef>
+      <a:fontRef idx="minor"/>
+    </dgm:style>
+  </dgm:styleLbl>
+  <dgm:styleLbl name="parChTrans1D3">
+    <dgm:scene3d>
+      <a:camera prst="orthographicFront"/>
+      <a:lightRig rig="threePt" dir="t"/>
+    </dgm:scene3d>
+    <dgm:sp3d/>
+    <dgm:txPr/>
+    <dgm:style>
+      <a:lnRef idx="2">
+        <a:scrgbClr r="0" g="0" b="0"/>
+      </a:lnRef>
+      <a:fillRef idx="0">
+        <a:scrgbClr r="0" g="0" b="0"/>
+      </a:fillRef>
+      <a:effectRef idx="0">
+        <a:scrgbClr r="0" g="0" b="0"/>
+      </a:effectRef>
+      <a:fontRef idx="minor"/>
+    </dgm:style>
+  </dgm:styleLbl>
+  <dgm:styleLbl name="parChTrans1D4">
+    <dgm:scene3d>
+      <a:camera prst="orthographicFront"/>
+      <a:lightRig rig="threePt" dir="t"/>
+    </dgm:scene3d>
+    <dgm:sp3d/>
+    <dgm:txPr/>
+    <dgm:style>
+      <a:lnRef idx="2">
+        <a:scrgbClr r="0" g="0" b="0"/>
+      </a:lnRef>
+      <a:fillRef idx="0">
+        <a:scrgbClr r="0" g="0" b="0"/>
+      </a:fillRef>
+      <a:effectRef idx="0">
+        <a:scrgbClr r="0" g="0" b="0"/>
+      </a:effectRef>
+      <a:fontRef idx="minor"/>
+    </dgm:style>
+  </dgm:styleLbl>
+  <dgm:styleLbl name="fgAcc1">
+    <dgm:scene3d>
+      <a:camera prst="orthographicFront"/>
+      <a:lightRig rig="threePt" dir="t"/>
+    </dgm:scene3d>
+    <dgm:sp3d/>
+    <dgm:txPr/>
+    <dgm:style>
+      <a:lnRef idx="2">
+        <a:scrgbClr r="0" g="0" b="0"/>
+      </a:lnRef>
+      <a:fillRef idx="1">
+        <a:scrgbClr r="0" g="0" b="0"/>
+      </a:fillRef>
+      <a:effectRef idx="0">
+        <a:scrgbClr r="0" g="0" b="0"/>
+      </a:effectRef>
+      <a:fontRef idx="minor"/>
+    </dgm:style>
+  </dgm:styleLbl>
+  <dgm:styleLbl name="conFgAcc1">
+    <dgm:scene3d>
+      <a:camera prst="orthographicFront"/>
+      <a:lightRig rig="threePt" dir="t"/>
+    </dgm:scene3d>
+    <dgm:sp3d/>
+    <dgm:txPr/>
+    <dgm:style>
+      <a:lnRef idx="2">
+        <a:scrgbClr r="0" g="0" b="0"/>
+      </a:lnRef>
+      <a:fillRef idx="1">
+        <a:scrgbClr r="0" g="0" b="0"/>
+      </a:fillRef>
+      <a:effectRef idx="0">
+        <a:scrgbClr r="0" g="0" b="0"/>
+      </a:effectRef>
+      <a:fontRef idx="minor"/>
+    </dgm:style>
+  </dgm:styleLbl>
+  <dgm:styleLbl name="alignAcc1">
+    <dgm:scene3d>
+      <a:camera prst="orthographicFront"/>
+      <a:lightRig rig="threePt" dir="t"/>
+    </dgm:scene3d>
+    <dgm:sp3d/>
+    <dgm:txPr/>
+    <dgm:style>
+      <a:lnRef idx="2">
+        <a:scrgbClr r="0" g="0" b="0"/>
+      </a:lnRef>
+      <a:fillRef idx="1">
+        <a:scrgbClr r="0" g="0" b="0"/>
+      </a:fillRef>
+      <a:effectRef idx="0">
+        <a:scrgbClr r="0" g="0" b="0"/>
+      </a:effectRef>
+      <a:fontRef idx="minor"/>
+    </dgm:style>
+  </dgm:styleLbl>
+  <dgm:styleLbl name="trAlignAcc1">
+    <dgm:scene3d>
+      <a:camera prst="orthographicFront"/>
+      <a:lightRig rig="threePt" dir="t"/>
+    </dgm:scene3d>
+    <dgm:sp3d/>
+    <dgm:txPr/>
+    <dgm:style>
+      <a:lnRef idx="1">
+        <a:scrgbClr r="0" g="0" b="0"/>
+      </a:lnRef>
+      <a:fillRef idx="1">
+        <a:scrgbClr r="0" g="0" b="0"/>
+      </a:fillRef>
+      <a:effectRef idx="0">
+        <a:scrgbClr r="0" g="0" b="0"/>
+      </a:effectRef>
+      <a:fontRef idx="minor"/>
+    </dgm:style>
+  </dgm:styleLbl>
+  <dgm:styleLbl name="bgAcc1">
+    <dgm:scene3d>
+      <a:camera prst="orthographicFront"/>
+      <a:lightRig rig="threePt" dir="t"/>
+    </dgm:scene3d>
+    <dgm:sp3d/>
+    <dgm:txPr/>
+    <dgm:style>
+      <a:lnRef idx="2">
+        <a:scrgbClr r="0" g="0" b="0"/>
+      </a:lnRef>
+      <a:fillRef idx="1">
+        <a:scrgbClr r="0" g="0" b="0"/>
+      </a:fillRef>
+      <a:effectRef idx="0">
+        <a:scrgbClr r="0" g="0" b="0"/>
+      </a:effectRef>
+      <a:fontRef idx="minor"/>
+    </dgm:style>
+  </dgm:styleLbl>
+  <dgm:styleLbl name="solidFgAcc1">
+    <dgm:scene3d>
+      <a:camera prst="orthographicFront"/>
+      <a:lightRig rig="threePt" dir="t"/>
+    </dgm:scene3d>
+    <dgm:sp3d/>
+    <dgm:txPr/>
+    <dgm:style>
+      <a:lnRef idx="2">
+        <a:scrgbClr r="0" g="0" b="0"/>
+      </a:lnRef>
+      <a:fillRef idx="1">
+        <a:scrgbClr r="0" g="0" b="0"/>
+      </a:fillRef>
+      <a:effectRef idx="0">
+        <a:scrgbClr r="0" g="0" b="0"/>
+      </a:effectRef>
+      <a:fontRef idx="minor"/>
+    </dgm:style>
+  </dgm:styleLbl>
+  <dgm:styleLbl name="solidAlignAcc1">
+    <dgm:scene3d>
+      <a:camera prst="orthographicFront"/>
+      <a:lightRig rig="threePt" dir="t"/>
+    </dgm:scene3d>
+    <dgm:sp3d/>
+    <dgm:txPr/>
+    <dgm:style>
+      <a:lnRef idx="2">
+        <a:scrgbClr r="0" g="0" b="0"/>
+      </a:lnRef>
+      <a:fillRef idx="1">
+        <a:scrgbClr r="0" g="0" b="0"/>
+      </a:fillRef>
+      <a:effectRef idx="0">
+        <a:scrgbClr r="0" g="0" b="0"/>
+      </a:effectRef>
+      <a:fontRef idx="minor"/>
+    </dgm:style>
+  </dgm:styleLbl>
+  <dgm:styleLbl name="solidBgAcc1">
+    <dgm:scene3d>
+      <a:camera prst="orthographicFront"/>
+      <a:lightRig rig="threePt" dir="t"/>
+    </dgm:scene3d>
+    <dgm:sp3d/>
+    <dgm:txPr/>
+    <dgm:style>
+      <a:lnRef idx="2">
+        <a:scrgbClr r="0" g="0" b="0"/>
+      </a:lnRef>
+      <a:fillRef idx="1">
+        <a:scrgbClr r="0" g="0" b="0"/>
+      </a:fillRef>
+      <a:effectRef idx="0">
+        <a:scrgbClr r="0" g="0" b="0"/>
+      </a:effectRef>
+      <a:fontRef idx="minor"/>
+    </dgm:style>
+  </dgm:styleLbl>
+  <dgm:styleLbl name="fgAccFollowNode1">
+    <dgm:scene3d>
+      <a:camera prst="orthographicFront"/>
+      <a:lightRig rig="threePt" dir="t"/>
+    </dgm:scene3d>
+    <dgm:sp3d/>
+    <dgm:txPr/>
+    <dgm:style>
+      <a:lnRef idx="2">
+        <a:scrgbClr r="0" g="0" b="0"/>
+      </a:lnRef>
+      <a:fillRef idx="1">
+        <a:scrgbClr r="0" g="0" b="0"/>
+      </a:fillRef>
+      <a:effectRef idx="0">
+        <a:scrgbClr r="0" g="0" b="0"/>
+      </a:effectRef>
+      <a:fontRef idx="minor"/>
+    </dgm:style>
+  </dgm:styleLbl>
+  <dgm:styleLbl name="alignAccFollowNode1">
+    <dgm:scene3d>
+      <a:camera prst="orthographicFront"/>
+      <a:lightRig rig="threePt" dir="t"/>
+    </dgm:scene3d>
+    <dgm:sp3d/>
+    <dgm:txPr/>
+    <dgm:style>
+      <a:lnRef idx="2">
+        <a:scrgbClr r="0" g="0" b="0"/>
+      </a:lnRef>
+      <a:fillRef idx="1">
+        <a:scrgbClr r="0" g="0" b="0"/>
+      </a:fillRef>
+      <a:effectRef idx="0">
+        <a:scrgbClr r="0" g="0" b="0"/>
+      </a:effectRef>
+      <a:fontRef idx="minor"/>
+    </dgm:style>
+  </dgm:styleLbl>
+  <dgm:styleLbl name="bgAccFollowNode1">
+    <dgm:scene3d>
+      <a:camera prst="orthographicFront"/>
+      <a:lightRig rig="threePt" dir="t"/>
+    </dgm:scene3d>
+    <dgm:sp3d/>
+    <dgm:txPr/>
+    <dgm:style>
+      <a:lnRef idx="2">
+        <a:scrgbClr r="0" g="0" b="0"/>
+      </a:lnRef>
+      <a:fillRef idx="1">
+        <a:scrgbClr r="0" g="0" b="0"/>
+      </a:fillRef>
+      <a:effectRef idx="0">
+        <a:scrgbClr r="0" g="0" b="0"/>
+      </a:effectRef>
+      <a:fontRef idx="minor"/>
+    </dgm:style>
+  </dgm:styleLbl>
+  <dgm:styleLbl name="fgAcc0">
+    <dgm:scene3d>
+      <a:camera prst="orthographicFront"/>
+      <a:lightRig rig="threePt" dir="t"/>
+    </dgm:scene3d>
+    <dgm:sp3d/>
+    <dgm:txPr/>
+    <dgm:style>
+      <a:lnRef idx="2">
+        <a:scrgbClr r="0" g="0" b="0"/>
+      </a:lnRef>
+      <a:fillRef idx="1">
+        <a:scrgbClr r="0" g="0" b="0"/>
+      </a:fillRef>
+      <a:effectRef idx="0">
+        <a:scrgbClr r="0" g="0" b="0"/>
+      </a:effectRef>
+      <a:fontRef idx="minor"/>
+    </dgm:style>
+  </dgm:styleLbl>
+  <dgm:styleLbl name="fgAcc2">
+    <dgm:scene3d>
+      <a:camera prst="orthographicFront"/>
+      <a:lightRig rig="threePt" dir="t"/>
+    </dgm:scene3d>
+    <dgm:sp3d/>
+    <dgm:txPr/>
+    <dgm:style>
+      <a:lnRef idx="2">
+        <a:scrgbClr r="0" g="0" b="0"/>
+      </a:lnRef>
+      <a:fillRef idx="1">
+        <a:scrgbClr r="0" g="0" b="0"/>
+      </a:fillRef>
+      <a:effectRef idx="0">
+        <a:scrgbClr r="0" g="0" b="0"/>
+      </a:effectRef>
+      <a:fontRef idx="minor"/>
+    </dgm:style>
+  </dgm:styleLbl>
+  <dgm:styleLbl name="fgAcc3">
+    <dgm:scene3d>
+      <a:camera prst="orthographicFront"/>
+      <a:lightRig rig="threePt" dir="t"/>
+    </dgm:scene3d>
+    <dgm:sp3d/>
+    <dgm:txPr/>
+    <dgm:style>
+      <a:lnRef idx="2">
+        <a:scrgbClr r="0" g="0" b="0"/>
+      </a:lnRef>
+      <a:fillRef idx="1">
+        <a:scrgbClr r="0" g="0" b="0"/>
+      </a:fillRef>
+      <a:effectRef idx="0">
+        <a:scrgbClr r="0" g="0" b="0"/>
+      </a:effectRef>
+      <a:fontRef idx="minor"/>
+    </dgm:style>
+  </dgm:styleLbl>
+  <dgm:styleLbl name="fgAcc4">
+    <dgm:scene3d>
+      <a:camera prst="orthographicFront"/>
+      <a:lightRig rig="threePt" dir="t"/>
+    </dgm:scene3d>
+    <dgm:sp3d/>
+    <dgm:txPr/>
+    <dgm:style>
+      <a:lnRef idx="2">
+        <a:scrgbClr r="0" g="0" b="0"/>
+      </a:lnRef>
+      <a:fillRef idx="1">
+        <a:scrgbClr r="0" g="0" b="0"/>
+      </a:fillRef>
+      <a:effectRef idx="0">
+        <a:scrgbClr r="0" g="0" b="0"/>
+      </a:effectRef>
+      <a:fontRef idx="minor"/>
+    </dgm:style>
+  </dgm:styleLbl>
+  <dgm:styleLbl name="bgShp">
+    <dgm:scene3d>
+      <a:camera prst="orthographicFront"/>
+      <a:lightRig rig="threePt" dir="t"/>
+    </dgm:scene3d>
+    <dgm:sp3d/>
+    <dgm:txPr/>
+    <dgm:style>
+      <a:lnRef idx="0">
+        <a:scrgbClr r="0" g="0" b="0"/>
+      </a:lnRef>
+      <a:fillRef idx="1">
+        <a:scrgbClr r="0" g="0" b="0"/>
+      </a:fillRef>
+      <a:effectRef idx="0">
+        <a:scrgbClr r="0" g="0" b="0"/>
+      </a:effectRef>
+      <a:fontRef idx="minor"/>
+    </dgm:style>
+  </dgm:styleLbl>
+  <dgm:styleLbl name="dkBgShp">
+    <dgm:scene3d>
+      <a:camera prst="orthographicFront"/>
+      <a:lightRig rig="threePt" dir="t"/>
+    </dgm:scene3d>
+    <dgm:sp3d/>
+    <dgm:txPr/>
+    <dgm:style>
+      <a:lnRef idx="0">
+        <a:scrgbClr r="0" g="0" b="0"/>
+      </a:lnRef>
+      <a:fillRef idx="1">
+        <a:scrgbClr r="0" g="0" b="0"/>
+      </a:fillRef>
+      <a:effectRef idx="0">
+        <a:scrgbClr r="0" g="0" b="0"/>
+      </a:effectRef>
+      <a:fontRef idx="minor"/>
+    </dgm:style>
+  </dgm:styleLbl>
+  <dgm:styleLbl name="trBgShp">
+    <dgm:scene3d>
+      <a:camera prst="orthographicFront"/>
+      <a:lightRig rig="threePt" dir="t"/>
+    </dgm:scene3d>
+    <dgm:sp3d/>
+    <dgm:txPr/>
+    <dgm:style>
+      <a:lnRef idx="0">
+        <a:scrgbClr r="0" g="0" b="0"/>
+      </a:lnRef>
+      <a:fillRef idx="1">
+        <a:scrgbClr r="0" g="0" b="0"/>
+      </a:fillRef>
+      <a:effectRef idx="0">
+        <a:scrgbClr r="0" g="0" b="0"/>
+      </a:effectRef>
+      <a:fontRef idx="minor"/>
+    </dgm:style>
+  </dgm:styleLbl>
+  <dgm:styleLbl name="fgShp">
+    <dgm:scene3d>
+      <a:camera prst="orthographicFront"/>
+      <a:lightRig rig="threePt" dir="t"/>
+    </dgm:scene3d>
+    <dgm:sp3d/>
+    <dgm:txPr/>
+    <dgm:style>
+      <a:lnRef idx="2">
+        <a:scrgbClr r="0" g="0" b="0"/>
+      </a:lnRef>
+      <a:fillRef idx="1">
+        <a:scrgbClr r="0" g="0" b="0"/>
+      </a:fillRef>
+      <a:effectRef idx="0">
+        <a:scrgbClr r="0" g="0" b="0"/>
+      </a:effectRef>
+      <a:fontRef idx="minor"/>
+    </dgm:style>
+  </dgm:styleLbl>
+  <dgm:styleLbl name="revTx">
+    <dgm:scene3d>
+      <a:camera prst="orthographicFront"/>
+      <a:lightRig rig="threePt" dir="t"/>
+    </dgm:scene3d>
+    <dgm:sp3d/>
+    <dgm:txPr/>
+    <dgm:style>
+      <a:lnRef idx="0">
+        <a:scrgbClr r="0" g="0" b="0"/>
+      </a:lnRef>
+      <a:fillRef idx="0">
+        <a:scrgbClr r="0" g="0" b="0"/>
+      </a:fillRef>
+      <a:effectRef idx="0">
+        <a:scrgbClr r="0" g="0" b="0"/>
+      </a:effectRef>
+      <a:fontRef idx="minor"/>
+    </dgm:style>
+  </dgm:styleLbl>
+</dgm:styleDef>
 </file>
 
 <file path=ppt/ink/ink1.xml><?xml version="1.0" encoding="utf-8"?>
@@ -863,6 +3737,90 @@
 </file>
 
 <file path=ppt/notesSlides/notesSlide1.xml><?xml version="1.0" encoding="utf-8"?>
+<p:notes xmlns:a="http://schemas.openxmlformats.org/drawingml/2006/main" xmlns:r="http://schemas.openxmlformats.org/officeDocument/2006/relationships" xmlns:p="http://schemas.openxmlformats.org/presentationml/2006/main">
+  <p:cSld>
+    <p:spTree>
+      <p:nvGrpSpPr>
+        <p:cNvPr id="1" name=""/>
+        <p:cNvGrpSpPr/>
+        <p:nvPr/>
+      </p:nvGrpSpPr>
+      <p:grpSpPr>
+        <a:xfrm>
+          <a:off x="0" y="0"/>
+          <a:ext cx="0" cy="0"/>
+          <a:chOff x="0" y="0"/>
+          <a:chExt cx="0" cy="0"/>
+        </a:xfrm>
+      </p:grpSpPr>
+      <p:sp>
+        <p:nvSpPr>
+          <p:cNvPr id="2" name="Slide Image Placeholder 1"/>
+          <p:cNvSpPr>
+            <a:spLocks noGrp="1" noRot="1" noChangeAspect="1"/>
+          </p:cNvSpPr>
+          <p:nvPr>
+            <p:ph type="sldImg"/>
+          </p:nvPr>
+        </p:nvSpPr>
+        <p:spPr/>
+      </p:sp>
+      <p:sp>
+        <p:nvSpPr>
+          <p:cNvPr id="3" name="Notes Placeholder 2"/>
+          <p:cNvSpPr>
+            <a:spLocks noGrp="1"/>
+          </p:cNvSpPr>
+          <p:nvPr>
+            <p:ph type="body" idx="1"/>
+          </p:nvPr>
+        </p:nvSpPr>
+        <p:spPr/>
+        <p:txBody>
+          <a:bodyPr/>
+          <a:lstStyle/>
+          <a:p>
+            <a:endParaRPr lang="en-IE" dirty="0"/>
+          </a:p>
+        </p:txBody>
+      </p:sp>
+      <p:sp>
+        <p:nvSpPr>
+          <p:cNvPr id="4" name="Slide Number Placeholder 3"/>
+          <p:cNvSpPr>
+            <a:spLocks noGrp="1"/>
+          </p:cNvSpPr>
+          <p:nvPr>
+            <p:ph type="sldNum" sz="quarter" idx="5"/>
+          </p:nvPr>
+        </p:nvSpPr>
+        <p:spPr/>
+        <p:txBody>
+          <a:bodyPr/>
+          <a:lstStyle/>
+          <a:p>
+            <a:fld id="{5457055F-9E7F-43BC-AF0A-B162A4B6C344}" type="slidenum">
+              <a:rPr lang="en-IE" smtClean="0"/>
+              <a:t>1</a:t>
+            </a:fld>
+            <a:endParaRPr lang="en-IE"/>
+          </a:p>
+        </p:txBody>
+      </p:sp>
+    </p:spTree>
+    <p:extLst>
+      <p:ext uri="{BB962C8B-B14F-4D97-AF65-F5344CB8AC3E}">
+        <p14:creationId xmlns:p14="http://schemas.microsoft.com/office/powerpoint/2010/main" val="638856940"/>
+      </p:ext>
+    </p:extLst>
+  </p:cSld>
+  <p:clrMapOvr>
+    <a:masterClrMapping/>
+  </p:clrMapOvr>
+</p:notes>
+</file>
+
+<file path=ppt/notesSlides/notesSlide2.xml><?xml version="1.0" encoding="utf-8"?>
 <p:notes xmlns:a="http://schemas.openxmlformats.org/drawingml/2006/main" xmlns:r="http://schemas.openxmlformats.org/officeDocument/2006/relationships" xmlns:p="http://schemas.openxmlformats.org/presentationml/2006/main">
   <p:cSld>
     <p:spTree>
@@ -4400,6 +7358,14 @@
 <file path=ppt/slides/slide1.xml><?xml version="1.0" encoding="utf-8"?>
 <p:sld xmlns:a="http://schemas.openxmlformats.org/drawingml/2006/main" xmlns:r="http://schemas.openxmlformats.org/officeDocument/2006/relationships" xmlns:p="http://schemas.openxmlformats.org/presentationml/2006/main">
   <p:cSld>
+    <p:bg>
+      <p:bgPr>
+        <a:solidFill>
+          <a:schemeClr val="bg1"/>
+        </a:solidFill>
+        <a:effectLst/>
+      </p:bgPr>
+    </p:bg>
     <p:spTree>
       <p:nvGrpSpPr>
         <p:cNvPr id="1" name=""/>
@@ -4414,6 +7380,306 @@
           <a:chExt cx="0" cy="0"/>
         </a:xfrm>
       </p:grpSpPr>
+      <p:sp useBgFill="1">
+        <p:nvSpPr>
+          <p:cNvPr id="10" name="Rectangle 9">
+            <a:extLst>
+              <a:ext uri="{FF2B5EF4-FFF2-40B4-BE49-F238E27FC236}">
+                <a16:creationId xmlns:a16="http://schemas.microsoft.com/office/drawing/2014/main" id="{8555C5B3-193A-4749-9AFD-682E53CDDE8F}"/>
+              </a:ext>
+              <a:ext uri="{C183D7F6-B498-43B3-948B-1728B52AA6E4}">
+                <adec:decorative xmlns:adec="http://schemas.microsoft.com/office/drawing/2017/decorative" val="1"/>
+              </a:ext>
+            </a:extLst>
+          </p:cNvPr>
+          <p:cNvSpPr>
+            <a:spLocks noGrp="1" noRot="1" noChangeAspect="1" noMove="1" noResize="1" noEditPoints="1" noAdjustHandles="1" noChangeArrowheads="1" noChangeShapeType="1" noTextEdit="1"/>
+          </p:cNvSpPr>
+          <p:nvPr>
+            <p:extLst>
+              <p:ext uri="{386F3935-93C4-4BCD-93E2-E3B085C9AB24}">
+                <p16:designElem xmlns:p16="http://schemas.microsoft.com/office/powerpoint/2015/main" val="1"/>
+              </p:ext>
+            </p:extLst>
+          </p:nvPr>
+        </p:nvSpPr>
+        <p:spPr>
+          <a:xfrm>
+            <a:off x="0" y="0"/>
+            <a:ext cx="12192000" cy="6858000"/>
+          </a:xfrm>
+          <a:prstGeom prst="rect">
+            <a:avLst/>
+          </a:prstGeom>
+          <a:ln w="12700" cap="flat" cmpd="sng" algn="ctr">
+            <a:noFill/>
+            <a:prstDash val="solid"/>
+            <a:miter lim="800000"/>
+          </a:ln>
+          <a:effectLst/>
+          <a:extLst>
+            <a:ext uri="{91240B29-F687-4F45-9708-019B960494DF}">
+              <a14:hiddenLine xmlns:a14="http://schemas.microsoft.com/office/drawing/2010/main" w="12700" cap="flat" cmpd="sng" algn="ctr">
+                <a:solidFill>
+                  <a:schemeClr val="accent1">
+                    <a:shade val="50000"/>
+                  </a:schemeClr>
+                </a:solidFill>
+                <a:prstDash val="solid"/>
+                <a:miter lim="800000"/>
+              </a14:hiddenLine>
+            </a:ext>
+          </a:extLst>
+        </p:spPr>
+        <p:style>
+          <a:lnRef idx="2">
+            <a:schemeClr val="accent1">
+              <a:shade val="50000"/>
+            </a:schemeClr>
+          </a:lnRef>
+          <a:fillRef idx="1">
+            <a:schemeClr val="accent1"/>
+          </a:fillRef>
+          <a:effectRef idx="0">
+            <a:schemeClr val="accent1"/>
+          </a:effectRef>
+          <a:fontRef idx="minor">
+            <a:schemeClr val="lt1"/>
+          </a:fontRef>
+        </p:style>
+        <p:txBody>
+          <a:bodyPr rtlCol="0" anchor="ctr"/>
+          <a:lstStyle/>
+          <a:p>
+            <a:pPr algn="ctr"/>
+            <a:endParaRPr lang="en-US" dirty="0"/>
+          </a:p>
+        </p:txBody>
+      </p:sp>
+      <p:sp>
+        <p:nvSpPr>
+          <p:cNvPr id="12" name="Rectangle 11">
+            <a:extLst>
+              <a:ext uri="{FF2B5EF4-FFF2-40B4-BE49-F238E27FC236}">
+                <a16:creationId xmlns:a16="http://schemas.microsoft.com/office/drawing/2014/main" id="{2EAE06A6-F76A-41C9-827A-C561B004485C}"/>
+              </a:ext>
+              <a:ext uri="{C183D7F6-B498-43B3-948B-1728B52AA6E4}">
+                <adec:decorative xmlns:adec="http://schemas.microsoft.com/office/drawing/2017/decorative" val="1"/>
+              </a:ext>
+            </a:extLst>
+          </p:cNvPr>
+          <p:cNvSpPr>
+            <a:spLocks noGrp="1" noRot="1" noChangeAspect="1" noMove="1" noResize="1" noEditPoints="1" noAdjustHandles="1" noChangeArrowheads="1" noChangeShapeType="1" noTextEdit="1"/>
+          </p:cNvSpPr>
+          <p:nvPr>
+            <p:extLst>
+              <p:ext uri="{386F3935-93C4-4BCD-93E2-E3B085C9AB24}">
+                <p16:designElem xmlns:p16="http://schemas.microsoft.com/office/powerpoint/2015/main" val="1"/>
+              </p:ext>
+            </p:extLst>
+          </p:nvPr>
+        </p:nvSpPr>
+        <p:spPr>
+          <a:xfrm flipH="1">
+            <a:off x="0" y="-3"/>
+            <a:ext cx="12192000" cy="6858000"/>
+          </a:xfrm>
+          <a:prstGeom prst="rect">
+            <a:avLst/>
+          </a:prstGeom>
+          <a:gradFill>
+            <a:gsLst>
+              <a:gs pos="0">
+                <a:srgbClr val="000000"/>
+              </a:gs>
+              <a:gs pos="100000">
+                <a:schemeClr val="accent1">
+                  <a:lumMod val="75000"/>
+                </a:schemeClr>
+              </a:gs>
+            </a:gsLst>
+            <a:lin ang="6600000" scaled="0"/>
+          </a:gradFill>
+          <a:ln>
+            <a:noFill/>
+          </a:ln>
+        </p:spPr>
+        <p:style>
+          <a:lnRef idx="2">
+            <a:schemeClr val="accent1">
+              <a:shade val="50000"/>
+            </a:schemeClr>
+          </a:lnRef>
+          <a:fillRef idx="1">
+            <a:schemeClr val="accent1"/>
+          </a:fillRef>
+          <a:effectRef idx="0">
+            <a:schemeClr val="accent1"/>
+          </a:effectRef>
+          <a:fontRef idx="minor">
+            <a:schemeClr val="lt1"/>
+          </a:fontRef>
+        </p:style>
+        <p:txBody>
+          <a:bodyPr rtlCol="0" anchor="ctr"/>
+          <a:lstStyle/>
+          <a:p>
+            <a:pPr algn="ctr"/>
+            <a:endParaRPr lang="en-US" dirty="0"/>
+          </a:p>
+        </p:txBody>
+      </p:sp>
+      <p:sp>
+        <p:nvSpPr>
+          <p:cNvPr id="29" name="Rectangle 13">
+            <a:extLst>
+              <a:ext uri="{FF2B5EF4-FFF2-40B4-BE49-F238E27FC236}">
+                <a16:creationId xmlns:a16="http://schemas.microsoft.com/office/drawing/2014/main" id="{89F9D4E8-0639-444B-949B-9518585061AF}"/>
+              </a:ext>
+              <a:ext uri="{C183D7F6-B498-43B3-948B-1728B52AA6E4}">
+                <adec:decorative xmlns:adec="http://schemas.microsoft.com/office/drawing/2017/decorative" val="1"/>
+              </a:ext>
+            </a:extLst>
+          </p:cNvPr>
+          <p:cNvSpPr>
+            <a:spLocks noGrp="1" noRot="1" noChangeAspect="1" noMove="1" noResize="1" noEditPoints="1" noAdjustHandles="1" noChangeArrowheads="1" noChangeShapeType="1" noTextEdit="1"/>
+          </p:cNvSpPr>
+          <p:nvPr>
+            <p:extLst>
+              <p:ext uri="{386F3935-93C4-4BCD-93E2-E3B085C9AB24}">
+                <p16:designElem xmlns:p16="http://schemas.microsoft.com/office/powerpoint/2015/main" val="1"/>
+              </p:ext>
+            </p:extLst>
+          </p:nvPr>
+        </p:nvSpPr>
+        <p:spPr>
+          <a:xfrm flipH="1">
+            <a:off x="480861" y="0"/>
+            <a:ext cx="7661934" cy="6858000"/>
+          </a:xfrm>
+          <a:prstGeom prst="rect">
+            <a:avLst/>
+          </a:prstGeom>
+          <a:gradFill>
+            <a:gsLst>
+              <a:gs pos="0">
+                <a:schemeClr val="accent1">
+                  <a:lumMod val="75000"/>
+                  <a:alpha val="45000"/>
+                </a:schemeClr>
+              </a:gs>
+              <a:gs pos="100000">
+                <a:srgbClr val="000000">
+                  <a:alpha val="29000"/>
+                </a:srgbClr>
+              </a:gs>
+            </a:gsLst>
+            <a:lin ang="12000000" scaled="0"/>
+          </a:gradFill>
+          <a:ln>
+            <a:noFill/>
+          </a:ln>
+        </p:spPr>
+        <p:style>
+          <a:lnRef idx="2">
+            <a:schemeClr val="accent1">
+              <a:shade val="50000"/>
+            </a:schemeClr>
+          </a:lnRef>
+          <a:fillRef idx="1">
+            <a:schemeClr val="accent1"/>
+          </a:fillRef>
+          <a:effectRef idx="0">
+            <a:schemeClr val="accent1"/>
+          </a:effectRef>
+          <a:fontRef idx="minor">
+            <a:schemeClr val="lt1"/>
+          </a:fontRef>
+        </p:style>
+        <p:txBody>
+          <a:bodyPr rtlCol="0" anchor="ctr"/>
+          <a:lstStyle/>
+          <a:p>
+            <a:pPr algn="ctr"/>
+            <a:endParaRPr lang="en-US" dirty="0"/>
+          </a:p>
+        </p:txBody>
+      </p:sp>
+      <p:sp>
+        <p:nvSpPr>
+          <p:cNvPr id="16" name="Rectangle 15">
+            <a:extLst>
+              <a:ext uri="{FF2B5EF4-FFF2-40B4-BE49-F238E27FC236}">
+                <a16:creationId xmlns:a16="http://schemas.microsoft.com/office/drawing/2014/main" id="{7E3DA7A2-ED70-4BBA-AB72-00AD461FA405}"/>
+              </a:ext>
+              <a:ext uri="{C183D7F6-B498-43B3-948B-1728B52AA6E4}">
+                <adec:decorative xmlns:adec="http://schemas.microsoft.com/office/drawing/2017/decorative" val="1"/>
+              </a:ext>
+            </a:extLst>
+          </p:cNvPr>
+          <p:cNvSpPr>
+            <a:spLocks noGrp="1" noRot="1" noChangeAspect="1" noMove="1" noResize="1" noEditPoints="1" noAdjustHandles="1" noChangeArrowheads="1" noChangeShapeType="1" noTextEdit="1"/>
+          </p:cNvSpPr>
+          <p:nvPr>
+            <p:extLst>
+              <p:ext uri="{386F3935-93C4-4BCD-93E2-E3B085C9AB24}">
+                <p16:designElem xmlns:p16="http://schemas.microsoft.com/office/powerpoint/2015/main" val="1"/>
+              </p:ext>
+            </p:extLst>
+          </p:nvPr>
+        </p:nvSpPr>
+        <p:spPr>
+          <a:xfrm rot="10800000" flipH="1">
+            <a:off x="480862" y="-6"/>
+            <a:ext cx="11711138" cy="6410334"/>
+          </a:xfrm>
+          <a:prstGeom prst="rect">
+            <a:avLst/>
+          </a:prstGeom>
+          <a:gradFill>
+            <a:gsLst>
+              <a:gs pos="0">
+                <a:schemeClr val="accent1">
+                  <a:alpha val="0"/>
+                </a:schemeClr>
+              </a:gs>
+              <a:gs pos="100000">
+                <a:srgbClr val="000000">
+                  <a:alpha val="41000"/>
+                </a:srgbClr>
+              </a:gs>
+            </a:gsLst>
+            <a:lin ang="18000000" scaled="0"/>
+          </a:gradFill>
+          <a:ln>
+            <a:noFill/>
+          </a:ln>
+        </p:spPr>
+        <p:style>
+          <a:lnRef idx="2">
+            <a:schemeClr val="accent1">
+              <a:shade val="50000"/>
+            </a:schemeClr>
+          </a:lnRef>
+          <a:fillRef idx="1">
+            <a:schemeClr val="accent1"/>
+          </a:fillRef>
+          <a:effectRef idx="0">
+            <a:schemeClr val="accent1"/>
+          </a:effectRef>
+          <a:fontRef idx="minor">
+            <a:schemeClr val="lt1"/>
+          </a:fontRef>
+        </p:style>
+        <p:txBody>
+          <a:bodyPr rtlCol="0" anchor="ctr"/>
+          <a:lstStyle/>
+          <a:p>
+            <a:pPr algn="ctr"/>
+            <a:endParaRPr lang="en-US" dirty="0"/>
+          </a:p>
+        </p:txBody>
+      </p:sp>
       <p:sp>
         <p:nvSpPr>
           <p:cNvPr id="2" name="Title 1">
@@ -4430,15 +7696,103 @@
             <p:ph type="ctrTitle"/>
           </p:nvPr>
         </p:nvSpPr>
-        <p:spPr/>
+        <p:spPr>
+          <a:xfrm>
+            <a:off x="1127208" y="857251"/>
+            <a:ext cx="4747280" cy="3098061"/>
+          </a:xfrm>
+        </p:spPr>
         <p:txBody>
-          <a:bodyPr/>
+          <a:bodyPr anchor="b">
+            <a:normAutofit/>
+          </a:bodyPr>
           <a:lstStyle/>
           <a:p>
+            <a:pPr algn="l"/>
             <a:r>
-              <a:rPr lang="en-IE" dirty="0"/>
-              <a:t>The Joi of Validation</a:t>
+              <a:rPr lang="en-IE" sz="4800" dirty="0">
+                <a:solidFill>
+                  <a:srgbClr val="FFFFFF"/>
+                </a:solidFill>
+              </a:rPr>
+              <a:t>The “Joi” of Validation</a:t>
             </a:r>
+          </a:p>
+        </p:txBody>
+      </p:sp>
+      <p:sp>
+        <p:nvSpPr>
+          <p:cNvPr id="18" name="Rectangle 17">
+            <a:extLst>
+              <a:ext uri="{FF2B5EF4-FFF2-40B4-BE49-F238E27FC236}">
+                <a16:creationId xmlns:a16="http://schemas.microsoft.com/office/drawing/2014/main" id="{FC485432-3647-4218-B5D3-15D3FA222B13}"/>
+              </a:ext>
+              <a:ext uri="{C183D7F6-B498-43B3-948B-1728B52AA6E4}">
+                <adec:decorative xmlns:adec="http://schemas.microsoft.com/office/drawing/2017/decorative" val="1"/>
+              </a:ext>
+            </a:extLst>
+          </p:cNvPr>
+          <p:cNvSpPr>
+            <a:spLocks noGrp="1" noRot="1" noChangeAspect="1" noMove="1" noResize="1" noEditPoints="1" noAdjustHandles="1" noChangeArrowheads="1" noChangeShapeType="1" noTextEdit="1"/>
+          </p:cNvSpPr>
+          <p:nvPr>
+            <p:extLst>
+              <p:ext uri="{386F3935-93C4-4BCD-93E2-E3B085C9AB24}">
+                <p16:designElem xmlns:p16="http://schemas.microsoft.com/office/powerpoint/2015/main" val="1"/>
+              </p:ext>
+            </p:extLst>
+          </p:nvPr>
+        </p:nvSpPr>
+        <p:spPr>
+          <a:xfrm rot="16200000">
+            <a:off x="4844797" y="-489206"/>
+            <a:ext cx="2502408" cy="12191998"/>
+          </a:xfrm>
+          <a:prstGeom prst="rect">
+            <a:avLst/>
+          </a:prstGeom>
+          <a:gradFill>
+            <a:gsLst>
+              <a:gs pos="0">
+                <a:schemeClr val="accent1">
+                  <a:alpha val="24000"/>
+                </a:schemeClr>
+              </a:gs>
+              <a:gs pos="78000">
+                <a:schemeClr val="accent1">
+                  <a:lumMod val="50000"/>
+                  <a:alpha val="0"/>
+                </a:schemeClr>
+              </a:gs>
+            </a:gsLst>
+            <a:lin ang="10200000" scaled="0"/>
+          </a:gradFill>
+          <a:ln>
+            <a:noFill/>
+          </a:ln>
+        </p:spPr>
+        <p:style>
+          <a:lnRef idx="2">
+            <a:schemeClr val="accent1">
+              <a:shade val="50000"/>
+            </a:schemeClr>
+          </a:lnRef>
+          <a:fillRef idx="1">
+            <a:schemeClr val="accent1"/>
+          </a:fillRef>
+          <a:effectRef idx="0">
+            <a:schemeClr val="accent1"/>
+          </a:effectRef>
+          <a:fontRef idx="minor">
+            <a:schemeClr val="lt1"/>
+          </a:fontRef>
+        </p:style>
+        <p:txBody>
+          <a:bodyPr rtlCol="0" anchor="ctr"/>
+          <a:lstStyle/>
+          <a:p>
+            <a:pPr algn="ctr"/>
+            <a:endParaRPr lang="en-US"/>
           </a:p>
         </p:txBody>
       </p:sp>
@@ -4458,18 +7812,162 @@
             <p:ph type="subTitle" idx="1"/>
           </p:nvPr>
         </p:nvSpPr>
-        <p:spPr/>
+        <p:spPr>
+          <a:xfrm>
+            <a:off x="1127208" y="4756265"/>
+            <a:ext cx="4393278" cy="1244483"/>
+          </a:xfrm>
+        </p:spPr>
         <p:txBody>
-          <a:bodyPr/>
+          <a:bodyPr anchor="t">
+            <a:normAutofit/>
+          </a:bodyPr>
           <a:lstStyle/>
           <a:p>
+            <a:pPr algn="l"/>
             <a:r>
-              <a:rPr lang="en-IE" dirty="0"/>
+              <a:rPr lang="en-IE">
+                <a:solidFill>
+                  <a:srgbClr val="FFFFFF"/>
+                </a:solidFill>
+              </a:rPr>
               <a:t>And some other stuff</a:t>
             </a:r>
           </a:p>
         </p:txBody>
       </p:sp>
+      <p:sp>
+        <p:nvSpPr>
+          <p:cNvPr id="20" name="Oval 19">
+            <a:extLst>
+              <a:ext uri="{FF2B5EF4-FFF2-40B4-BE49-F238E27FC236}">
+                <a16:creationId xmlns:a16="http://schemas.microsoft.com/office/drawing/2014/main" id="{F4AFDDCA-6ABA-4D23-8A5C-1BF0F4308148}"/>
+              </a:ext>
+              <a:ext uri="{C183D7F6-B498-43B3-948B-1728B52AA6E4}">
+                <adec:decorative xmlns:adec="http://schemas.microsoft.com/office/drawing/2017/decorative" val="1"/>
+              </a:ext>
+            </a:extLst>
+          </p:cNvPr>
+          <p:cNvSpPr>
+            <a:spLocks noGrp="1" noRot="1" noChangeAspect="1" noMove="1" noResize="1" noEditPoints="1" noAdjustHandles="1" noChangeArrowheads="1" noChangeShapeType="1" noTextEdit="1"/>
+          </p:cNvSpPr>
+          <p:nvPr>
+            <p:extLst>
+              <p:ext uri="{386F3935-93C4-4BCD-93E2-E3B085C9AB24}">
+                <p16:designElem xmlns:p16="http://schemas.microsoft.com/office/powerpoint/2015/main" val="1"/>
+              </p:ext>
+            </p:extLst>
+          </p:nvPr>
+        </p:nvSpPr>
+        <p:spPr>
+          <a:xfrm>
+            <a:off x="6390589" y="1062544"/>
+            <a:ext cx="4756162" cy="4756162"/>
+          </a:xfrm>
+          <a:prstGeom prst="ellipse">
+            <a:avLst/>
+          </a:prstGeom>
+          <a:solidFill>
+            <a:schemeClr val="bg1"/>
+          </a:solidFill>
+          <a:ln>
+            <a:noFill/>
+          </a:ln>
+        </p:spPr>
+        <p:style>
+          <a:lnRef idx="2">
+            <a:schemeClr val="accent1">
+              <a:shade val="50000"/>
+            </a:schemeClr>
+          </a:lnRef>
+          <a:fillRef idx="1">
+            <a:schemeClr val="accent1"/>
+          </a:fillRef>
+          <a:effectRef idx="0">
+            <a:schemeClr val="accent1"/>
+          </a:effectRef>
+          <a:fontRef idx="minor">
+            <a:schemeClr val="lt1"/>
+          </a:fontRef>
+        </p:style>
+        <p:txBody>
+          <a:bodyPr rtlCol="0" anchor="ctr"/>
+          <a:lstStyle/>
+          <a:p>
+            <a:pPr algn="ctr"/>
+            <a:endParaRPr lang="en-US"/>
+          </a:p>
+        </p:txBody>
+      </p:sp>
+      <p:pic>
+        <p:nvPicPr>
+          <p:cNvPr id="5" name="Picture 4" descr="Shape&#10;&#10;Description automatically generated with medium confidence">
+            <a:extLst>
+              <a:ext uri="{FF2B5EF4-FFF2-40B4-BE49-F238E27FC236}">
+                <a16:creationId xmlns:a16="http://schemas.microsoft.com/office/drawing/2014/main" id="{F31535F3-9188-959C-C48B-50EB8650A3C2}"/>
+              </a:ext>
+            </a:extLst>
+          </p:cNvPr>
+          <p:cNvPicPr>
+            <a:picLocks noChangeAspect="1"/>
+          </p:cNvPicPr>
+          <p:nvPr/>
+        </p:nvPicPr>
+        <p:blipFill>
+          <a:blip r:embed="rId3">
+            <a:extLst>
+              <a:ext uri="{28A0092B-C50C-407E-A947-70E740481C1C}">
+                <a14:useLocalDpi xmlns:a14="http://schemas.microsoft.com/office/drawing/2010/main" val="0"/>
+              </a:ext>
+              <a:ext uri="{837473B0-CC2E-450A-ABE3-18F120FF3D39}">
+                <a1611:picAttrSrcUrl xmlns:a1611="http://schemas.microsoft.com/office/drawing/2016/11/main" r:id="rId4"/>
+              </a:ext>
+            </a:extLst>
+          </a:blip>
+          <a:stretch>
+            <a:fillRect/>
+          </a:stretch>
+        </p:blipFill>
+        <p:spPr>
+          <a:xfrm>
+            <a:off x="7082045" y="2108877"/>
+            <a:ext cx="3414191" cy="2654533"/>
+          </a:xfrm>
+          <a:prstGeom prst="rect">
+            <a:avLst/>
+          </a:prstGeom>
+        </p:spPr>
+      </p:pic>
+      <p:pic>
+        <p:nvPicPr>
+          <p:cNvPr id="6" name="Picture 5">
+            <a:extLst>
+              <a:ext uri="{FF2B5EF4-FFF2-40B4-BE49-F238E27FC236}">
+                <a16:creationId xmlns:a16="http://schemas.microsoft.com/office/drawing/2014/main" id="{3828873D-4B25-A3BE-9488-FDD63A7917D6}"/>
+              </a:ext>
+            </a:extLst>
+          </p:cNvPr>
+          <p:cNvPicPr>
+            <a:picLocks noChangeAspect="1"/>
+          </p:cNvPicPr>
+          <p:nvPr/>
+        </p:nvPicPr>
+        <p:blipFill>
+          <a:blip r:embed="rId5"/>
+          <a:stretch>
+            <a:fillRect/>
+          </a:stretch>
+        </p:blipFill>
+        <p:spPr>
+          <a:xfrm>
+            <a:off x="7798591" y="1576600"/>
+            <a:ext cx="1329633" cy="1064548"/>
+          </a:xfrm>
+          <a:prstGeom prst="rect">
+            <a:avLst/>
+          </a:prstGeom>
+        </p:spPr>
+      </p:pic>
     </p:spTree>
     <p:extLst>
       <p:ext uri="{BB962C8B-B14F-4D97-AF65-F5344CB8AC3E}">
@@ -4484,6 +7982,1108 @@
 </file>
 
 <file path=ppt/slides/slide10.xml><?xml version="1.0" encoding="utf-8"?>
+<p:sld xmlns:a="http://schemas.openxmlformats.org/drawingml/2006/main" xmlns:r="http://schemas.openxmlformats.org/officeDocument/2006/relationships" xmlns:p="http://schemas.openxmlformats.org/presentationml/2006/main">
+  <p:cSld>
+    <p:spTree>
+      <p:nvGrpSpPr>
+        <p:cNvPr id="1" name=""/>
+        <p:cNvGrpSpPr/>
+        <p:nvPr/>
+      </p:nvGrpSpPr>
+      <p:grpSpPr>
+        <a:xfrm>
+          <a:off x="0" y="0"/>
+          <a:ext cx="0" cy="0"/>
+          <a:chOff x="0" y="0"/>
+          <a:chExt cx="0" cy="0"/>
+        </a:xfrm>
+      </p:grpSpPr>
+      <p:sp>
+        <p:nvSpPr>
+          <p:cNvPr id="4" name="TextBox 3">
+            <a:extLst>
+              <a:ext uri="{FF2B5EF4-FFF2-40B4-BE49-F238E27FC236}">
+                <a16:creationId xmlns:a16="http://schemas.microsoft.com/office/drawing/2014/main" id="{B99BC0C3-0089-FD15-8B4B-B3DC97C31978}"/>
+              </a:ext>
+            </a:extLst>
+          </p:cNvPr>
+          <p:cNvSpPr txBox="1"/>
+          <p:nvPr/>
+        </p:nvSpPr>
+        <p:spPr>
+          <a:xfrm>
+            <a:off x="838200" y="1720840"/>
+            <a:ext cx="6096000" cy="3416320"/>
+          </a:xfrm>
+          <a:prstGeom prst="rect">
+            <a:avLst/>
+          </a:prstGeom>
+          <a:solidFill>
+            <a:schemeClr val="tx1"/>
+          </a:solidFill>
+        </p:spPr>
+        <p:txBody>
+          <a:bodyPr wrap="square">
+            <a:spAutoFit/>
+          </a:bodyPr>
+          <a:lstStyle/>
+          <a:p>
+            <a:r>
+              <a:rPr lang="en-IE" b="0" dirty="0">
+                <a:solidFill>
+                  <a:srgbClr val="C586C0"/>
+                </a:solidFill>
+                <a:effectLst/>
+                <a:latin typeface="Consolas" panose="020B0609020204030204" pitchFamily="49" charset="0"/>
+              </a:rPr>
+              <a:t>import</a:t>
+            </a:r>
+            <a:r>
+              <a:rPr lang="en-IE" b="0" dirty="0">
+                <a:solidFill>
+                  <a:srgbClr val="D4D4D4"/>
+                </a:solidFill>
+                <a:effectLst/>
+                <a:latin typeface="Consolas" panose="020B0609020204030204" pitchFamily="49" charset="0"/>
+              </a:rPr>
+              <a:t> </a:t>
+            </a:r>
+            <a:r>
+              <a:rPr lang="en-IE" b="0" dirty="0">
+                <a:solidFill>
+                  <a:srgbClr val="9CDCFE"/>
+                </a:solidFill>
+                <a:effectLst/>
+                <a:latin typeface="Consolas" panose="020B0609020204030204" pitchFamily="49" charset="0"/>
+              </a:rPr>
+              <a:t>Joi</a:t>
+            </a:r>
+            <a:r>
+              <a:rPr lang="en-IE" b="0" dirty="0">
+                <a:solidFill>
+                  <a:srgbClr val="D4D4D4"/>
+                </a:solidFill>
+                <a:effectLst/>
+                <a:latin typeface="Consolas" panose="020B0609020204030204" pitchFamily="49" charset="0"/>
+              </a:rPr>
+              <a:t> </a:t>
+            </a:r>
+            <a:r>
+              <a:rPr lang="en-IE" b="0" dirty="0">
+                <a:solidFill>
+                  <a:srgbClr val="C586C0"/>
+                </a:solidFill>
+                <a:effectLst/>
+                <a:latin typeface="Consolas" panose="020B0609020204030204" pitchFamily="49" charset="0"/>
+              </a:rPr>
+              <a:t>from</a:t>
+            </a:r>
+            <a:r>
+              <a:rPr lang="en-IE" b="0" dirty="0">
+                <a:solidFill>
+                  <a:srgbClr val="D4D4D4"/>
+                </a:solidFill>
+                <a:effectLst/>
+                <a:latin typeface="Consolas" panose="020B0609020204030204" pitchFamily="49" charset="0"/>
+              </a:rPr>
+              <a:t> </a:t>
+            </a:r>
+            <a:r>
+              <a:rPr lang="en-IE" b="0" dirty="0">
+                <a:solidFill>
+                  <a:srgbClr val="CE9178"/>
+                </a:solidFill>
+                <a:effectLst/>
+                <a:latin typeface="Consolas" panose="020B0609020204030204" pitchFamily="49" charset="0"/>
+              </a:rPr>
+              <a:t>'</a:t>
+            </a:r>
+            <a:r>
+              <a:rPr lang="en-IE" b="0" dirty="0" err="1">
+                <a:solidFill>
+                  <a:srgbClr val="CE9178"/>
+                </a:solidFill>
+                <a:effectLst/>
+                <a:latin typeface="Consolas" panose="020B0609020204030204" pitchFamily="49" charset="0"/>
+              </a:rPr>
+              <a:t>joi</a:t>
+            </a:r>
+            <a:r>
+              <a:rPr lang="en-IE" b="0" dirty="0">
+                <a:solidFill>
+                  <a:srgbClr val="CE9178"/>
+                </a:solidFill>
+                <a:effectLst/>
+                <a:latin typeface="Consolas" panose="020B0609020204030204" pitchFamily="49" charset="0"/>
+              </a:rPr>
+              <a:t>'</a:t>
+            </a:r>
+            <a:r>
+              <a:rPr lang="en-IE" b="0" dirty="0">
+                <a:solidFill>
+                  <a:srgbClr val="D4D4D4"/>
+                </a:solidFill>
+                <a:effectLst/>
+                <a:latin typeface="Consolas" panose="020B0609020204030204" pitchFamily="49" charset="0"/>
+              </a:rPr>
+              <a:t>;</a:t>
+            </a:r>
+          </a:p>
+          <a:p>
+            <a:br>
+              <a:rPr lang="en-IE" b="0" dirty="0">
+                <a:solidFill>
+                  <a:srgbClr val="D4D4D4"/>
+                </a:solidFill>
+                <a:effectLst/>
+                <a:latin typeface="Consolas" panose="020B0609020204030204" pitchFamily="49" charset="0"/>
+              </a:rPr>
+            </a:br>
+            <a:r>
+              <a:rPr lang="en-IE" b="0" dirty="0" err="1">
+                <a:solidFill>
+                  <a:srgbClr val="569CD6"/>
+                </a:solidFill>
+                <a:effectLst/>
+                <a:latin typeface="Consolas" panose="020B0609020204030204" pitchFamily="49" charset="0"/>
+              </a:rPr>
+              <a:t>const</a:t>
+            </a:r>
+            <a:r>
+              <a:rPr lang="en-IE" b="0" dirty="0">
+                <a:solidFill>
+                  <a:srgbClr val="D4D4D4"/>
+                </a:solidFill>
+                <a:effectLst/>
+                <a:latin typeface="Consolas" panose="020B0609020204030204" pitchFamily="49" charset="0"/>
+              </a:rPr>
+              <a:t> </a:t>
+            </a:r>
+            <a:r>
+              <a:rPr lang="en-IE" b="0" dirty="0" err="1">
+                <a:solidFill>
+                  <a:srgbClr val="4FC1FF"/>
+                </a:solidFill>
+                <a:effectLst/>
+                <a:latin typeface="Consolas" panose="020B0609020204030204" pitchFamily="49" charset="0"/>
+              </a:rPr>
+              <a:t>userSchema</a:t>
+            </a:r>
+            <a:r>
+              <a:rPr lang="en-IE" b="0" dirty="0">
+                <a:solidFill>
+                  <a:srgbClr val="D4D4D4"/>
+                </a:solidFill>
+                <a:effectLst/>
+                <a:latin typeface="Consolas" panose="020B0609020204030204" pitchFamily="49" charset="0"/>
+              </a:rPr>
+              <a:t> = </a:t>
+            </a:r>
+            <a:r>
+              <a:rPr lang="en-IE" b="0" dirty="0" err="1">
+                <a:solidFill>
+                  <a:srgbClr val="9CDCFE"/>
+                </a:solidFill>
+                <a:effectLst/>
+                <a:latin typeface="Consolas" panose="020B0609020204030204" pitchFamily="49" charset="0"/>
+              </a:rPr>
+              <a:t>Joi</a:t>
+            </a:r>
+            <a:r>
+              <a:rPr lang="en-IE" b="0" dirty="0" err="1">
+                <a:solidFill>
+                  <a:srgbClr val="D4D4D4"/>
+                </a:solidFill>
+                <a:effectLst/>
+                <a:latin typeface="Consolas" panose="020B0609020204030204" pitchFamily="49" charset="0"/>
+              </a:rPr>
+              <a:t>.</a:t>
+            </a:r>
+            <a:r>
+              <a:rPr lang="en-IE" b="0" dirty="0" err="1">
+                <a:solidFill>
+                  <a:srgbClr val="DCDCAA"/>
+                </a:solidFill>
+                <a:effectLst/>
+                <a:latin typeface="Consolas" panose="020B0609020204030204" pitchFamily="49" charset="0"/>
+              </a:rPr>
+              <a:t>object</a:t>
+            </a:r>
+            <a:r>
+              <a:rPr lang="en-IE" b="0" dirty="0">
+                <a:solidFill>
+                  <a:srgbClr val="D4D4D4"/>
+                </a:solidFill>
+                <a:effectLst/>
+                <a:latin typeface="Consolas" panose="020B0609020204030204" pitchFamily="49" charset="0"/>
+              </a:rPr>
+              <a:t>({</a:t>
+            </a:r>
+          </a:p>
+          <a:p>
+            <a:r>
+              <a:rPr lang="en-IE" b="0" dirty="0">
+                <a:solidFill>
+                  <a:srgbClr val="D4D4D4"/>
+                </a:solidFill>
+                <a:effectLst/>
+                <a:latin typeface="Consolas" panose="020B0609020204030204" pitchFamily="49" charset="0"/>
+              </a:rPr>
+              <a:t>    </a:t>
+            </a:r>
+            <a:r>
+              <a:rPr lang="en-IE" b="0" dirty="0">
+                <a:solidFill>
+                  <a:srgbClr val="9CDCFE"/>
+                </a:solidFill>
+                <a:effectLst/>
+                <a:latin typeface="Consolas" panose="020B0609020204030204" pitchFamily="49" charset="0"/>
+              </a:rPr>
+              <a:t>email:</a:t>
+            </a:r>
+            <a:r>
+              <a:rPr lang="en-IE" b="0" dirty="0">
+                <a:solidFill>
+                  <a:srgbClr val="D4D4D4"/>
+                </a:solidFill>
+                <a:effectLst/>
+                <a:latin typeface="Consolas" panose="020B0609020204030204" pitchFamily="49" charset="0"/>
+              </a:rPr>
+              <a:t> </a:t>
+            </a:r>
+            <a:r>
+              <a:rPr lang="en-IE" b="0" dirty="0" err="1">
+                <a:solidFill>
+                  <a:srgbClr val="9CDCFE"/>
+                </a:solidFill>
+                <a:effectLst/>
+                <a:latin typeface="Consolas" panose="020B0609020204030204" pitchFamily="49" charset="0"/>
+              </a:rPr>
+              <a:t>Joi</a:t>
+            </a:r>
+            <a:r>
+              <a:rPr lang="en-IE" b="0" dirty="0" err="1">
+                <a:solidFill>
+                  <a:srgbClr val="D4D4D4"/>
+                </a:solidFill>
+                <a:effectLst/>
+                <a:latin typeface="Consolas" panose="020B0609020204030204" pitchFamily="49" charset="0"/>
+              </a:rPr>
+              <a:t>.</a:t>
+            </a:r>
+            <a:r>
+              <a:rPr lang="en-IE" b="0" dirty="0" err="1">
+                <a:solidFill>
+                  <a:srgbClr val="DCDCAA"/>
+                </a:solidFill>
+                <a:effectLst/>
+                <a:latin typeface="Consolas" panose="020B0609020204030204" pitchFamily="49" charset="0"/>
+              </a:rPr>
+              <a:t>string</a:t>
+            </a:r>
+            <a:r>
+              <a:rPr lang="en-IE" b="0" dirty="0">
+                <a:solidFill>
+                  <a:srgbClr val="D4D4D4"/>
+                </a:solidFill>
+                <a:effectLst/>
+                <a:latin typeface="Consolas" panose="020B0609020204030204" pitchFamily="49" charset="0"/>
+              </a:rPr>
+              <a:t>().</a:t>
+            </a:r>
+            <a:r>
+              <a:rPr lang="en-IE" b="0" dirty="0">
+                <a:solidFill>
+                  <a:srgbClr val="DCDCAA"/>
+                </a:solidFill>
+                <a:effectLst/>
+                <a:latin typeface="Consolas" panose="020B0609020204030204" pitchFamily="49" charset="0"/>
+              </a:rPr>
+              <a:t>email</a:t>
+            </a:r>
+            <a:r>
+              <a:rPr lang="en-IE" b="0" dirty="0">
+                <a:solidFill>
+                  <a:srgbClr val="D4D4D4"/>
+                </a:solidFill>
+                <a:effectLst/>
+                <a:latin typeface="Consolas" panose="020B0609020204030204" pitchFamily="49" charset="0"/>
+              </a:rPr>
+              <a:t>().</a:t>
+            </a:r>
+            <a:r>
+              <a:rPr lang="en-IE" b="0" dirty="0">
+                <a:solidFill>
+                  <a:srgbClr val="DCDCAA"/>
+                </a:solidFill>
+                <a:effectLst/>
+                <a:latin typeface="Consolas" panose="020B0609020204030204" pitchFamily="49" charset="0"/>
+              </a:rPr>
+              <a:t>lowercase</a:t>
+            </a:r>
+            <a:r>
+              <a:rPr lang="en-IE" b="0" dirty="0">
+                <a:solidFill>
+                  <a:srgbClr val="D4D4D4"/>
+                </a:solidFill>
+                <a:effectLst/>
+                <a:latin typeface="Consolas" panose="020B0609020204030204" pitchFamily="49" charset="0"/>
+              </a:rPr>
+              <a:t>().</a:t>
+            </a:r>
+            <a:r>
+              <a:rPr lang="en-IE" b="0" dirty="0">
+                <a:solidFill>
+                  <a:srgbClr val="DCDCAA"/>
+                </a:solidFill>
+                <a:effectLst/>
+                <a:latin typeface="Consolas" panose="020B0609020204030204" pitchFamily="49" charset="0"/>
+              </a:rPr>
+              <a:t>required</a:t>
+            </a:r>
+            <a:r>
+              <a:rPr lang="en-IE" b="0" dirty="0">
+                <a:solidFill>
+                  <a:srgbClr val="D4D4D4"/>
+                </a:solidFill>
+                <a:effectLst/>
+                <a:latin typeface="Consolas" panose="020B0609020204030204" pitchFamily="49" charset="0"/>
+              </a:rPr>
+              <a:t>(),</a:t>
+            </a:r>
+          </a:p>
+          <a:p>
+            <a:r>
+              <a:rPr lang="en-IE" b="0" dirty="0">
+                <a:solidFill>
+                  <a:srgbClr val="D4D4D4"/>
+                </a:solidFill>
+                <a:effectLst/>
+                <a:latin typeface="Consolas" panose="020B0609020204030204" pitchFamily="49" charset="0"/>
+              </a:rPr>
+              <a:t>    </a:t>
+            </a:r>
+            <a:r>
+              <a:rPr lang="en-IE" b="0" dirty="0">
+                <a:solidFill>
+                  <a:srgbClr val="9CDCFE"/>
+                </a:solidFill>
+                <a:effectLst/>
+                <a:latin typeface="Consolas" panose="020B0609020204030204" pitchFamily="49" charset="0"/>
+              </a:rPr>
+              <a:t>password:</a:t>
+            </a:r>
+            <a:r>
+              <a:rPr lang="en-IE" b="0" dirty="0">
+                <a:solidFill>
+                  <a:srgbClr val="D4D4D4"/>
+                </a:solidFill>
+                <a:effectLst/>
+                <a:latin typeface="Consolas" panose="020B0609020204030204" pitchFamily="49" charset="0"/>
+              </a:rPr>
+              <a:t> </a:t>
+            </a:r>
+            <a:r>
+              <a:rPr lang="en-IE" b="0" dirty="0" err="1">
+                <a:solidFill>
+                  <a:srgbClr val="9CDCFE"/>
+                </a:solidFill>
+                <a:effectLst/>
+                <a:latin typeface="Consolas" panose="020B0609020204030204" pitchFamily="49" charset="0"/>
+              </a:rPr>
+              <a:t>Joi</a:t>
+            </a:r>
+            <a:r>
+              <a:rPr lang="en-IE" b="0" dirty="0" err="1">
+                <a:solidFill>
+                  <a:srgbClr val="D4D4D4"/>
+                </a:solidFill>
+                <a:effectLst/>
+                <a:latin typeface="Consolas" panose="020B0609020204030204" pitchFamily="49" charset="0"/>
+              </a:rPr>
+              <a:t>.</a:t>
+            </a:r>
+            <a:r>
+              <a:rPr lang="en-IE" b="0" dirty="0" err="1">
+                <a:solidFill>
+                  <a:srgbClr val="DCDCAA"/>
+                </a:solidFill>
+                <a:effectLst/>
+                <a:latin typeface="Consolas" panose="020B0609020204030204" pitchFamily="49" charset="0"/>
+              </a:rPr>
+              <a:t>string</a:t>
+            </a:r>
+            <a:r>
+              <a:rPr lang="en-IE" b="0" dirty="0">
+                <a:solidFill>
+                  <a:srgbClr val="D4D4D4"/>
+                </a:solidFill>
+                <a:effectLst/>
+                <a:latin typeface="Consolas" panose="020B0609020204030204" pitchFamily="49" charset="0"/>
+              </a:rPr>
+              <a:t>().</a:t>
+            </a:r>
+            <a:r>
+              <a:rPr lang="en-IE" b="0" dirty="0">
+                <a:solidFill>
+                  <a:srgbClr val="DCDCAA"/>
+                </a:solidFill>
+                <a:effectLst/>
+                <a:latin typeface="Consolas" panose="020B0609020204030204" pitchFamily="49" charset="0"/>
+              </a:rPr>
+              <a:t>min</a:t>
+            </a:r>
+            <a:r>
+              <a:rPr lang="en-IE" b="0" dirty="0">
+                <a:solidFill>
+                  <a:srgbClr val="D4D4D4"/>
+                </a:solidFill>
+                <a:effectLst/>
+                <a:latin typeface="Consolas" panose="020B0609020204030204" pitchFamily="49" charset="0"/>
+              </a:rPr>
+              <a:t>(</a:t>
+            </a:r>
+            <a:r>
+              <a:rPr lang="en-IE" b="0" dirty="0">
+                <a:solidFill>
+                  <a:srgbClr val="B5CEA8"/>
+                </a:solidFill>
+                <a:effectLst/>
+                <a:latin typeface="Consolas" panose="020B0609020204030204" pitchFamily="49" charset="0"/>
+              </a:rPr>
+              <a:t>5</a:t>
+            </a:r>
+            <a:r>
+              <a:rPr lang="en-IE" b="0" dirty="0">
+                <a:solidFill>
+                  <a:srgbClr val="D4D4D4"/>
+                </a:solidFill>
+                <a:effectLst/>
+                <a:latin typeface="Consolas" panose="020B0609020204030204" pitchFamily="49" charset="0"/>
+              </a:rPr>
+              <a:t>).</a:t>
+            </a:r>
+            <a:r>
+              <a:rPr lang="en-IE" b="0" dirty="0">
+                <a:solidFill>
+                  <a:srgbClr val="DCDCAA"/>
+                </a:solidFill>
+                <a:effectLst/>
+                <a:latin typeface="Consolas" panose="020B0609020204030204" pitchFamily="49" charset="0"/>
+              </a:rPr>
+              <a:t>required</a:t>
+            </a:r>
+            <a:r>
+              <a:rPr lang="en-IE" b="0" dirty="0">
+                <a:solidFill>
+                  <a:srgbClr val="D4D4D4"/>
+                </a:solidFill>
+                <a:effectLst/>
+                <a:latin typeface="Consolas" panose="020B0609020204030204" pitchFamily="49" charset="0"/>
+              </a:rPr>
+              <a:t>(),</a:t>
+            </a:r>
+          </a:p>
+          <a:p>
+            <a:r>
+              <a:rPr lang="en-IE" b="0" dirty="0">
+                <a:solidFill>
+                  <a:srgbClr val="D4D4D4"/>
+                </a:solidFill>
+                <a:effectLst/>
+                <a:latin typeface="Consolas" panose="020B0609020204030204" pitchFamily="49" charset="0"/>
+              </a:rPr>
+              <a:t>    </a:t>
+            </a:r>
+            <a:r>
+              <a:rPr lang="en-IE" b="0" dirty="0">
+                <a:solidFill>
+                  <a:srgbClr val="9CDCFE"/>
+                </a:solidFill>
+                <a:effectLst/>
+                <a:latin typeface="Consolas" panose="020B0609020204030204" pitchFamily="49" charset="0"/>
+              </a:rPr>
+              <a:t>name:</a:t>
+            </a:r>
+            <a:r>
+              <a:rPr lang="en-IE" b="0" dirty="0">
+                <a:solidFill>
+                  <a:srgbClr val="D4D4D4"/>
+                </a:solidFill>
+                <a:effectLst/>
+                <a:latin typeface="Consolas" panose="020B0609020204030204" pitchFamily="49" charset="0"/>
+              </a:rPr>
+              <a:t> </a:t>
+            </a:r>
+            <a:r>
+              <a:rPr lang="en-IE" b="0" dirty="0" err="1">
+                <a:solidFill>
+                  <a:srgbClr val="9CDCFE"/>
+                </a:solidFill>
+                <a:effectLst/>
+                <a:latin typeface="Consolas" panose="020B0609020204030204" pitchFamily="49" charset="0"/>
+              </a:rPr>
+              <a:t>Joi</a:t>
+            </a:r>
+            <a:r>
+              <a:rPr lang="en-IE" b="0" dirty="0" err="1">
+                <a:solidFill>
+                  <a:srgbClr val="D4D4D4"/>
+                </a:solidFill>
+                <a:effectLst/>
+                <a:latin typeface="Consolas" panose="020B0609020204030204" pitchFamily="49" charset="0"/>
+              </a:rPr>
+              <a:t>.</a:t>
+            </a:r>
+            <a:r>
+              <a:rPr lang="en-IE" b="0" dirty="0" err="1">
+                <a:solidFill>
+                  <a:srgbClr val="DCDCAA"/>
+                </a:solidFill>
+                <a:effectLst/>
+                <a:latin typeface="Consolas" panose="020B0609020204030204" pitchFamily="49" charset="0"/>
+              </a:rPr>
+              <a:t>string</a:t>
+            </a:r>
+            <a:r>
+              <a:rPr lang="en-IE" b="0" dirty="0">
+                <a:solidFill>
+                  <a:srgbClr val="D4D4D4"/>
+                </a:solidFill>
+                <a:effectLst/>
+                <a:latin typeface="Consolas" panose="020B0609020204030204" pitchFamily="49" charset="0"/>
+              </a:rPr>
+              <a:t>().</a:t>
+            </a:r>
+            <a:r>
+              <a:rPr lang="en-IE" b="0" dirty="0">
+                <a:solidFill>
+                  <a:srgbClr val="DCDCAA"/>
+                </a:solidFill>
+                <a:effectLst/>
+                <a:latin typeface="Consolas" panose="020B0609020204030204" pitchFamily="49" charset="0"/>
+              </a:rPr>
+              <a:t>min</a:t>
+            </a:r>
+            <a:r>
+              <a:rPr lang="en-IE" b="0" dirty="0">
+                <a:solidFill>
+                  <a:srgbClr val="D4D4D4"/>
+                </a:solidFill>
+                <a:effectLst/>
+                <a:latin typeface="Consolas" panose="020B0609020204030204" pitchFamily="49" charset="0"/>
+              </a:rPr>
+              <a:t>(</a:t>
+            </a:r>
+            <a:r>
+              <a:rPr lang="en-IE" b="0" dirty="0">
+                <a:solidFill>
+                  <a:srgbClr val="B5CEA8"/>
+                </a:solidFill>
+                <a:effectLst/>
+                <a:latin typeface="Consolas" panose="020B0609020204030204" pitchFamily="49" charset="0"/>
+              </a:rPr>
+              <a:t>1</a:t>
+            </a:r>
+            <a:r>
+              <a:rPr lang="en-IE" b="0" dirty="0">
+                <a:solidFill>
+                  <a:srgbClr val="D4D4D4"/>
+                </a:solidFill>
+                <a:effectLst/>
+                <a:latin typeface="Consolas" panose="020B0609020204030204" pitchFamily="49" charset="0"/>
+              </a:rPr>
+              <a:t>).</a:t>
+            </a:r>
+            <a:r>
+              <a:rPr lang="en-IE" b="0" dirty="0">
+                <a:solidFill>
+                  <a:srgbClr val="DCDCAA"/>
+                </a:solidFill>
+                <a:effectLst/>
+                <a:latin typeface="Consolas" panose="020B0609020204030204" pitchFamily="49" charset="0"/>
+              </a:rPr>
+              <a:t>required</a:t>
+            </a:r>
+            <a:r>
+              <a:rPr lang="en-IE" b="0" dirty="0">
+                <a:solidFill>
+                  <a:srgbClr val="D4D4D4"/>
+                </a:solidFill>
+                <a:effectLst/>
+                <a:latin typeface="Consolas" panose="020B0609020204030204" pitchFamily="49" charset="0"/>
+              </a:rPr>
+              <a:t>(),</a:t>
+            </a:r>
+          </a:p>
+          <a:p>
+            <a:r>
+              <a:rPr lang="en-IE" b="0" dirty="0">
+                <a:solidFill>
+                  <a:srgbClr val="D4D4D4"/>
+                </a:solidFill>
+                <a:effectLst/>
+                <a:latin typeface="Consolas" panose="020B0609020204030204" pitchFamily="49" charset="0"/>
+              </a:rPr>
+              <a:t>    </a:t>
+            </a:r>
+            <a:r>
+              <a:rPr lang="en-IE" b="0" dirty="0">
+                <a:solidFill>
+                  <a:srgbClr val="9CDCFE"/>
+                </a:solidFill>
+                <a:effectLst/>
+                <a:latin typeface="Consolas" panose="020B0609020204030204" pitchFamily="49" charset="0"/>
+              </a:rPr>
+              <a:t>dob:</a:t>
+            </a:r>
+            <a:r>
+              <a:rPr lang="en-IE" b="0" dirty="0">
+                <a:solidFill>
+                  <a:srgbClr val="D4D4D4"/>
+                </a:solidFill>
+                <a:effectLst/>
+                <a:latin typeface="Consolas" panose="020B0609020204030204" pitchFamily="49" charset="0"/>
+              </a:rPr>
+              <a:t> </a:t>
+            </a:r>
+            <a:r>
+              <a:rPr lang="en-IE" b="0" dirty="0" err="1">
+                <a:solidFill>
+                  <a:srgbClr val="9CDCFE"/>
+                </a:solidFill>
+                <a:effectLst/>
+                <a:latin typeface="Consolas" panose="020B0609020204030204" pitchFamily="49" charset="0"/>
+              </a:rPr>
+              <a:t>Joi</a:t>
+            </a:r>
+            <a:r>
+              <a:rPr lang="en-IE" b="0" dirty="0" err="1">
+                <a:solidFill>
+                  <a:srgbClr val="D4D4D4"/>
+                </a:solidFill>
+                <a:effectLst/>
+                <a:latin typeface="Consolas" panose="020B0609020204030204" pitchFamily="49" charset="0"/>
+              </a:rPr>
+              <a:t>.</a:t>
+            </a:r>
+            <a:r>
+              <a:rPr lang="en-IE" b="0" dirty="0" err="1">
+                <a:solidFill>
+                  <a:srgbClr val="DCDCAA"/>
+                </a:solidFill>
+                <a:effectLst/>
+                <a:latin typeface="Consolas" panose="020B0609020204030204" pitchFamily="49" charset="0"/>
+              </a:rPr>
+              <a:t>string</a:t>
+            </a:r>
+            <a:r>
+              <a:rPr lang="en-IE" b="0" dirty="0">
+                <a:solidFill>
+                  <a:srgbClr val="D4D4D4"/>
+                </a:solidFill>
+                <a:effectLst/>
+                <a:latin typeface="Consolas" panose="020B0609020204030204" pitchFamily="49" charset="0"/>
+              </a:rPr>
+              <a:t>(),</a:t>
+            </a:r>
+          </a:p>
+          <a:p>
+            <a:r>
+              <a:rPr lang="en-IE" b="0" dirty="0">
+                <a:solidFill>
+                  <a:srgbClr val="D4D4D4"/>
+                </a:solidFill>
+                <a:effectLst/>
+                <a:latin typeface="Consolas" panose="020B0609020204030204" pitchFamily="49" charset="0"/>
+              </a:rPr>
+              <a:t>    </a:t>
+            </a:r>
+            <a:r>
+              <a:rPr lang="en-IE" b="0" dirty="0">
+                <a:solidFill>
+                  <a:srgbClr val="9CDCFE"/>
+                </a:solidFill>
+                <a:effectLst/>
+                <a:latin typeface="Consolas" panose="020B0609020204030204" pitchFamily="49" charset="0"/>
+              </a:rPr>
+              <a:t>type:</a:t>
+            </a:r>
+            <a:r>
+              <a:rPr lang="en-IE" b="0" dirty="0">
+                <a:solidFill>
+                  <a:srgbClr val="D4D4D4"/>
+                </a:solidFill>
+                <a:effectLst/>
+                <a:latin typeface="Consolas" panose="020B0609020204030204" pitchFamily="49" charset="0"/>
+              </a:rPr>
+              <a:t> </a:t>
+            </a:r>
+            <a:r>
+              <a:rPr lang="en-IE" b="0" dirty="0" err="1">
+                <a:solidFill>
+                  <a:srgbClr val="9CDCFE"/>
+                </a:solidFill>
+                <a:effectLst/>
+                <a:latin typeface="Consolas" panose="020B0609020204030204" pitchFamily="49" charset="0"/>
+              </a:rPr>
+              <a:t>Joi</a:t>
+            </a:r>
+            <a:r>
+              <a:rPr lang="en-IE" b="0" dirty="0" err="1">
+                <a:solidFill>
+                  <a:srgbClr val="D4D4D4"/>
+                </a:solidFill>
+                <a:effectLst/>
+                <a:latin typeface="Consolas" panose="020B0609020204030204" pitchFamily="49" charset="0"/>
+              </a:rPr>
+              <a:t>.</a:t>
+            </a:r>
+            <a:r>
+              <a:rPr lang="en-IE" b="0" dirty="0" err="1">
+                <a:solidFill>
+                  <a:srgbClr val="DCDCAA"/>
+                </a:solidFill>
+                <a:effectLst/>
+                <a:latin typeface="Consolas" panose="020B0609020204030204" pitchFamily="49" charset="0"/>
+              </a:rPr>
+              <a:t>string</a:t>
+            </a:r>
+            <a:r>
+              <a:rPr lang="en-IE" b="0" dirty="0">
+                <a:solidFill>
+                  <a:srgbClr val="D4D4D4"/>
+                </a:solidFill>
+                <a:effectLst/>
+                <a:latin typeface="Consolas" panose="020B0609020204030204" pitchFamily="49" charset="0"/>
+              </a:rPr>
+              <a:t>()</a:t>
+            </a:r>
+          </a:p>
+          <a:p>
+            <a:r>
+              <a:rPr lang="en-IE" b="0" dirty="0">
+                <a:solidFill>
+                  <a:srgbClr val="D4D4D4"/>
+                </a:solidFill>
+                <a:effectLst/>
+                <a:latin typeface="Consolas" panose="020B0609020204030204" pitchFamily="49" charset="0"/>
+              </a:rPr>
+              <a:t>});</a:t>
+            </a:r>
+          </a:p>
+          <a:p>
+            <a:br>
+              <a:rPr lang="en-IE" b="0" dirty="0">
+                <a:solidFill>
+                  <a:srgbClr val="D4D4D4"/>
+                </a:solidFill>
+                <a:effectLst/>
+                <a:latin typeface="Consolas" panose="020B0609020204030204" pitchFamily="49" charset="0"/>
+              </a:rPr>
+            </a:br>
+            <a:r>
+              <a:rPr lang="en-IE" b="0" dirty="0">
+                <a:solidFill>
+                  <a:srgbClr val="C586C0"/>
+                </a:solidFill>
+                <a:effectLst/>
+                <a:latin typeface="Consolas" panose="020B0609020204030204" pitchFamily="49" charset="0"/>
+              </a:rPr>
+              <a:t>export</a:t>
+            </a:r>
+            <a:r>
+              <a:rPr lang="en-IE" b="0" dirty="0">
+                <a:solidFill>
+                  <a:srgbClr val="D4D4D4"/>
+                </a:solidFill>
+                <a:effectLst/>
+                <a:latin typeface="Consolas" panose="020B0609020204030204" pitchFamily="49" charset="0"/>
+              </a:rPr>
+              <a:t> </a:t>
+            </a:r>
+            <a:r>
+              <a:rPr lang="en-IE" b="0" dirty="0">
+                <a:solidFill>
+                  <a:srgbClr val="C586C0"/>
+                </a:solidFill>
+                <a:effectLst/>
+                <a:latin typeface="Consolas" panose="020B0609020204030204" pitchFamily="49" charset="0"/>
+              </a:rPr>
+              <a:t>default</a:t>
+            </a:r>
+            <a:r>
+              <a:rPr lang="en-IE" b="0" dirty="0">
+                <a:solidFill>
+                  <a:srgbClr val="D4D4D4"/>
+                </a:solidFill>
+                <a:effectLst/>
+                <a:latin typeface="Consolas" panose="020B0609020204030204" pitchFamily="49" charset="0"/>
+              </a:rPr>
+              <a:t>  </a:t>
+            </a:r>
+            <a:r>
+              <a:rPr lang="en-IE" b="0" dirty="0" err="1">
+                <a:solidFill>
+                  <a:srgbClr val="4FC1FF"/>
+                </a:solidFill>
+                <a:effectLst/>
+                <a:latin typeface="Consolas" panose="020B0609020204030204" pitchFamily="49" charset="0"/>
+              </a:rPr>
+              <a:t>userSchema</a:t>
+            </a:r>
+            <a:r>
+              <a:rPr lang="en-IE" b="0" dirty="0">
+                <a:solidFill>
+                  <a:srgbClr val="D4D4D4"/>
+                </a:solidFill>
+                <a:effectLst/>
+                <a:latin typeface="Consolas" panose="020B0609020204030204" pitchFamily="49" charset="0"/>
+              </a:rPr>
+              <a:t>;</a:t>
+            </a:r>
+          </a:p>
+        </p:txBody>
+      </p:sp>
+      <p:sp>
+        <p:nvSpPr>
+          <p:cNvPr id="2" name="Title 1">
+            <a:extLst>
+              <a:ext uri="{FF2B5EF4-FFF2-40B4-BE49-F238E27FC236}">
+                <a16:creationId xmlns:a16="http://schemas.microsoft.com/office/drawing/2014/main" id="{57E9A963-183F-4420-A850-76BFA67EA444}"/>
+              </a:ext>
+            </a:extLst>
+          </p:cNvPr>
+          <p:cNvSpPr>
+            <a:spLocks noGrp="1"/>
+          </p:cNvSpPr>
+          <p:nvPr>
+            <p:ph type="title"/>
+          </p:nvPr>
+        </p:nvSpPr>
+        <p:spPr/>
+        <p:txBody>
+          <a:bodyPr/>
+          <a:lstStyle/>
+          <a:p>
+            <a:r>
+              <a:rPr lang="en-IE" dirty="0"/>
+              <a:t>Using Joi: Define Schema</a:t>
+            </a:r>
+          </a:p>
+        </p:txBody>
+      </p:sp>
+      <p:sp>
+        <p:nvSpPr>
+          <p:cNvPr id="8" name="Callout: Line with Border and Accent Bar 7">
+            <a:extLst>
+              <a:ext uri="{FF2B5EF4-FFF2-40B4-BE49-F238E27FC236}">
+                <a16:creationId xmlns:a16="http://schemas.microsoft.com/office/drawing/2014/main" id="{7780B7D1-0B82-4D31-B8EE-119BE7B032B9}"/>
+              </a:ext>
+            </a:extLst>
+          </p:cNvPr>
+          <p:cNvSpPr/>
+          <p:nvPr/>
+        </p:nvSpPr>
+        <p:spPr>
+          <a:xfrm>
+            <a:off x="8045392" y="1253728"/>
+            <a:ext cx="3794183" cy="1143794"/>
+          </a:xfrm>
+          <a:prstGeom prst="accentBorderCallout1">
+            <a:avLst>
+              <a:gd name="adj1" fmla="val 18750"/>
+              <a:gd name="adj2" fmla="val -8333"/>
+              <a:gd name="adj3" fmla="val 141894"/>
+              <a:gd name="adj4" fmla="val -90360"/>
+            </a:avLst>
+          </a:prstGeom>
+        </p:spPr>
+        <p:style>
+          <a:lnRef idx="2">
+            <a:schemeClr val="accent1">
+              <a:shade val="50000"/>
+            </a:schemeClr>
+          </a:lnRef>
+          <a:fillRef idx="1">
+            <a:schemeClr val="accent1"/>
+          </a:fillRef>
+          <a:effectRef idx="0">
+            <a:schemeClr val="accent1"/>
+          </a:effectRef>
+          <a:fontRef idx="minor">
+            <a:schemeClr val="lt1"/>
+          </a:fontRef>
+        </p:style>
+        <p:txBody>
+          <a:bodyPr rtlCol="0" anchor="ctr"/>
+          <a:lstStyle/>
+          <a:p>
+            <a:pPr algn="ctr"/>
+            <a:r>
+              <a:rPr lang="en-IE" dirty="0"/>
+              <a:t>email is a String, formatted as email, lowercase, and must be present(required)</a:t>
+            </a:r>
+          </a:p>
+        </p:txBody>
+      </p:sp>
+      <p:sp>
+        <p:nvSpPr>
+          <p:cNvPr id="9" name="Callout: Line with Border and Accent Bar 8">
+            <a:extLst>
+              <a:ext uri="{FF2B5EF4-FFF2-40B4-BE49-F238E27FC236}">
+                <a16:creationId xmlns:a16="http://schemas.microsoft.com/office/drawing/2014/main" id="{3DEF0D50-1011-480F-8DB3-F060B7FFABD5}"/>
+              </a:ext>
+            </a:extLst>
+          </p:cNvPr>
+          <p:cNvSpPr/>
+          <p:nvPr/>
+        </p:nvSpPr>
+        <p:spPr>
+          <a:xfrm>
+            <a:off x="7901013" y="2507102"/>
+            <a:ext cx="3794183" cy="1143794"/>
+          </a:xfrm>
+          <a:prstGeom prst="accentBorderCallout1">
+            <a:avLst>
+              <a:gd name="adj1" fmla="val 18750"/>
+              <a:gd name="adj2" fmla="val -8333"/>
+              <a:gd name="adj3" fmla="val 64813"/>
+              <a:gd name="adj4" fmla="val -37738"/>
+            </a:avLst>
+          </a:prstGeom>
+        </p:spPr>
+        <p:style>
+          <a:lnRef idx="2">
+            <a:schemeClr val="accent1">
+              <a:shade val="50000"/>
+            </a:schemeClr>
+          </a:lnRef>
+          <a:fillRef idx="1">
+            <a:schemeClr val="accent1"/>
+          </a:fillRef>
+          <a:effectRef idx="0">
+            <a:schemeClr val="accent1"/>
+          </a:effectRef>
+          <a:fontRef idx="minor">
+            <a:schemeClr val="lt1"/>
+          </a:fontRef>
+        </p:style>
+        <p:txBody>
+          <a:bodyPr rtlCol="0" anchor="ctr"/>
+          <a:lstStyle/>
+          <a:p>
+            <a:pPr algn="ctr"/>
+            <a:r>
+              <a:rPr lang="en-IE" dirty="0"/>
+              <a:t>Password is a String, length of 4 or longer, and must be present</a:t>
+            </a:r>
+          </a:p>
+        </p:txBody>
+      </p:sp>
+      <p:sp>
+        <p:nvSpPr>
+          <p:cNvPr id="10" name="Callout: Line with Border and Accent Bar 9">
+            <a:extLst>
+              <a:ext uri="{FF2B5EF4-FFF2-40B4-BE49-F238E27FC236}">
+                <a16:creationId xmlns:a16="http://schemas.microsoft.com/office/drawing/2014/main" id="{2D6C0A67-C255-4387-8801-4D2123D79860}"/>
+              </a:ext>
+            </a:extLst>
+          </p:cNvPr>
+          <p:cNvSpPr/>
+          <p:nvPr/>
+        </p:nvSpPr>
+        <p:spPr>
+          <a:xfrm>
+            <a:off x="8045392" y="3895413"/>
+            <a:ext cx="3794183" cy="1143794"/>
+          </a:xfrm>
+          <a:prstGeom prst="accentBorderCallout1">
+            <a:avLst>
+              <a:gd name="adj1" fmla="val 18750"/>
+              <a:gd name="adj2" fmla="val -8333"/>
+              <a:gd name="adj3" fmla="val -30619"/>
+              <a:gd name="adj4" fmla="val -52501"/>
+            </a:avLst>
+          </a:prstGeom>
+        </p:spPr>
+        <p:style>
+          <a:lnRef idx="2">
+            <a:schemeClr val="accent1">
+              <a:shade val="50000"/>
+            </a:schemeClr>
+          </a:lnRef>
+          <a:fillRef idx="1">
+            <a:schemeClr val="accent1"/>
+          </a:fillRef>
+          <a:effectRef idx="0">
+            <a:schemeClr val="accent1"/>
+          </a:effectRef>
+          <a:fontRef idx="minor">
+            <a:schemeClr val="lt1"/>
+          </a:fontRef>
+        </p:style>
+        <p:txBody>
+          <a:bodyPr rtlCol="0" anchor="ctr"/>
+          <a:lstStyle/>
+          <a:p>
+            <a:pPr algn="ctr"/>
+            <a:r>
+              <a:rPr lang="en-IE" dirty="0"/>
+              <a:t>name is a String at least one character long</a:t>
+            </a:r>
+          </a:p>
+        </p:txBody>
+      </p:sp>
+      <p:sp>
+        <p:nvSpPr>
+          <p:cNvPr id="5" name="TextBox 4">
+            <a:extLst>
+              <a:ext uri="{FF2B5EF4-FFF2-40B4-BE49-F238E27FC236}">
+                <a16:creationId xmlns:a16="http://schemas.microsoft.com/office/drawing/2014/main" id="{8254B407-1813-7E5C-F122-33FD597B49D9}"/>
+              </a:ext>
+            </a:extLst>
+          </p:cNvPr>
+          <p:cNvSpPr txBox="1"/>
+          <p:nvPr/>
+        </p:nvSpPr>
+        <p:spPr>
+          <a:xfrm>
+            <a:off x="1752600" y="6032500"/>
+            <a:ext cx="5446427" cy="369332"/>
+          </a:xfrm>
+          <a:prstGeom prst="rect">
+            <a:avLst/>
+          </a:prstGeom>
+          <a:noFill/>
+        </p:spPr>
+        <p:txBody>
+          <a:bodyPr wrap="none" rtlCol="0">
+            <a:spAutoFit/>
+          </a:bodyPr>
+          <a:lstStyle/>
+          <a:p>
+            <a:r>
+              <a:rPr lang="en-IE" dirty="0"/>
+              <a:t>Note: This is not a good schema! We will improve later…</a:t>
+            </a:r>
+          </a:p>
+        </p:txBody>
+      </p:sp>
+    </p:spTree>
+    <p:extLst>
+      <p:ext uri="{BB962C8B-B14F-4D97-AF65-F5344CB8AC3E}">
+        <p14:creationId xmlns:p14="http://schemas.microsoft.com/office/powerpoint/2010/main" val="956900551"/>
+      </p:ext>
+    </p:extLst>
+  </p:cSld>
+  <p:clrMapOvr>
+    <a:masterClrMapping/>
+  </p:clrMapOvr>
+</p:sld>
+</file>
+
+<file path=ppt/slides/slide11.xml><?xml version="1.0" encoding="utf-8"?>
 <p:sld xmlns:a="http://schemas.openxmlformats.org/drawingml/2006/main" xmlns:r="http://schemas.openxmlformats.org/officeDocument/2006/relationships" xmlns:p="http://schemas.openxmlformats.org/presentationml/2006/main">
   <p:cSld>
     <p:spTree>
@@ -4664,8 +9264,8 @@
             <a:chExt cx="1133280" cy="685080"/>
           </a:xfrm>
         </p:grpSpPr>
-        <mc:AlternateContent xmlns:mc="http://schemas.openxmlformats.org/markup-compatibility/2006">
-          <mc:Choice xmlns:p14="http://schemas.microsoft.com/office/powerpoint/2010/main" Requires="p14">
+        <mc:AlternateContent xmlns:mc="http://schemas.openxmlformats.org/markup-compatibility/2006" xmlns:p14="http://schemas.microsoft.com/office/powerpoint/2010/main">
+          <mc:Choice Requires="p14">
             <p:contentPart p14:bwMode="auto" r:id="rId3">
               <p14:nvContentPartPr>
                 <p14:cNvPr id="8" name="Ink 7">
@@ -4684,7 +9284,7 @@
               </p14:xfrm>
             </p:contentPart>
           </mc:Choice>
-          <mc:Fallback>
+          <mc:Fallback xmlns="">
             <p:pic>
               <p:nvPicPr>
                 <p:cNvPr id="8" name="Ink 7">
@@ -4715,8 +9315,8 @@
             </p:pic>
           </mc:Fallback>
         </mc:AlternateContent>
-        <mc:AlternateContent xmlns:mc="http://schemas.openxmlformats.org/markup-compatibility/2006">
-          <mc:Choice xmlns:p14="http://schemas.microsoft.com/office/powerpoint/2010/main" Requires="p14">
+        <mc:AlternateContent xmlns:mc="http://schemas.openxmlformats.org/markup-compatibility/2006" xmlns:p14="http://schemas.microsoft.com/office/powerpoint/2010/main">
+          <mc:Choice Requires="p14">
             <p:contentPart p14:bwMode="auto" r:id="rId5">
               <p14:nvContentPartPr>
                 <p14:cNvPr id="9" name="Ink 8">
@@ -4735,7 +9335,7 @@
               </p14:xfrm>
             </p:contentPart>
           </mc:Choice>
-          <mc:Fallback>
+          <mc:Fallback xmlns="">
             <p:pic>
               <p:nvPicPr>
                 <p:cNvPr id="9" name="Ink 8">
@@ -4766,8 +9366,8 @@
             </p:pic>
           </mc:Fallback>
         </mc:AlternateContent>
-        <mc:AlternateContent xmlns:mc="http://schemas.openxmlformats.org/markup-compatibility/2006">
-          <mc:Choice xmlns:p14="http://schemas.microsoft.com/office/powerpoint/2010/main" Requires="p14">
+        <mc:AlternateContent xmlns:mc="http://schemas.openxmlformats.org/markup-compatibility/2006" xmlns:p14="http://schemas.microsoft.com/office/powerpoint/2010/main">
+          <mc:Choice Requires="p14">
             <p:contentPart p14:bwMode="auto" r:id="rId7">
               <p14:nvContentPartPr>
                 <p14:cNvPr id="10" name="Ink 9">
@@ -4786,7 +9386,7 @@
               </p14:xfrm>
             </p:contentPart>
           </mc:Choice>
-          <mc:Fallback>
+          <mc:Fallback xmlns="">
             <p:pic>
               <p:nvPicPr>
                 <p:cNvPr id="10" name="Ink 9">
@@ -4838,8 +9438,8 @@
             <a:chExt cx="958680" cy="241200"/>
           </a:xfrm>
         </p:grpSpPr>
-        <mc:AlternateContent xmlns:mc="http://schemas.openxmlformats.org/markup-compatibility/2006">
-          <mc:Choice xmlns:p14="http://schemas.microsoft.com/office/powerpoint/2010/main" Requires="p14">
+        <mc:AlternateContent xmlns:mc="http://schemas.openxmlformats.org/markup-compatibility/2006" xmlns:p14="http://schemas.microsoft.com/office/powerpoint/2010/main">
+          <mc:Choice Requires="p14">
             <p:contentPart p14:bwMode="auto" r:id="rId9">
               <p14:nvContentPartPr>
                 <p14:cNvPr id="12" name="Ink 11">
@@ -4858,7 +9458,7 @@
               </p14:xfrm>
             </p:contentPart>
           </mc:Choice>
-          <mc:Fallback>
+          <mc:Fallback xmlns="">
             <p:pic>
               <p:nvPicPr>
                 <p:cNvPr id="12" name="Ink 11">
@@ -4889,8 +9489,8 @@
             </p:pic>
           </mc:Fallback>
         </mc:AlternateContent>
-        <mc:AlternateContent xmlns:mc="http://schemas.openxmlformats.org/markup-compatibility/2006">
-          <mc:Choice xmlns:p14="http://schemas.microsoft.com/office/powerpoint/2010/main" Requires="p14">
+        <mc:AlternateContent xmlns:mc="http://schemas.openxmlformats.org/markup-compatibility/2006" xmlns:p14="http://schemas.microsoft.com/office/powerpoint/2010/main">
+          <mc:Choice Requires="p14">
             <p:contentPart p14:bwMode="auto" r:id="rId11">
               <p14:nvContentPartPr>
                 <p14:cNvPr id="13" name="Ink 12">
@@ -4909,7 +9509,7 @@
               </p14:xfrm>
             </p:contentPart>
           </mc:Choice>
-          <mc:Fallback>
+          <mc:Fallback xmlns="">
             <p:pic>
               <p:nvPicPr>
                 <p:cNvPr id="13" name="Ink 12">
@@ -4989,7 +9589,7 @@
 </p:sld>
 </file>
 
-<file path=ppt/slides/slide11.xml><?xml version="1.0" encoding="utf-8"?>
+<file path=ppt/slides/slide12.xml><?xml version="1.0" encoding="utf-8"?>
 <p:sld xmlns:a="http://schemas.openxmlformats.org/drawingml/2006/main" xmlns:r="http://schemas.openxmlformats.org/officeDocument/2006/relationships" xmlns:p="http://schemas.openxmlformats.org/presentationml/2006/main">
   <p:cSld>
     <p:spTree>
@@ -5089,7 +9689,7 @@
           <a:p>
             <a:r>
               <a:rPr lang="en-IE" dirty="0"/>
-              <a:t>Validation Schema, Router</a:t>
+              <a:t>User Validation Controller, Routing Middleware</a:t>
             </a:r>
           </a:p>
         </p:txBody>
@@ -5309,8 +9909,8 @@
           </mc:Fallback>
         </mc:AlternateContent>
       </p:grpSp>
-      <mc:AlternateContent xmlns:mc="http://schemas.openxmlformats.org/markup-compatibility/2006">
-        <mc:Choice xmlns:p14="http://schemas.microsoft.com/office/powerpoint/2010/main" Requires="p14">
+      <mc:AlternateContent xmlns:mc="http://schemas.openxmlformats.org/markup-compatibility/2006" xmlns:p14="http://schemas.microsoft.com/office/powerpoint/2010/main">
+        <mc:Choice Requires="p14">
           <p:contentPart p14:bwMode="auto" r:id="rId10">
             <p14:nvContentPartPr>
               <p14:cNvPr id="16" name="Ink 15">
@@ -5329,7 +9929,7 @@
             </p14:xfrm>
           </p:contentPart>
         </mc:Choice>
-        <mc:Fallback>
+        <mc:Fallback xmlns="">
           <p:pic>
             <p:nvPicPr>
               <p:cNvPr id="16" name="Ink 15">
@@ -5360,8 +9960,8 @@
           </p:pic>
         </mc:Fallback>
       </mc:AlternateContent>
-      <mc:AlternateContent xmlns:mc="http://schemas.openxmlformats.org/markup-compatibility/2006">
-        <mc:Choice xmlns:p14="http://schemas.microsoft.com/office/powerpoint/2010/main" Requires="p14">
+      <mc:AlternateContent xmlns:mc="http://schemas.openxmlformats.org/markup-compatibility/2006" xmlns:p14="http://schemas.microsoft.com/office/powerpoint/2010/main">
+        <mc:Choice Requires="p14">
           <p:contentPart p14:bwMode="auto" r:id="rId12">
             <p14:nvContentPartPr>
               <p14:cNvPr id="17" name="Ink 16">
@@ -5380,7 +9980,7 @@
             </p14:xfrm>
           </p:contentPart>
         </mc:Choice>
-        <mc:Fallback>
+        <mc:Fallback xmlns="">
           <p:pic>
             <p:nvPicPr>
               <p:cNvPr id="17" name="Ink 16">
@@ -5494,7 +10094,7 @@
 </p:sld>
 </file>
 
-<file path=ppt/slides/slide12.xml><?xml version="1.0" encoding="utf-8"?>
+<file path=ppt/slides/slide13.xml><?xml version="1.0" encoding="utf-8"?>
 <p:sld xmlns:a="http://schemas.openxmlformats.org/drawingml/2006/main" xmlns:r="http://schemas.openxmlformats.org/officeDocument/2006/relationships" xmlns:p="http://schemas.openxmlformats.org/presentationml/2006/main">
   <p:cSld>
     <p:spTree>
@@ -5729,7 +10329,7 @@
 </p:sld>
 </file>
 
-<file path=ppt/slides/slide13.xml><?xml version="1.0" encoding="utf-8"?>
+<file path=ppt/slides/slide14.xml><?xml version="1.0" encoding="utf-8"?>
 <p:sld xmlns:a="http://schemas.openxmlformats.org/drawingml/2006/main" xmlns:r="http://schemas.openxmlformats.org/officeDocument/2006/relationships" xmlns:p="http://schemas.openxmlformats.org/presentationml/2006/main">
   <p:cSld>
     <p:spTree>
@@ -5899,7 +10499,7 @@
 </p:sld>
 </file>
 
-<file path=ppt/slides/slide14.xml><?xml version="1.0" encoding="utf-8"?>
+<file path=ppt/slides/slide15.xml><?xml version="1.0" encoding="utf-8"?>
 <p:sld xmlns:a="http://schemas.openxmlformats.org/drawingml/2006/main" xmlns:r="http://schemas.openxmlformats.org/officeDocument/2006/relationships" xmlns:p="http://schemas.openxmlformats.org/presentationml/2006/main">
   <p:cSld>
     <p:spTree>
@@ -6586,12 +11186,47 @@
             <p:ph type="body" idx="1"/>
           </p:nvPr>
         </p:nvSpPr>
-        <p:spPr/>
+        <p:spPr>
+          <a:xfrm>
+            <a:off x="824476" y="4589463"/>
+            <a:ext cx="10515600" cy="1500187"/>
+          </a:xfrm>
+        </p:spPr>
         <p:txBody>
           <a:bodyPr/>
           <a:lstStyle/>
           <a:p>
-            <a:endParaRPr lang="en-IE"/>
+            <a:r>
+              <a:rPr lang="en-GB" b="1" i="0" dirty="0">
+                <a:solidFill>
+                  <a:srgbClr val="363636"/>
+                </a:solidFill>
+                <a:effectLst/>
+                <a:latin typeface="Lato" panose="020F0502020204030203" pitchFamily="34" charset="0"/>
+              </a:rPr>
+              <a:t>“</a:t>
+            </a:r>
+            <a:r>
+              <a:rPr lang="en-GB" b="1" i="0" dirty="0" err="1">
+                <a:solidFill>
+                  <a:srgbClr val="363636"/>
+                </a:solidFill>
+                <a:effectLst/>
+                <a:latin typeface="Lato" panose="020F0502020204030203" pitchFamily="34" charset="0"/>
+              </a:rPr>
+              <a:t>joi</a:t>
+            </a:r>
+            <a:r>
+              <a:rPr lang="en-GB" b="0" i="0" dirty="0">
+                <a:solidFill>
+                  <a:srgbClr val="333333"/>
+                </a:solidFill>
+                <a:effectLst/>
+                <a:latin typeface="Lato" panose="020F0502020204030203" pitchFamily="34" charset="0"/>
+              </a:rPr>
+              <a:t> lets you describe your data using a simple, intuitive, and readable language.”</a:t>
+            </a:r>
+            <a:endParaRPr lang="en-IE" dirty="0"/>
           </a:p>
         </p:txBody>
       </p:sp>
@@ -6683,8 +11318,8 @@
           </a:prstGeom>
         </p:spPr>
       </p:pic>
-      <mc:AlternateContent xmlns:mc="http://schemas.openxmlformats.org/markup-compatibility/2006">
-        <mc:Choice xmlns:p14="http://schemas.microsoft.com/office/powerpoint/2010/main" Requires="p14">
+      <mc:AlternateContent xmlns:mc="http://schemas.openxmlformats.org/markup-compatibility/2006" xmlns:p14="http://schemas.microsoft.com/office/powerpoint/2010/main">
+        <mc:Choice Requires="p14">
           <p:contentPart p14:bwMode="auto" r:id="rId3">
             <p14:nvContentPartPr>
               <p14:cNvPr id="6" name="Ink 5">
@@ -6703,7 +11338,7 @@
             </p14:xfrm>
           </p:contentPart>
         </mc:Choice>
-        <mc:Fallback>
+        <mc:Fallback xmlns="">
           <p:pic>
             <p:nvPicPr>
               <p:cNvPr id="6" name="Ink 5">
@@ -6734,8 +11369,8 @@
           </p:pic>
         </mc:Fallback>
       </mc:AlternateContent>
-      <mc:AlternateContent xmlns:mc="http://schemas.openxmlformats.org/markup-compatibility/2006">
-        <mc:Choice xmlns:p14="http://schemas.microsoft.com/office/powerpoint/2010/main" Requires="p14">
+      <mc:AlternateContent xmlns:mc="http://schemas.openxmlformats.org/markup-compatibility/2006" xmlns:p14="http://schemas.microsoft.com/office/powerpoint/2010/main">
+        <mc:Choice Requires="p14">
           <p:contentPart p14:bwMode="auto" r:id="rId5">
             <p14:nvContentPartPr>
               <p14:cNvPr id="7" name="Ink 6">
@@ -6754,7 +11389,7 @@
             </p14:xfrm>
           </p:contentPart>
         </mc:Choice>
-        <mc:Fallback>
+        <mc:Fallback xmlns="">
           <p:pic>
             <p:nvPicPr>
               <p:cNvPr id="7" name="Ink 6">
@@ -25121,56 +29756,64 @@
           <a:lstStyle/>
           <a:p>
             <a:r>
-              <a:rPr lang="en-IE" sz="1700"/>
-              <a:t>Mongoose, Sequelize, Knex provide for specification of validation constraints: </a:t>
+              <a:rPr lang="en-IE" sz="1700" dirty="0"/>
+              <a:t>Mongoose, </a:t>
+            </a:r>
+            <a:r>
+              <a:rPr lang="en-IE" sz="1700" dirty="0" err="1"/>
+              <a:t>Sequelize</a:t>
+            </a:r>
+            <a:r>
+              <a:rPr lang="en-IE" sz="1700" dirty="0"/>
+              <a:t>, Knex provide for specification of validation constraints: </a:t>
             </a:r>
           </a:p>
           <a:p>
             <a:pPr lvl="1"/>
             <a:r>
-              <a:rPr lang="en-IE" sz="1700"/>
+              <a:rPr lang="en-IE" sz="1700" dirty="0"/>
               <a:t>Handled in the application before persisting to DB</a:t>
             </a:r>
           </a:p>
           <a:p>
             <a:pPr lvl="1"/>
             <a:r>
-              <a:rPr lang="en-IE" sz="1700"/>
+              <a:rPr lang="en-IE" sz="1700" dirty="0"/>
               <a:t>Good for enforcing Data layer rules (primary keys, no duplicate values)</a:t>
             </a:r>
           </a:p>
           <a:p>
             <a:pPr lvl="1"/>
             <a:r>
-              <a:rPr lang="en-IE" sz="1700"/>
+              <a:rPr lang="en-IE" sz="1700" dirty="0"/>
               <a:t>Tightly coupled to the  ORM implementation (what if I want to change DB?)</a:t>
             </a:r>
           </a:p>
           <a:p>
             <a:r>
-              <a:rPr lang="en-IE" sz="1700"/>
+              <a:rPr lang="en-IE" sz="1700" dirty="0"/>
               <a:t>In an API, data arriving via HTTP to endpoints</a:t>
             </a:r>
           </a:p>
           <a:p>
             <a:pPr lvl="1"/>
             <a:r>
-              <a:rPr lang="en-IE" sz="1700"/>
+              <a:rPr lang="en-IE" sz="1700" dirty="0"/>
               <a:t>Good idea Validate at request level, using validation middleware/controller</a:t>
             </a:r>
           </a:p>
           <a:p>
             <a:pPr lvl="1"/>
             <a:r>
-              <a:rPr lang="en-IE" sz="1700"/>
+              <a:rPr lang="en-IE" sz="1700" dirty="0"/>
               <a:t>In Express we can use </a:t>
             </a:r>
             <a:r>
-              <a:rPr lang="en-IE" sz="1700" b="1"/>
+              <a:rPr lang="en-IE" sz="1700" b="1" dirty="0"/>
               <a:t>middleware</a:t>
             </a:r>
             <a:r>
-              <a:rPr lang="en-IE" sz="1700"/>
+              <a:rPr lang="en-IE" sz="1700" dirty="0"/>
               <a:t> on the route.</a:t>
             </a:r>
           </a:p>
@@ -25178,7 +29821,7 @@
             <a:pPr marL="0" indent="0">
               <a:buNone/>
             </a:pPr>
-            <a:endParaRPr lang="en-IE" sz="1700"/>
+            <a:endParaRPr lang="en-IE" sz="1700" dirty="0"/>
           </a:p>
         </p:txBody>
       </p:sp>
@@ -27196,857 +31839,10 @@
       </p:grpSpPr>
       <p:sp>
         <p:nvSpPr>
-          <p:cNvPr id="4" name="TextBox 3">
-            <a:extLst>
-              <a:ext uri="{FF2B5EF4-FFF2-40B4-BE49-F238E27FC236}">
-                <a16:creationId xmlns:a16="http://schemas.microsoft.com/office/drawing/2014/main" id="{B99BC0C3-0089-FD15-8B4B-B3DC97C31978}"/>
-              </a:ext>
-            </a:extLst>
-          </p:cNvPr>
-          <p:cNvSpPr txBox="1"/>
-          <p:nvPr/>
-        </p:nvSpPr>
-        <p:spPr>
-          <a:xfrm>
-            <a:off x="838200" y="1720840"/>
-            <a:ext cx="6096000" cy="3416320"/>
-          </a:xfrm>
-          <a:prstGeom prst="rect">
-            <a:avLst/>
-          </a:prstGeom>
-          <a:solidFill>
-            <a:schemeClr val="tx1"/>
-          </a:solidFill>
-        </p:spPr>
-        <p:txBody>
-          <a:bodyPr wrap="square">
-            <a:spAutoFit/>
-          </a:bodyPr>
-          <a:lstStyle/>
-          <a:p>
-            <a:r>
-              <a:rPr lang="en-IE" b="0" dirty="0">
-                <a:solidFill>
-                  <a:srgbClr val="C586C0"/>
-                </a:solidFill>
-                <a:effectLst/>
-                <a:latin typeface="Consolas" panose="020B0609020204030204" pitchFamily="49" charset="0"/>
-              </a:rPr>
-              <a:t>import</a:t>
-            </a:r>
-            <a:r>
-              <a:rPr lang="en-IE" b="0" dirty="0">
-                <a:solidFill>
-                  <a:srgbClr val="D4D4D4"/>
-                </a:solidFill>
-                <a:effectLst/>
-                <a:latin typeface="Consolas" panose="020B0609020204030204" pitchFamily="49" charset="0"/>
-              </a:rPr>
-              <a:t> </a:t>
-            </a:r>
-            <a:r>
-              <a:rPr lang="en-IE" b="0" dirty="0">
-                <a:solidFill>
-                  <a:srgbClr val="9CDCFE"/>
-                </a:solidFill>
-                <a:effectLst/>
-                <a:latin typeface="Consolas" panose="020B0609020204030204" pitchFamily="49" charset="0"/>
-              </a:rPr>
-              <a:t>Joi</a:t>
-            </a:r>
-            <a:r>
-              <a:rPr lang="en-IE" b="0" dirty="0">
-                <a:solidFill>
-                  <a:srgbClr val="D4D4D4"/>
-                </a:solidFill>
-                <a:effectLst/>
-                <a:latin typeface="Consolas" panose="020B0609020204030204" pitchFamily="49" charset="0"/>
-              </a:rPr>
-              <a:t> </a:t>
-            </a:r>
-            <a:r>
-              <a:rPr lang="en-IE" b="0" dirty="0">
-                <a:solidFill>
-                  <a:srgbClr val="C586C0"/>
-                </a:solidFill>
-                <a:effectLst/>
-                <a:latin typeface="Consolas" panose="020B0609020204030204" pitchFamily="49" charset="0"/>
-              </a:rPr>
-              <a:t>from</a:t>
-            </a:r>
-            <a:r>
-              <a:rPr lang="en-IE" b="0" dirty="0">
-                <a:solidFill>
-                  <a:srgbClr val="D4D4D4"/>
-                </a:solidFill>
-                <a:effectLst/>
-                <a:latin typeface="Consolas" panose="020B0609020204030204" pitchFamily="49" charset="0"/>
-              </a:rPr>
-              <a:t> </a:t>
-            </a:r>
-            <a:r>
-              <a:rPr lang="en-IE" b="0" dirty="0">
-                <a:solidFill>
-                  <a:srgbClr val="CE9178"/>
-                </a:solidFill>
-                <a:effectLst/>
-                <a:latin typeface="Consolas" panose="020B0609020204030204" pitchFamily="49" charset="0"/>
-              </a:rPr>
-              <a:t>'</a:t>
-            </a:r>
-            <a:r>
-              <a:rPr lang="en-IE" b="0" dirty="0" err="1">
-                <a:solidFill>
-                  <a:srgbClr val="CE9178"/>
-                </a:solidFill>
-                <a:effectLst/>
-                <a:latin typeface="Consolas" panose="020B0609020204030204" pitchFamily="49" charset="0"/>
-              </a:rPr>
-              <a:t>joi</a:t>
-            </a:r>
-            <a:r>
-              <a:rPr lang="en-IE" b="0" dirty="0">
-                <a:solidFill>
-                  <a:srgbClr val="CE9178"/>
-                </a:solidFill>
-                <a:effectLst/>
-                <a:latin typeface="Consolas" panose="020B0609020204030204" pitchFamily="49" charset="0"/>
-              </a:rPr>
-              <a:t>'</a:t>
-            </a:r>
-            <a:r>
-              <a:rPr lang="en-IE" b="0" dirty="0">
-                <a:solidFill>
-                  <a:srgbClr val="D4D4D4"/>
-                </a:solidFill>
-                <a:effectLst/>
-                <a:latin typeface="Consolas" panose="020B0609020204030204" pitchFamily="49" charset="0"/>
-              </a:rPr>
-              <a:t>;</a:t>
-            </a:r>
-          </a:p>
-          <a:p>
-            <a:br>
-              <a:rPr lang="en-IE" b="0" dirty="0">
-                <a:solidFill>
-                  <a:srgbClr val="D4D4D4"/>
-                </a:solidFill>
-                <a:effectLst/>
-                <a:latin typeface="Consolas" panose="020B0609020204030204" pitchFamily="49" charset="0"/>
-              </a:rPr>
-            </a:br>
-            <a:r>
-              <a:rPr lang="en-IE" b="0" dirty="0" err="1">
-                <a:solidFill>
-                  <a:srgbClr val="569CD6"/>
-                </a:solidFill>
-                <a:effectLst/>
-                <a:latin typeface="Consolas" panose="020B0609020204030204" pitchFamily="49" charset="0"/>
-              </a:rPr>
-              <a:t>const</a:t>
-            </a:r>
-            <a:r>
-              <a:rPr lang="en-IE" b="0" dirty="0">
-                <a:solidFill>
-                  <a:srgbClr val="D4D4D4"/>
-                </a:solidFill>
-                <a:effectLst/>
-                <a:latin typeface="Consolas" panose="020B0609020204030204" pitchFamily="49" charset="0"/>
-              </a:rPr>
-              <a:t> </a:t>
-            </a:r>
-            <a:r>
-              <a:rPr lang="en-IE" b="0" dirty="0" err="1">
-                <a:solidFill>
-                  <a:srgbClr val="4FC1FF"/>
-                </a:solidFill>
-                <a:effectLst/>
-                <a:latin typeface="Consolas" panose="020B0609020204030204" pitchFamily="49" charset="0"/>
-              </a:rPr>
-              <a:t>userSchema</a:t>
-            </a:r>
-            <a:r>
-              <a:rPr lang="en-IE" b="0" dirty="0">
-                <a:solidFill>
-                  <a:srgbClr val="D4D4D4"/>
-                </a:solidFill>
-                <a:effectLst/>
-                <a:latin typeface="Consolas" panose="020B0609020204030204" pitchFamily="49" charset="0"/>
-              </a:rPr>
-              <a:t> = </a:t>
-            </a:r>
-            <a:r>
-              <a:rPr lang="en-IE" b="0" dirty="0" err="1">
-                <a:solidFill>
-                  <a:srgbClr val="9CDCFE"/>
-                </a:solidFill>
-                <a:effectLst/>
-                <a:latin typeface="Consolas" panose="020B0609020204030204" pitchFamily="49" charset="0"/>
-              </a:rPr>
-              <a:t>Joi</a:t>
-            </a:r>
-            <a:r>
-              <a:rPr lang="en-IE" b="0" dirty="0" err="1">
-                <a:solidFill>
-                  <a:srgbClr val="D4D4D4"/>
-                </a:solidFill>
-                <a:effectLst/>
-                <a:latin typeface="Consolas" panose="020B0609020204030204" pitchFamily="49" charset="0"/>
-              </a:rPr>
-              <a:t>.</a:t>
-            </a:r>
-            <a:r>
-              <a:rPr lang="en-IE" b="0" dirty="0" err="1">
-                <a:solidFill>
-                  <a:srgbClr val="DCDCAA"/>
-                </a:solidFill>
-                <a:effectLst/>
-                <a:latin typeface="Consolas" panose="020B0609020204030204" pitchFamily="49" charset="0"/>
-              </a:rPr>
-              <a:t>object</a:t>
-            </a:r>
-            <a:r>
-              <a:rPr lang="en-IE" b="0" dirty="0">
-                <a:solidFill>
-                  <a:srgbClr val="D4D4D4"/>
-                </a:solidFill>
-                <a:effectLst/>
-                <a:latin typeface="Consolas" panose="020B0609020204030204" pitchFamily="49" charset="0"/>
-              </a:rPr>
-              <a:t>({</a:t>
-            </a:r>
-          </a:p>
-          <a:p>
-            <a:r>
-              <a:rPr lang="en-IE" b="0" dirty="0">
-                <a:solidFill>
-                  <a:srgbClr val="D4D4D4"/>
-                </a:solidFill>
-                <a:effectLst/>
-                <a:latin typeface="Consolas" panose="020B0609020204030204" pitchFamily="49" charset="0"/>
-              </a:rPr>
-              <a:t>    </a:t>
-            </a:r>
-            <a:r>
-              <a:rPr lang="en-IE" b="0" dirty="0">
-                <a:solidFill>
-                  <a:srgbClr val="9CDCFE"/>
-                </a:solidFill>
-                <a:effectLst/>
-                <a:latin typeface="Consolas" panose="020B0609020204030204" pitchFamily="49" charset="0"/>
-              </a:rPr>
-              <a:t>email:</a:t>
-            </a:r>
-            <a:r>
-              <a:rPr lang="en-IE" b="0" dirty="0">
-                <a:solidFill>
-                  <a:srgbClr val="D4D4D4"/>
-                </a:solidFill>
-                <a:effectLst/>
-                <a:latin typeface="Consolas" panose="020B0609020204030204" pitchFamily="49" charset="0"/>
-              </a:rPr>
-              <a:t> </a:t>
-            </a:r>
-            <a:r>
-              <a:rPr lang="en-IE" b="0" dirty="0" err="1">
-                <a:solidFill>
-                  <a:srgbClr val="9CDCFE"/>
-                </a:solidFill>
-                <a:effectLst/>
-                <a:latin typeface="Consolas" panose="020B0609020204030204" pitchFamily="49" charset="0"/>
-              </a:rPr>
-              <a:t>Joi</a:t>
-            </a:r>
-            <a:r>
-              <a:rPr lang="en-IE" b="0" dirty="0" err="1">
-                <a:solidFill>
-                  <a:srgbClr val="D4D4D4"/>
-                </a:solidFill>
-                <a:effectLst/>
-                <a:latin typeface="Consolas" panose="020B0609020204030204" pitchFamily="49" charset="0"/>
-              </a:rPr>
-              <a:t>.</a:t>
-            </a:r>
-            <a:r>
-              <a:rPr lang="en-IE" b="0" dirty="0" err="1">
-                <a:solidFill>
-                  <a:srgbClr val="DCDCAA"/>
-                </a:solidFill>
-                <a:effectLst/>
-                <a:latin typeface="Consolas" panose="020B0609020204030204" pitchFamily="49" charset="0"/>
-              </a:rPr>
-              <a:t>string</a:t>
-            </a:r>
-            <a:r>
-              <a:rPr lang="en-IE" b="0" dirty="0">
-                <a:solidFill>
-                  <a:srgbClr val="D4D4D4"/>
-                </a:solidFill>
-                <a:effectLst/>
-                <a:latin typeface="Consolas" panose="020B0609020204030204" pitchFamily="49" charset="0"/>
-              </a:rPr>
-              <a:t>().</a:t>
-            </a:r>
-            <a:r>
-              <a:rPr lang="en-IE" b="0" dirty="0">
-                <a:solidFill>
-                  <a:srgbClr val="DCDCAA"/>
-                </a:solidFill>
-                <a:effectLst/>
-                <a:latin typeface="Consolas" panose="020B0609020204030204" pitchFamily="49" charset="0"/>
-              </a:rPr>
-              <a:t>email</a:t>
-            </a:r>
-            <a:r>
-              <a:rPr lang="en-IE" b="0" dirty="0">
-                <a:solidFill>
-                  <a:srgbClr val="D4D4D4"/>
-                </a:solidFill>
-                <a:effectLst/>
-                <a:latin typeface="Consolas" panose="020B0609020204030204" pitchFamily="49" charset="0"/>
-              </a:rPr>
-              <a:t>().</a:t>
-            </a:r>
-            <a:r>
-              <a:rPr lang="en-IE" b="0" dirty="0">
-                <a:solidFill>
-                  <a:srgbClr val="DCDCAA"/>
-                </a:solidFill>
-                <a:effectLst/>
-                <a:latin typeface="Consolas" panose="020B0609020204030204" pitchFamily="49" charset="0"/>
-              </a:rPr>
-              <a:t>lowercase</a:t>
-            </a:r>
-            <a:r>
-              <a:rPr lang="en-IE" b="0" dirty="0">
-                <a:solidFill>
-                  <a:srgbClr val="D4D4D4"/>
-                </a:solidFill>
-                <a:effectLst/>
-                <a:latin typeface="Consolas" panose="020B0609020204030204" pitchFamily="49" charset="0"/>
-              </a:rPr>
-              <a:t>().</a:t>
-            </a:r>
-            <a:r>
-              <a:rPr lang="en-IE" b="0" dirty="0">
-                <a:solidFill>
-                  <a:srgbClr val="DCDCAA"/>
-                </a:solidFill>
-                <a:effectLst/>
-                <a:latin typeface="Consolas" panose="020B0609020204030204" pitchFamily="49" charset="0"/>
-              </a:rPr>
-              <a:t>required</a:t>
-            </a:r>
-            <a:r>
-              <a:rPr lang="en-IE" b="0" dirty="0">
-                <a:solidFill>
-                  <a:srgbClr val="D4D4D4"/>
-                </a:solidFill>
-                <a:effectLst/>
-                <a:latin typeface="Consolas" panose="020B0609020204030204" pitchFamily="49" charset="0"/>
-              </a:rPr>
-              <a:t>(),</a:t>
-            </a:r>
-          </a:p>
-          <a:p>
-            <a:r>
-              <a:rPr lang="en-IE" b="0" dirty="0">
-                <a:solidFill>
-                  <a:srgbClr val="D4D4D4"/>
-                </a:solidFill>
-                <a:effectLst/>
-                <a:latin typeface="Consolas" panose="020B0609020204030204" pitchFamily="49" charset="0"/>
-              </a:rPr>
-              <a:t>    </a:t>
-            </a:r>
-            <a:r>
-              <a:rPr lang="en-IE" b="0" dirty="0">
-                <a:solidFill>
-                  <a:srgbClr val="9CDCFE"/>
-                </a:solidFill>
-                <a:effectLst/>
-                <a:latin typeface="Consolas" panose="020B0609020204030204" pitchFamily="49" charset="0"/>
-              </a:rPr>
-              <a:t>password:</a:t>
-            </a:r>
-            <a:r>
-              <a:rPr lang="en-IE" b="0" dirty="0">
-                <a:solidFill>
-                  <a:srgbClr val="D4D4D4"/>
-                </a:solidFill>
-                <a:effectLst/>
-                <a:latin typeface="Consolas" panose="020B0609020204030204" pitchFamily="49" charset="0"/>
-              </a:rPr>
-              <a:t> </a:t>
-            </a:r>
-            <a:r>
-              <a:rPr lang="en-IE" b="0" dirty="0" err="1">
-                <a:solidFill>
-                  <a:srgbClr val="9CDCFE"/>
-                </a:solidFill>
-                <a:effectLst/>
-                <a:latin typeface="Consolas" panose="020B0609020204030204" pitchFamily="49" charset="0"/>
-              </a:rPr>
-              <a:t>Joi</a:t>
-            </a:r>
-            <a:r>
-              <a:rPr lang="en-IE" b="0" dirty="0" err="1">
-                <a:solidFill>
-                  <a:srgbClr val="D4D4D4"/>
-                </a:solidFill>
-                <a:effectLst/>
-                <a:latin typeface="Consolas" panose="020B0609020204030204" pitchFamily="49" charset="0"/>
-              </a:rPr>
-              <a:t>.</a:t>
-            </a:r>
-            <a:r>
-              <a:rPr lang="en-IE" b="0" dirty="0" err="1">
-                <a:solidFill>
-                  <a:srgbClr val="DCDCAA"/>
-                </a:solidFill>
-                <a:effectLst/>
-                <a:latin typeface="Consolas" panose="020B0609020204030204" pitchFamily="49" charset="0"/>
-              </a:rPr>
-              <a:t>string</a:t>
-            </a:r>
-            <a:r>
-              <a:rPr lang="en-IE" b="0" dirty="0">
-                <a:solidFill>
-                  <a:srgbClr val="D4D4D4"/>
-                </a:solidFill>
-                <a:effectLst/>
-                <a:latin typeface="Consolas" panose="020B0609020204030204" pitchFamily="49" charset="0"/>
-              </a:rPr>
-              <a:t>().</a:t>
-            </a:r>
-            <a:r>
-              <a:rPr lang="en-IE" b="0" dirty="0">
-                <a:solidFill>
-                  <a:srgbClr val="DCDCAA"/>
-                </a:solidFill>
-                <a:effectLst/>
-                <a:latin typeface="Consolas" panose="020B0609020204030204" pitchFamily="49" charset="0"/>
-              </a:rPr>
-              <a:t>min</a:t>
-            </a:r>
-            <a:r>
-              <a:rPr lang="en-IE" b="0" dirty="0">
-                <a:solidFill>
-                  <a:srgbClr val="D4D4D4"/>
-                </a:solidFill>
-                <a:effectLst/>
-                <a:latin typeface="Consolas" panose="020B0609020204030204" pitchFamily="49" charset="0"/>
-              </a:rPr>
-              <a:t>(</a:t>
-            </a:r>
-            <a:r>
-              <a:rPr lang="en-IE" b="0" dirty="0">
-                <a:solidFill>
-                  <a:srgbClr val="B5CEA8"/>
-                </a:solidFill>
-                <a:effectLst/>
-                <a:latin typeface="Consolas" panose="020B0609020204030204" pitchFamily="49" charset="0"/>
-              </a:rPr>
-              <a:t>5</a:t>
-            </a:r>
-            <a:r>
-              <a:rPr lang="en-IE" b="0" dirty="0">
-                <a:solidFill>
-                  <a:srgbClr val="D4D4D4"/>
-                </a:solidFill>
-                <a:effectLst/>
-                <a:latin typeface="Consolas" panose="020B0609020204030204" pitchFamily="49" charset="0"/>
-              </a:rPr>
-              <a:t>).</a:t>
-            </a:r>
-            <a:r>
-              <a:rPr lang="en-IE" b="0" dirty="0">
-                <a:solidFill>
-                  <a:srgbClr val="DCDCAA"/>
-                </a:solidFill>
-                <a:effectLst/>
-                <a:latin typeface="Consolas" panose="020B0609020204030204" pitchFamily="49" charset="0"/>
-              </a:rPr>
-              <a:t>required</a:t>
-            </a:r>
-            <a:r>
-              <a:rPr lang="en-IE" b="0" dirty="0">
-                <a:solidFill>
-                  <a:srgbClr val="D4D4D4"/>
-                </a:solidFill>
-                <a:effectLst/>
-                <a:latin typeface="Consolas" panose="020B0609020204030204" pitchFamily="49" charset="0"/>
-              </a:rPr>
-              <a:t>(),</a:t>
-            </a:r>
-          </a:p>
-          <a:p>
-            <a:r>
-              <a:rPr lang="en-IE" b="0" dirty="0">
-                <a:solidFill>
-                  <a:srgbClr val="D4D4D4"/>
-                </a:solidFill>
-                <a:effectLst/>
-                <a:latin typeface="Consolas" panose="020B0609020204030204" pitchFamily="49" charset="0"/>
-              </a:rPr>
-              <a:t>    </a:t>
-            </a:r>
-            <a:r>
-              <a:rPr lang="en-IE" b="0" dirty="0">
-                <a:solidFill>
-                  <a:srgbClr val="9CDCFE"/>
-                </a:solidFill>
-                <a:effectLst/>
-                <a:latin typeface="Consolas" panose="020B0609020204030204" pitchFamily="49" charset="0"/>
-              </a:rPr>
-              <a:t>name:</a:t>
-            </a:r>
-            <a:r>
-              <a:rPr lang="en-IE" b="0" dirty="0">
-                <a:solidFill>
-                  <a:srgbClr val="D4D4D4"/>
-                </a:solidFill>
-                <a:effectLst/>
-                <a:latin typeface="Consolas" panose="020B0609020204030204" pitchFamily="49" charset="0"/>
-              </a:rPr>
-              <a:t> </a:t>
-            </a:r>
-            <a:r>
-              <a:rPr lang="en-IE" b="0" dirty="0" err="1">
-                <a:solidFill>
-                  <a:srgbClr val="9CDCFE"/>
-                </a:solidFill>
-                <a:effectLst/>
-                <a:latin typeface="Consolas" panose="020B0609020204030204" pitchFamily="49" charset="0"/>
-              </a:rPr>
-              <a:t>Joi</a:t>
-            </a:r>
-            <a:r>
-              <a:rPr lang="en-IE" b="0" dirty="0" err="1">
-                <a:solidFill>
-                  <a:srgbClr val="D4D4D4"/>
-                </a:solidFill>
-                <a:effectLst/>
-                <a:latin typeface="Consolas" panose="020B0609020204030204" pitchFamily="49" charset="0"/>
-              </a:rPr>
-              <a:t>.</a:t>
-            </a:r>
-            <a:r>
-              <a:rPr lang="en-IE" b="0" dirty="0" err="1">
-                <a:solidFill>
-                  <a:srgbClr val="DCDCAA"/>
-                </a:solidFill>
-                <a:effectLst/>
-                <a:latin typeface="Consolas" panose="020B0609020204030204" pitchFamily="49" charset="0"/>
-              </a:rPr>
-              <a:t>string</a:t>
-            </a:r>
-            <a:r>
-              <a:rPr lang="en-IE" b="0" dirty="0">
-                <a:solidFill>
-                  <a:srgbClr val="D4D4D4"/>
-                </a:solidFill>
-                <a:effectLst/>
-                <a:latin typeface="Consolas" panose="020B0609020204030204" pitchFamily="49" charset="0"/>
-              </a:rPr>
-              <a:t>().</a:t>
-            </a:r>
-            <a:r>
-              <a:rPr lang="en-IE" b="0" dirty="0">
-                <a:solidFill>
-                  <a:srgbClr val="DCDCAA"/>
-                </a:solidFill>
-                <a:effectLst/>
-                <a:latin typeface="Consolas" panose="020B0609020204030204" pitchFamily="49" charset="0"/>
-              </a:rPr>
-              <a:t>min</a:t>
-            </a:r>
-            <a:r>
-              <a:rPr lang="en-IE" b="0" dirty="0">
-                <a:solidFill>
-                  <a:srgbClr val="D4D4D4"/>
-                </a:solidFill>
-                <a:effectLst/>
-                <a:latin typeface="Consolas" panose="020B0609020204030204" pitchFamily="49" charset="0"/>
-              </a:rPr>
-              <a:t>(</a:t>
-            </a:r>
-            <a:r>
-              <a:rPr lang="en-IE" b="0" dirty="0">
-                <a:solidFill>
-                  <a:srgbClr val="B5CEA8"/>
-                </a:solidFill>
-                <a:effectLst/>
-                <a:latin typeface="Consolas" panose="020B0609020204030204" pitchFamily="49" charset="0"/>
-              </a:rPr>
-              <a:t>1</a:t>
-            </a:r>
-            <a:r>
-              <a:rPr lang="en-IE" b="0" dirty="0">
-                <a:solidFill>
-                  <a:srgbClr val="D4D4D4"/>
-                </a:solidFill>
-                <a:effectLst/>
-                <a:latin typeface="Consolas" panose="020B0609020204030204" pitchFamily="49" charset="0"/>
-              </a:rPr>
-              <a:t>).</a:t>
-            </a:r>
-            <a:r>
-              <a:rPr lang="en-IE" b="0" dirty="0">
-                <a:solidFill>
-                  <a:srgbClr val="DCDCAA"/>
-                </a:solidFill>
-                <a:effectLst/>
-                <a:latin typeface="Consolas" panose="020B0609020204030204" pitchFamily="49" charset="0"/>
-              </a:rPr>
-              <a:t>required</a:t>
-            </a:r>
-            <a:r>
-              <a:rPr lang="en-IE" b="0" dirty="0">
-                <a:solidFill>
-                  <a:srgbClr val="D4D4D4"/>
-                </a:solidFill>
-                <a:effectLst/>
-                <a:latin typeface="Consolas" panose="020B0609020204030204" pitchFamily="49" charset="0"/>
-              </a:rPr>
-              <a:t>(),</a:t>
-            </a:r>
-          </a:p>
-          <a:p>
-            <a:r>
-              <a:rPr lang="en-IE" b="0" dirty="0">
-                <a:solidFill>
-                  <a:srgbClr val="D4D4D4"/>
-                </a:solidFill>
-                <a:effectLst/>
-                <a:latin typeface="Consolas" panose="020B0609020204030204" pitchFamily="49" charset="0"/>
-              </a:rPr>
-              <a:t>    </a:t>
-            </a:r>
-            <a:r>
-              <a:rPr lang="en-IE" b="0" dirty="0">
-                <a:solidFill>
-                  <a:srgbClr val="9CDCFE"/>
-                </a:solidFill>
-                <a:effectLst/>
-                <a:latin typeface="Consolas" panose="020B0609020204030204" pitchFamily="49" charset="0"/>
-              </a:rPr>
-              <a:t>dob:</a:t>
-            </a:r>
-            <a:r>
-              <a:rPr lang="en-IE" b="0" dirty="0">
-                <a:solidFill>
-                  <a:srgbClr val="D4D4D4"/>
-                </a:solidFill>
-                <a:effectLst/>
-                <a:latin typeface="Consolas" panose="020B0609020204030204" pitchFamily="49" charset="0"/>
-              </a:rPr>
-              <a:t> </a:t>
-            </a:r>
-            <a:r>
-              <a:rPr lang="en-IE" b="0" dirty="0" err="1">
-                <a:solidFill>
-                  <a:srgbClr val="9CDCFE"/>
-                </a:solidFill>
-                <a:effectLst/>
-                <a:latin typeface="Consolas" panose="020B0609020204030204" pitchFamily="49" charset="0"/>
-              </a:rPr>
-              <a:t>Joi</a:t>
-            </a:r>
-            <a:r>
-              <a:rPr lang="en-IE" b="0" dirty="0" err="1">
-                <a:solidFill>
-                  <a:srgbClr val="D4D4D4"/>
-                </a:solidFill>
-                <a:effectLst/>
-                <a:latin typeface="Consolas" panose="020B0609020204030204" pitchFamily="49" charset="0"/>
-              </a:rPr>
-              <a:t>.</a:t>
-            </a:r>
-            <a:r>
-              <a:rPr lang="en-IE" b="0" dirty="0" err="1">
-                <a:solidFill>
-                  <a:srgbClr val="DCDCAA"/>
-                </a:solidFill>
-                <a:effectLst/>
-                <a:latin typeface="Consolas" panose="020B0609020204030204" pitchFamily="49" charset="0"/>
-              </a:rPr>
-              <a:t>string</a:t>
-            </a:r>
-            <a:r>
-              <a:rPr lang="en-IE" b="0" dirty="0">
-                <a:solidFill>
-                  <a:srgbClr val="D4D4D4"/>
-                </a:solidFill>
-                <a:effectLst/>
-                <a:latin typeface="Consolas" panose="020B0609020204030204" pitchFamily="49" charset="0"/>
-              </a:rPr>
-              <a:t>(),</a:t>
-            </a:r>
-          </a:p>
-          <a:p>
-            <a:r>
-              <a:rPr lang="en-IE" b="0" dirty="0">
-                <a:solidFill>
-                  <a:srgbClr val="D4D4D4"/>
-                </a:solidFill>
-                <a:effectLst/>
-                <a:latin typeface="Consolas" panose="020B0609020204030204" pitchFamily="49" charset="0"/>
-              </a:rPr>
-              <a:t>    </a:t>
-            </a:r>
-            <a:r>
-              <a:rPr lang="en-IE" b="0" dirty="0">
-                <a:solidFill>
-                  <a:srgbClr val="9CDCFE"/>
-                </a:solidFill>
-                <a:effectLst/>
-                <a:latin typeface="Consolas" panose="020B0609020204030204" pitchFamily="49" charset="0"/>
-              </a:rPr>
-              <a:t>type:</a:t>
-            </a:r>
-            <a:r>
-              <a:rPr lang="en-IE" b="0" dirty="0">
-                <a:solidFill>
-                  <a:srgbClr val="D4D4D4"/>
-                </a:solidFill>
-                <a:effectLst/>
-                <a:latin typeface="Consolas" panose="020B0609020204030204" pitchFamily="49" charset="0"/>
-              </a:rPr>
-              <a:t> </a:t>
-            </a:r>
-            <a:r>
-              <a:rPr lang="en-IE" b="0" dirty="0" err="1">
-                <a:solidFill>
-                  <a:srgbClr val="9CDCFE"/>
-                </a:solidFill>
-                <a:effectLst/>
-                <a:latin typeface="Consolas" panose="020B0609020204030204" pitchFamily="49" charset="0"/>
-              </a:rPr>
-              <a:t>Joi</a:t>
-            </a:r>
-            <a:r>
-              <a:rPr lang="en-IE" b="0" dirty="0" err="1">
-                <a:solidFill>
-                  <a:srgbClr val="D4D4D4"/>
-                </a:solidFill>
-                <a:effectLst/>
-                <a:latin typeface="Consolas" panose="020B0609020204030204" pitchFamily="49" charset="0"/>
-              </a:rPr>
-              <a:t>.</a:t>
-            </a:r>
-            <a:r>
-              <a:rPr lang="en-IE" b="0" dirty="0" err="1">
-                <a:solidFill>
-                  <a:srgbClr val="DCDCAA"/>
-                </a:solidFill>
-                <a:effectLst/>
-                <a:latin typeface="Consolas" panose="020B0609020204030204" pitchFamily="49" charset="0"/>
-              </a:rPr>
-              <a:t>string</a:t>
-            </a:r>
-            <a:r>
-              <a:rPr lang="en-IE" b="0" dirty="0">
-                <a:solidFill>
-                  <a:srgbClr val="D4D4D4"/>
-                </a:solidFill>
-                <a:effectLst/>
-                <a:latin typeface="Consolas" panose="020B0609020204030204" pitchFamily="49" charset="0"/>
-              </a:rPr>
-              <a:t>()</a:t>
-            </a:r>
-          </a:p>
-          <a:p>
-            <a:r>
-              <a:rPr lang="en-IE" b="0" dirty="0">
-                <a:solidFill>
-                  <a:srgbClr val="D4D4D4"/>
-                </a:solidFill>
-                <a:effectLst/>
-                <a:latin typeface="Consolas" panose="020B0609020204030204" pitchFamily="49" charset="0"/>
-              </a:rPr>
-              <a:t>});</a:t>
-            </a:r>
-          </a:p>
-          <a:p>
-            <a:br>
-              <a:rPr lang="en-IE" b="0" dirty="0">
-                <a:solidFill>
-                  <a:srgbClr val="D4D4D4"/>
-                </a:solidFill>
-                <a:effectLst/>
-                <a:latin typeface="Consolas" panose="020B0609020204030204" pitchFamily="49" charset="0"/>
-              </a:rPr>
-            </a:br>
-            <a:r>
-              <a:rPr lang="en-IE" b="0" dirty="0">
-                <a:solidFill>
-                  <a:srgbClr val="C586C0"/>
-                </a:solidFill>
-                <a:effectLst/>
-                <a:latin typeface="Consolas" panose="020B0609020204030204" pitchFamily="49" charset="0"/>
-              </a:rPr>
-              <a:t>export</a:t>
-            </a:r>
-            <a:r>
-              <a:rPr lang="en-IE" b="0" dirty="0">
-                <a:solidFill>
-                  <a:srgbClr val="D4D4D4"/>
-                </a:solidFill>
-                <a:effectLst/>
-                <a:latin typeface="Consolas" panose="020B0609020204030204" pitchFamily="49" charset="0"/>
-              </a:rPr>
-              <a:t> </a:t>
-            </a:r>
-            <a:r>
-              <a:rPr lang="en-IE" b="0" dirty="0">
-                <a:solidFill>
-                  <a:srgbClr val="C586C0"/>
-                </a:solidFill>
-                <a:effectLst/>
-                <a:latin typeface="Consolas" panose="020B0609020204030204" pitchFamily="49" charset="0"/>
-              </a:rPr>
-              <a:t>default</a:t>
-            </a:r>
-            <a:r>
-              <a:rPr lang="en-IE" b="0" dirty="0">
-                <a:solidFill>
-                  <a:srgbClr val="D4D4D4"/>
-                </a:solidFill>
-                <a:effectLst/>
-                <a:latin typeface="Consolas" panose="020B0609020204030204" pitchFamily="49" charset="0"/>
-              </a:rPr>
-              <a:t>  </a:t>
-            </a:r>
-            <a:r>
-              <a:rPr lang="en-IE" b="0" dirty="0" err="1">
-                <a:solidFill>
-                  <a:srgbClr val="4FC1FF"/>
-                </a:solidFill>
-                <a:effectLst/>
-                <a:latin typeface="Consolas" panose="020B0609020204030204" pitchFamily="49" charset="0"/>
-              </a:rPr>
-              <a:t>userSchema</a:t>
-            </a:r>
-            <a:r>
-              <a:rPr lang="en-IE" b="0" dirty="0">
-                <a:solidFill>
-                  <a:srgbClr val="D4D4D4"/>
-                </a:solidFill>
-                <a:effectLst/>
-                <a:latin typeface="Consolas" panose="020B0609020204030204" pitchFamily="49" charset="0"/>
-              </a:rPr>
-              <a:t>;</a:t>
-            </a:r>
-          </a:p>
-        </p:txBody>
-      </p:sp>
-      <p:sp>
-        <p:nvSpPr>
           <p:cNvPr id="2" name="Title 1">
             <a:extLst>
               <a:ext uri="{FF2B5EF4-FFF2-40B4-BE49-F238E27FC236}">
-                <a16:creationId xmlns:a16="http://schemas.microsoft.com/office/drawing/2014/main" id="{57E9A963-183F-4420-A850-76BFA67EA444}"/>
+                <a16:creationId xmlns:a16="http://schemas.microsoft.com/office/drawing/2014/main" id="{1BB7F199-DB66-78B2-B801-3CB810963230}"/>
               </a:ext>
             </a:extLst>
           </p:cNvPr>
@@ -28064,212 +31860,46 @@
           <a:p>
             <a:r>
               <a:rPr lang="en-IE" dirty="0"/>
-              <a:t>Using Joi: Define Schema</a:t>
+              <a:t>Plan to introduce Validation</a:t>
             </a:r>
           </a:p>
         </p:txBody>
       </p:sp>
-      <p:sp>
-        <p:nvSpPr>
-          <p:cNvPr id="8" name="Callout: Line with Border and Accent Bar 7">
+      <p:graphicFrame>
+        <p:nvGraphicFramePr>
+          <p:cNvPr id="5" name="Content Placeholder 4">
             <a:extLst>
               <a:ext uri="{FF2B5EF4-FFF2-40B4-BE49-F238E27FC236}">
-                <a16:creationId xmlns:a16="http://schemas.microsoft.com/office/drawing/2014/main" id="{7780B7D1-0B82-4D31-B8EE-119BE7B032B9}"/>
+                <a16:creationId xmlns:a16="http://schemas.microsoft.com/office/drawing/2014/main" id="{64463FB1-84F0-0B45-32F1-9A278F883530}"/>
               </a:ext>
             </a:extLst>
           </p:cNvPr>
-          <p:cNvSpPr/>
-          <p:nvPr/>
-        </p:nvSpPr>
-        <p:spPr>
-          <a:xfrm>
-            <a:off x="8045392" y="1253728"/>
-            <a:ext cx="3794183" cy="1143794"/>
-          </a:xfrm>
-          <a:prstGeom prst="accentBorderCallout1">
-            <a:avLst>
-              <a:gd name="adj1" fmla="val 18750"/>
-              <a:gd name="adj2" fmla="val -8333"/>
-              <a:gd name="adj3" fmla="val 141894"/>
-              <a:gd name="adj4" fmla="val -90360"/>
-            </a:avLst>
-          </a:prstGeom>
-        </p:spPr>
-        <p:style>
-          <a:lnRef idx="2">
-            <a:schemeClr val="accent1">
-              <a:shade val="50000"/>
-            </a:schemeClr>
-          </a:lnRef>
-          <a:fillRef idx="1">
-            <a:schemeClr val="accent1"/>
-          </a:fillRef>
-          <a:effectRef idx="0">
-            <a:schemeClr val="accent1"/>
-          </a:effectRef>
-          <a:fontRef idx="minor">
-            <a:schemeClr val="lt1"/>
-          </a:fontRef>
-        </p:style>
-        <p:txBody>
-          <a:bodyPr rtlCol="0" anchor="ctr"/>
-          <a:lstStyle/>
-          <a:p>
-            <a:pPr algn="ctr"/>
-            <a:r>
-              <a:rPr lang="en-IE" dirty="0"/>
-              <a:t>email is a String, formatted as email, lowercase, and must be present(required)</a:t>
-            </a:r>
-          </a:p>
-        </p:txBody>
-      </p:sp>
-      <p:sp>
-        <p:nvSpPr>
-          <p:cNvPr id="9" name="Callout: Line with Border and Accent Bar 8">
-            <a:extLst>
-              <a:ext uri="{FF2B5EF4-FFF2-40B4-BE49-F238E27FC236}">
-                <a16:creationId xmlns:a16="http://schemas.microsoft.com/office/drawing/2014/main" id="{3DEF0D50-1011-480F-8DB3-F060B7FFABD5}"/>
-              </a:ext>
-            </a:extLst>
-          </p:cNvPr>
-          <p:cNvSpPr/>
-          <p:nvPr/>
-        </p:nvSpPr>
-        <p:spPr>
-          <a:xfrm>
-            <a:off x="7901013" y="2507102"/>
-            <a:ext cx="3794183" cy="1143794"/>
-          </a:xfrm>
-          <a:prstGeom prst="accentBorderCallout1">
-            <a:avLst>
-              <a:gd name="adj1" fmla="val 18750"/>
-              <a:gd name="adj2" fmla="val -8333"/>
-              <a:gd name="adj3" fmla="val 64813"/>
-              <a:gd name="adj4" fmla="val -37738"/>
-            </a:avLst>
-          </a:prstGeom>
-        </p:spPr>
-        <p:style>
-          <a:lnRef idx="2">
-            <a:schemeClr val="accent1">
-              <a:shade val="50000"/>
-            </a:schemeClr>
-          </a:lnRef>
-          <a:fillRef idx="1">
-            <a:schemeClr val="accent1"/>
-          </a:fillRef>
-          <a:effectRef idx="0">
-            <a:schemeClr val="accent1"/>
-          </a:effectRef>
-          <a:fontRef idx="minor">
-            <a:schemeClr val="lt1"/>
-          </a:fontRef>
-        </p:style>
-        <p:txBody>
-          <a:bodyPr rtlCol="0" anchor="ctr"/>
-          <a:lstStyle/>
-          <a:p>
-            <a:pPr algn="ctr"/>
-            <a:r>
-              <a:rPr lang="en-IE" dirty="0"/>
-              <a:t>Password is a String, length of 4 or longer, and must be present</a:t>
-            </a:r>
-          </a:p>
-        </p:txBody>
-      </p:sp>
-      <p:sp>
-        <p:nvSpPr>
-          <p:cNvPr id="10" name="Callout: Line with Border and Accent Bar 9">
-            <a:extLst>
-              <a:ext uri="{FF2B5EF4-FFF2-40B4-BE49-F238E27FC236}">
-                <a16:creationId xmlns:a16="http://schemas.microsoft.com/office/drawing/2014/main" id="{2D6C0A67-C255-4387-8801-4D2123D79860}"/>
-              </a:ext>
-            </a:extLst>
-          </p:cNvPr>
-          <p:cNvSpPr/>
-          <p:nvPr/>
-        </p:nvSpPr>
-        <p:spPr>
-          <a:xfrm>
-            <a:off x="8045392" y="3895413"/>
-            <a:ext cx="3794183" cy="1143794"/>
-          </a:xfrm>
-          <a:prstGeom prst="accentBorderCallout1">
-            <a:avLst>
-              <a:gd name="adj1" fmla="val 18750"/>
-              <a:gd name="adj2" fmla="val -8333"/>
-              <a:gd name="adj3" fmla="val -30619"/>
-              <a:gd name="adj4" fmla="val -52501"/>
-            </a:avLst>
-          </a:prstGeom>
-        </p:spPr>
-        <p:style>
-          <a:lnRef idx="2">
-            <a:schemeClr val="accent1">
-              <a:shade val="50000"/>
-            </a:schemeClr>
-          </a:lnRef>
-          <a:fillRef idx="1">
-            <a:schemeClr val="accent1"/>
-          </a:fillRef>
-          <a:effectRef idx="0">
-            <a:schemeClr val="accent1"/>
-          </a:effectRef>
-          <a:fontRef idx="minor">
-            <a:schemeClr val="lt1"/>
-          </a:fontRef>
-        </p:style>
-        <p:txBody>
-          <a:bodyPr rtlCol="0" anchor="ctr"/>
-          <a:lstStyle/>
-          <a:p>
-            <a:pPr algn="ctr"/>
-            <a:r>
-              <a:rPr lang="en-IE" dirty="0"/>
-              <a:t>name is a String at least one character long</a:t>
-            </a:r>
-          </a:p>
-        </p:txBody>
-      </p:sp>
-      <p:sp>
-        <p:nvSpPr>
-          <p:cNvPr id="5" name="TextBox 4">
-            <a:extLst>
-              <a:ext uri="{FF2B5EF4-FFF2-40B4-BE49-F238E27FC236}">
-                <a16:creationId xmlns:a16="http://schemas.microsoft.com/office/drawing/2014/main" id="{8254B407-1813-7E5C-F122-33FD597B49D9}"/>
-              </a:ext>
-            </a:extLst>
-          </p:cNvPr>
-          <p:cNvSpPr txBox="1"/>
-          <p:nvPr/>
-        </p:nvSpPr>
-        <p:spPr>
-          <a:xfrm>
-            <a:off x="1752600" y="6032500"/>
-            <a:ext cx="5446427" cy="369332"/>
-          </a:xfrm>
-          <a:prstGeom prst="rect">
-            <a:avLst/>
-          </a:prstGeom>
-          <a:noFill/>
-        </p:spPr>
-        <p:txBody>
-          <a:bodyPr wrap="none" rtlCol="0">
-            <a:spAutoFit/>
-          </a:bodyPr>
-          <a:lstStyle/>
-          <a:p>
-            <a:r>
-              <a:rPr lang="en-IE" dirty="0"/>
-              <a:t>Note: This is not a good schema! We will improve later…</a:t>
-            </a:r>
-          </a:p>
-        </p:txBody>
-      </p:sp>
+          <p:cNvGraphicFramePr>
+            <a:graphicFrameLocks noGrp="1"/>
+          </p:cNvGraphicFramePr>
+          <p:nvPr>
+            <p:ph idx="1"/>
+            <p:extLst>
+              <p:ext uri="{D42A27DB-BD31-4B8C-83A1-F6EECF244321}">
+                <p14:modId xmlns:p14="http://schemas.microsoft.com/office/powerpoint/2010/main" val="83634422"/>
+              </p:ext>
+            </p:extLst>
+          </p:nvPr>
+        </p:nvGraphicFramePr>
+        <p:xfrm>
+          <a:off x="838200" y="1825625"/>
+          <a:ext cx="10515600" cy="4351338"/>
+        </p:xfrm>
+        <a:graphic>
+          <a:graphicData uri="http://schemas.openxmlformats.org/drawingml/2006/diagram">
+            <dgm:relIds xmlns:dgm="http://schemas.openxmlformats.org/drawingml/2006/diagram" xmlns:r="http://schemas.openxmlformats.org/officeDocument/2006/relationships" r:dm="rId2" r:lo="rId3" r:qs="rId4" r:cs="rId5"/>
+          </a:graphicData>
+        </a:graphic>
+      </p:graphicFrame>
     </p:spTree>
     <p:extLst>
       <p:ext uri="{BB962C8B-B14F-4D97-AF65-F5344CB8AC3E}">
-        <p14:creationId xmlns:p14="http://schemas.microsoft.com/office/powerpoint/2010/main" val="956900551"/>
+        <p14:creationId xmlns:p14="http://schemas.microsoft.com/office/powerpoint/2010/main" val="1300772151"/>
       </p:ext>
     </p:extLst>
   </p:cSld>
@@ -28870,6 +32500,21 @@
 </file>
 
 <file path=customXml/item1.xml><?xml version="1.0" encoding="utf-8"?>
+<p:properties xmlns:p="http://schemas.microsoft.com/office/2006/metadata/properties" xmlns:xsi="http://www.w3.org/2001/XMLSchema-instance" xmlns:pc="http://schemas.microsoft.com/office/infopath/2007/PartnerControls">
+  <documentManagement/>
+</p:properties>
+</file>
+
+<file path=customXml/item2.xml><?xml version="1.0" encoding="utf-8"?>
+<?mso-contentType ?>
+<FormTemplates xmlns="http://schemas.microsoft.com/sharepoint/v3/contenttype/forms">
+  <Display>DocumentLibraryForm</Display>
+  <Edit>DocumentLibraryForm</Edit>
+  <New>DocumentLibraryForm</New>
+</FormTemplates>
+</file>
+
+<file path=customXml/item3.xml><?xml version="1.0" encoding="utf-8"?>
 <ct:contentTypeSchema xmlns:ct="http://schemas.microsoft.com/office/2006/metadata/contentType" xmlns:ma="http://schemas.microsoft.com/office/2006/metadata/properties/metaAttributes" ct:_="" ma:_="" ma:contentTypeName="Document" ma:contentTypeID="0x010100027B1FB1A458AA4FB1520DBCEEEF84AB" ma:contentTypeVersion="12" ma:contentTypeDescription="Create a new document." ma:contentTypeScope="" ma:versionID="1e36a6e3acf469d288ca5924e281fce4">
   <xsd:schema xmlns:xsd="http://www.w3.org/2001/XMLSchema" xmlns:xs="http://www.w3.org/2001/XMLSchema" xmlns:p="http://schemas.microsoft.com/office/2006/metadata/properties" xmlns:ns3="2ce51dc8-c7fd-4e9f-aab7-66ee981bb74f" xmlns:ns4="4fa34961-db85-4b4a-bce8-6d4fac0faa91" targetNamespace="http://schemas.microsoft.com/office/2006/metadata/properties" ma:root="true" ma:fieldsID="6156cdd135d49b7aa70247738826da10" ns3:_="" ns4:_="">
     <xsd:import namespace="2ce51dc8-c7fd-4e9f-aab7-66ee981bb74f"/>
@@ -29086,22 +32731,32 @@
 </ct:contentTypeSchema>
 </file>
 
-<file path=customXml/item2.xml><?xml version="1.0" encoding="utf-8"?>
-<?mso-contentType ?>
-<FormTemplates xmlns="http://schemas.microsoft.com/sharepoint/v3/contenttype/forms">
-  <Display>DocumentLibraryForm</Display>
-  <Edit>DocumentLibraryForm</Edit>
-  <New>DocumentLibraryForm</New>
-</FormTemplates>
+<file path=customXml/itemProps1.xml><?xml version="1.0" encoding="utf-8"?>
+<ds:datastoreItem xmlns:ds="http://schemas.openxmlformats.org/officeDocument/2006/customXml" ds:itemID="{B84309B8-76FC-4141-AF1F-C6216355F633}">
+  <ds:schemaRefs>
+    <ds:schemaRef ds:uri="http://purl.org/dc/terms/"/>
+    <ds:schemaRef ds:uri="4fa34961-db85-4b4a-bce8-6d4fac0faa91"/>
+    <ds:schemaRef ds:uri="http://schemas.openxmlformats.org/package/2006/metadata/core-properties"/>
+    <ds:schemaRef ds:uri="http://purl.org/dc/dcmitype/"/>
+    <ds:schemaRef ds:uri="http://www.w3.org/XML/1998/namespace"/>
+    <ds:schemaRef ds:uri="2ce51dc8-c7fd-4e9f-aab7-66ee981bb74f"/>
+    <ds:schemaRef ds:uri="http://schemas.microsoft.com/office/2006/metadata/properties"/>
+    <ds:schemaRef ds:uri="http://schemas.microsoft.com/office/2006/documentManagement/types"/>
+    <ds:schemaRef ds:uri="http://schemas.microsoft.com/office/infopath/2007/PartnerControls"/>
+    <ds:schemaRef ds:uri="http://purl.org/dc/elements/1.1/"/>
+  </ds:schemaRefs>
+</ds:datastoreItem>
 </file>
 
-<file path=customXml/item3.xml><?xml version="1.0" encoding="utf-8"?>
-<p:properties xmlns:p="http://schemas.microsoft.com/office/2006/metadata/properties" xmlns:xsi="http://www.w3.org/2001/XMLSchema-instance" xmlns:pc="http://schemas.microsoft.com/office/infopath/2007/PartnerControls">
-  <documentManagement/>
-</p:properties>
+<file path=customXml/itemProps2.xml><?xml version="1.0" encoding="utf-8"?>
+<ds:datastoreItem xmlns:ds="http://schemas.openxmlformats.org/officeDocument/2006/customXml" ds:itemID="{0BF8C9C5-F1C6-430F-B98C-A32E4163279A}">
+  <ds:schemaRefs>
+    <ds:schemaRef ds:uri="http://schemas.microsoft.com/sharepoint/v3/contenttype/forms"/>
+  </ds:schemaRefs>
+</ds:datastoreItem>
 </file>
 
-<file path=customXml/itemProps1.xml><?xml version="1.0" encoding="utf-8"?>
+<file path=customXml/itemProps3.xml><?xml version="1.0" encoding="utf-8"?>
 <ds:datastoreItem xmlns:ds="http://schemas.openxmlformats.org/officeDocument/2006/customXml" ds:itemID="{326D33DC-81E9-4356-979A-37ADD9B2E43B}">
   <ds:schemaRefs>
     <ds:schemaRef ds:uri="http://schemas.microsoft.com/office/2006/metadata/contentType"/>
@@ -29118,29 +32773,4 @@
     <ds:schemaRef ds:uri="http://schemas.microsoft.com/internal/obd"/>
   </ds:schemaRefs>
 </ds:datastoreItem>
-</file>
-
-<file path=customXml/itemProps2.xml><?xml version="1.0" encoding="utf-8"?>
-<ds:datastoreItem xmlns:ds="http://schemas.openxmlformats.org/officeDocument/2006/customXml" ds:itemID="{0BF8C9C5-F1C6-430F-B98C-A32E4163279A}">
-  <ds:schemaRefs>
-    <ds:schemaRef ds:uri="http://schemas.microsoft.com/sharepoint/v3/contenttype/forms"/>
-  </ds:schemaRefs>
-</ds:datastoreItem>
-</file>
-
-<file path=customXml/itemProps3.xml><?xml version="1.0" encoding="utf-8"?>
-<ds:datastoreItem xmlns:ds="http://schemas.openxmlformats.org/officeDocument/2006/customXml" ds:itemID="{B84309B8-76FC-4141-AF1F-C6216355F633}">
-  <ds:schemaRefs>
-    <ds:schemaRef ds:uri="http://purl.org/dc/terms/"/>
-    <ds:schemaRef ds:uri="4fa34961-db85-4b4a-bce8-6d4fac0faa91"/>
-    <ds:schemaRef ds:uri="http://schemas.openxmlformats.org/package/2006/metadata/core-properties"/>
-    <ds:schemaRef ds:uri="http://purl.org/dc/dcmitype/"/>
-    <ds:schemaRef ds:uri="http://www.w3.org/XML/1998/namespace"/>
-    <ds:schemaRef ds:uri="2ce51dc8-c7fd-4e9f-aab7-66ee981bb74f"/>
-    <ds:schemaRef ds:uri="http://schemas.microsoft.com/office/2006/metadata/properties"/>
-    <ds:schemaRef ds:uri="http://schemas.microsoft.com/office/2006/documentManagement/types"/>
-    <ds:schemaRef ds:uri="http://schemas.microsoft.com/office/infopath/2007/PartnerControls"/>
-    <ds:schemaRef ds:uri="http://purl.org/dc/elements/1.1/"/>
-  </ds:schemaRefs>
-</ds:datastoreItem>
 </file>